--- a/sql/terugkom_ochtend/sql_terugkom_ochtend.pptx
+++ b/sql/terugkom_ochtend/sql_terugkom_ochtend.pptx
@@ -8,16 +8,22 @@
     <p:sldId id="256" r:id="rId2"/>
     <p:sldId id="271" r:id="rId3"/>
     <p:sldId id="272" r:id="rId4"/>
-    <p:sldId id="273" r:id="rId5"/>
-    <p:sldId id="323" r:id="rId6"/>
-    <p:sldId id="257" r:id="rId7"/>
-    <p:sldId id="258" r:id="rId8"/>
-    <p:sldId id="259" r:id="rId9"/>
-    <p:sldId id="260" r:id="rId10"/>
-    <p:sldId id="261" r:id="rId11"/>
-    <p:sldId id="262" r:id="rId12"/>
-    <p:sldId id="322" r:id="rId13"/>
-    <p:sldId id="324" r:id="rId14"/>
+    <p:sldId id="322" r:id="rId5"/>
+    <p:sldId id="324" r:id="rId6"/>
+    <p:sldId id="273" r:id="rId7"/>
+    <p:sldId id="323" r:id="rId8"/>
+    <p:sldId id="257" r:id="rId9"/>
+    <p:sldId id="258" r:id="rId10"/>
+    <p:sldId id="259" r:id="rId11"/>
+    <p:sldId id="260" r:id="rId12"/>
+    <p:sldId id="261" r:id="rId13"/>
+    <p:sldId id="262" r:id="rId14"/>
+    <p:sldId id="325" r:id="rId15"/>
+    <p:sldId id="331" r:id="rId16"/>
+    <p:sldId id="332" r:id="rId17"/>
+    <p:sldId id="330" r:id="rId18"/>
+    <p:sldId id="328" r:id="rId19"/>
+    <p:sldId id="329" r:id="rId20"/>
   </p:sldIdLst>
   <p:sldSz cx="12192000" cy="6858000"/>
   <p:notesSz cx="6858000" cy="9144000"/>
@@ -273,7 +279,7 @@
           <a:p>
             <a:fld id="{74C49272-0111-4310-A9F0-C1CA0D6AA5E5}" type="datetimeFigureOut">
               <a:rPr lang="en-NL" smtClean="0"/>
-              <a:t>26/01/2021</a:t>
+              <a:t>27/10/2022</a:t>
             </a:fld>
             <a:endParaRPr lang="en-NL"/>
           </a:p>
@@ -473,7 +479,7 @@
           <a:p>
             <a:fld id="{74C49272-0111-4310-A9F0-C1CA0D6AA5E5}" type="datetimeFigureOut">
               <a:rPr lang="en-NL" smtClean="0"/>
-              <a:t>26/01/2021</a:t>
+              <a:t>27/10/2022</a:t>
             </a:fld>
             <a:endParaRPr lang="en-NL"/>
           </a:p>
@@ -683,7 +689,7 @@
           <a:p>
             <a:fld id="{74C49272-0111-4310-A9F0-C1CA0D6AA5E5}" type="datetimeFigureOut">
               <a:rPr lang="en-NL" smtClean="0"/>
-              <a:t>26/01/2021</a:t>
+              <a:t>27/10/2022</a:t>
             </a:fld>
             <a:endParaRPr lang="en-NL"/>
           </a:p>
@@ -883,7 +889,7 @@
           <a:p>
             <a:fld id="{74C49272-0111-4310-A9F0-C1CA0D6AA5E5}" type="datetimeFigureOut">
               <a:rPr lang="en-NL" smtClean="0"/>
-              <a:t>26/01/2021</a:t>
+              <a:t>27/10/2022</a:t>
             </a:fld>
             <a:endParaRPr lang="en-NL"/>
           </a:p>
@@ -1159,7 +1165,7 @@
           <a:p>
             <a:fld id="{74C49272-0111-4310-A9F0-C1CA0D6AA5E5}" type="datetimeFigureOut">
               <a:rPr lang="en-NL" smtClean="0"/>
-              <a:t>26/01/2021</a:t>
+              <a:t>27/10/2022</a:t>
             </a:fld>
             <a:endParaRPr lang="en-NL"/>
           </a:p>
@@ -1427,7 +1433,7 @@
           <a:p>
             <a:fld id="{74C49272-0111-4310-A9F0-C1CA0D6AA5E5}" type="datetimeFigureOut">
               <a:rPr lang="en-NL" smtClean="0"/>
-              <a:t>26/01/2021</a:t>
+              <a:t>27/10/2022</a:t>
             </a:fld>
             <a:endParaRPr lang="en-NL"/>
           </a:p>
@@ -1842,7 +1848,7 @@
           <a:p>
             <a:fld id="{74C49272-0111-4310-A9F0-C1CA0D6AA5E5}" type="datetimeFigureOut">
               <a:rPr lang="en-NL" smtClean="0"/>
-              <a:t>26/01/2021</a:t>
+              <a:t>27/10/2022</a:t>
             </a:fld>
             <a:endParaRPr lang="en-NL"/>
           </a:p>
@@ -1984,7 +1990,7 @@
           <a:p>
             <a:fld id="{74C49272-0111-4310-A9F0-C1CA0D6AA5E5}" type="datetimeFigureOut">
               <a:rPr lang="en-NL" smtClean="0"/>
-              <a:t>26/01/2021</a:t>
+              <a:t>27/10/2022</a:t>
             </a:fld>
             <a:endParaRPr lang="en-NL"/>
           </a:p>
@@ -2097,7 +2103,7 @@
           <a:p>
             <a:fld id="{74C49272-0111-4310-A9F0-C1CA0D6AA5E5}" type="datetimeFigureOut">
               <a:rPr lang="en-NL" smtClean="0"/>
-              <a:t>26/01/2021</a:t>
+              <a:t>27/10/2022</a:t>
             </a:fld>
             <a:endParaRPr lang="en-NL"/>
           </a:p>
@@ -2410,7 +2416,7 @@
           <a:p>
             <a:fld id="{74C49272-0111-4310-A9F0-C1CA0D6AA5E5}" type="datetimeFigureOut">
               <a:rPr lang="en-NL" smtClean="0"/>
-              <a:t>26/01/2021</a:t>
+              <a:t>27/10/2022</a:t>
             </a:fld>
             <a:endParaRPr lang="en-NL"/>
           </a:p>
@@ -2699,7 +2705,7 @@
           <a:p>
             <a:fld id="{74C49272-0111-4310-A9F0-C1CA0D6AA5E5}" type="datetimeFigureOut">
               <a:rPr lang="en-NL" smtClean="0"/>
-              <a:t>26/01/2021</a:t>
+              <a:t>27/10/2022</a:t>
             </a:fld>
             <a:endParaRPr lang="en-NL"/>
           </a:p>
@@ -2942,7 +2948,7 @@
           <a:p>
             <a:fld id="{74C49272-0111-4310-A9F0-C1CA0D6AA5E5}" type="datetimeFigureOut">
               <a:rPr lang="en-NL" smtClean="0"/>
-              <a:t>26/01/2021</a:t>
+              <a:t>27/10/2022</a:t>
             </a:fld>
             <a:endParaRPr lang="en-NL"/>
           </a:p>
@@ -3494,11 +3500,11 @@
           <a:p>
             <a:r>
               <a:rPr lang="nl-NL" sz="3600" dirty="0" err="1"/>
-              <a:t>Stateful</a:t>
+              <a:t>Stateless</a:t>
             </a:r>
             <a:r>
               <a:rPr lang="nl-NL" sz="3600" dirty="0"/>
-              <a:t> transformaties: SQL</a:t>
+              <a:t> transformaties</a:t>
             </a:r>
           </a:p>
         </p:txBody>
@@ -3517,7 +3523,7 @@
         </p:nvSpPr>
         <p:spPr>
           <a:xfrm>
-            <a:off x="1558214" y="1690688"/>
+            <a:off x="2789854" y="1690688"/>
             <a:ext cx="2463281" cy="1045029"/>
           </a:xfrm>
           <a:prstGeom prst="rect">
@@ -3565,7 +3571,7 @@
         </p:nvSpPr>
         <p:spPr>
           <a:xfrm>
-            <a:off x="8170504" y="1690688"/>
+            <a:off x="6963748" y="1690688"/>
             <a:ext cx="2463281" cy="1045029"/>
           </a:xfrm>
           <a:prstGeom prst="rect">
@@ -3613,7 +3619,7 @@
         </p:nvSpPr>
         <p:spPr>
           <a:xfrm>
-            <a:off x="1558214" y="3429000"/>
+            <a:off x="5013649" y="3727872"/>
             <a:ext cx="2463281" cy="1045029"/>
           </a:xfrm>
           <a:prstGeom prst="rect">
@@ -3643,146 +3649,29 @@
               <a:rPr lang="en-US" dirty="0"/>
               <a:t>Logica</a:t>
             </a:r>
-          </a:p>
-          <a:p>
-            <a:pPr algn="ctr"/>
-            <a:r>
-              <a:rPr lang="en-US" dirty="0"/>
-              <a:t>(fit)</a:t>
-            </a:r>
-            <a:endParaRPr lang="en-NL" dirty="0"/>
-          </a:p>
-        </p:txBody>
-      </p:sp>
-      <p:sp>
-        <p:nvSpPr>
-          <p:cNvPr id="18" name="Rectangle 17">
-            <a:extLst>
-              <a:ext uri="{FF2B5EF4-FFF2-40B4-BE49-F238E27FC236}">
-                <a16:creationId xmlns:a16="http://schemas.microsoft.com/office/drawing/2014/main" id="{E608E9A1-8C62-4334-89A4-658DBC77AEB9}"/>
-              </a:ext>
-            </a:extLst>
-          </p:cNvPr>
-          <p:cNvSpPr/>
-          <p:nvPr/>
-        </p:nvSpPr>
-        <p:spPr>
-          <a:xfrm>
-            <a:off x="8170504" y="3428997"/>
-            <a:ext cx="2463281" cy="1045029"/>
-          </a:xfrm>
-          <a:prstGeom prst="rect">
-            <a:avLst/>
-          </a:prstGeom>
-        </p:spPr>
-        <p:style>
-          <a:lnRef idx="1">
-            <a:schemeClr val="accent6"/>
-          </a:lnRef>
-          <a:fillRef idx="2">
-            <a:schemeClr val="accent6"/>
-          </a:fillRef>
-          <a:effectRef idx="1">
-            <a:schemeClr val="accent6"/>
-          </a:effectRef>
-          <a:fontRef idx="minor">
-            <a:schemeClr val="dk1"/>
-          </a:fontRef>
-        </p:style>
-        <p:txBody>
-          <a:bodyPr rtlCol="0" anchor="ctr"/>
-          <a:lstStyle/>
-          <a:p>
-            <a:pPr algn="ctr"/>
-            <a:r>
-              <a:rPr lang="en-US" dirty="0"/>
-              <a:t>Logica</a:t>
-            </a:r>
-          </a:p>
-          <a:p>
-            <a:pPr algn="ctr"/>
-            <a:r>
-              <a:rPr lang="en-US" dirty="0"/>
-              <a:t>(transform)</a:t>
-            </a:r>
-            <a:endParaRPr lang="en-NL" dirty="0"/>
-          </a:p>
-        </p:txBody>
-      </p:sp>
-      <p:sp>
-        <p:nvSpPr>
-          <p:cNvPr id="22" name="Rectangle 21">
-            <a:extLst>
-              <a:ext uri="{FF2B5EF4-FFF2-40B4-BE49-F238E27FC236}">
-                <a16:creationId xmlns:a16="http://schemas.microsoft.com/office/drawing/2014/main" id="{ECA5FD62-3898-4F3D-A78B-132DC26CAE84}"/>
-              </a:ext>
-            </a:extLst>
-          </p:cNvPr>
-          <p:cNvSpPr/>
-          <p:nvPr/>
-        </p:nvSpPr>
-        <p:spPr>
-          <a:xfrm>
-            <a:off x="4864359" y="3428998"/>
-            <a:ext cx="2463281" cy="1045029"/>
-          </a:xfrm>
-          <a:prstGeom prst="rect">
-            <a:avLst/>
-          </a:prstGeom>
-        </p:spPr>
-        <p:style>
-          <a:lnRef idx="1">
-            <a:schemeClr val="accent5"/>
-          </a:lnRef>
-          <a:fillRef idx="2">
-            <a:schemeClr val="accent5"/>
-          </a:fillRef>
-          <a:effectRef idx="1">
-            <a:schemeClr val="accent5"/>
-          </a:effectRef>
-          <a:fontRef idx="minor">
-            <a:schemeClr val="dk1"/>
-          </a:fontRef>
-        </p:style>
-        <p:txBody>
-          <a:bodyPr rtlCol="0" anchor="ctr"/>
-          <a:lstStyle/>
-          <a:p>
-            <a:pPr algn="ctr"/>
-            <a:r>
-              <a:rPr lang="en-US" dirty="0"/>
-              <a:t>Artefact</a:t>
-            </a:r>
-          </a:p>
-          <a:p>
-            <a:pPr algn="ctr"/>
-            <a:r>
-              <a:rPr lang="en-US" dirty="0"/>
-              <a:t>(min, max)</a:t>
-            </a:r>
             <a:endParaRPr lang="en-NL" dirty="0"/>
           </a:p>
         </p:txBody>
       </p:sp>
       <p:cxnSp>
         <p:nvCxnSpPr>
-          <p:cNvPr id="14" name="Straight Arrow Connector 13">
-            <a:extLst>
-              <a:ext uri="{FF2B5EF4-FFF2-40B4-BE49-F238E27FC236}">
-                <a16:creationId xmlns:a16="http://schemas.microsoft.com/office/drawing/2014/main" id="{42879A38-668D-43B6-81E6-146745EAE866}"/>
+          <p:cNvPr id="11" name="Straight Arrow Connector 10">
+            <a:extLst>
+              <a:ext uri="{FF2B5EF4-FFF2-40B4-BE49-F238E27FC236}">
+                <a16:creationId xmlns:a16="http://schemas.microsoft.com/office/drawing/2014/main" id="{35B6EEAE-F937-4936-A7E1-085D0067F8B9}"/>
               </a:ext>
             </a:extLst>
           </p:cNvPr>
           <p:cNvCxnSpPr>
-            <a:stCxn id="7" idx="2"/>
-            <a:endCxn id="9" idx="0"/>
+            <a:stCxn id="9" idx="0"/>
+            <a:endCxn id="7" idx="2"/>
           </p:cNvCxnSpPr>
           <p:nvPr/>
         </p:nvCxnSpPr>
         <p:spPr>
-          <a:xfrm>
-            <a:off x="2789855" y="2735717"/>
-            <a:ext cx="0" cy="693283"/>
+          <a:xfrm flipH="1" flipV="1">
+            <a:off x="4021495" y="2735717"/>
+            <a:ext cx="2223795" cy="992155"/>
           </a:xfrm>
           <a:prstGeom prst="straightConnector1">
             <a:avLst/>
@@ -3808,23 +3697,23 @@
       </p:cxnSp>
       <p:cxnSp>
         <p:nvCxnSpPr>
-          <p:cNvPr id="23" name="Straight Arrow Connector 22">
-            <a:extLst>
-              <a:ext uri="{FF2B5EF4-FFF2-40B4-BE49-F238E27FC236}">
-                <a16:creationId xmlns:a16="http://schemas.microsoft.com/office/drawing/2014/main" id="{9D440109-3CA3-4ADD-A8F5-C8BB779A6697}"/>
+          <p:cNvPr id="13" name="Straight Arrow Connector 12">
+            <a:extLst>
+              <a:ext uri="{FF2B5EF4-FFF2-40B4-BE49-F238E27FC236}">
+                <a16:creationId xmlns:a16="http://schemas.microsoft.com/office/drawing/2014/main" id="{B0DBF9CB-44F9-4A99-BEC6-F3BC39B04DA7}"/>
               </a:ext>
             </a:extLst>
           </p:cNvPr>
           <p:cNvCxnSpPr>
-            <a:stCxn id="9" idx="3"/>
-            <a:endCxn id="22" idx="1"/>
+            <a:stCxn id="9" idx="0"/>
+            <a:endCxn id="8" idx="2"/>
           </p:cNvCxnSpPr>
           <p:nvPr/>
         </p:nvCxnSpPr>
         <p:spPr>
           <a:xfrm flipV="1">
-            <a:off x="4021495" y="3951513"/>
-            <a:ext cx="842864" cy="2"/>
+            <a:off x="6245290" y="2735717"/>
+            <a:ext cx="1950099" cy="992155"/>
           </a:xfrm>
           <a:prstGeom prst="straightConnector1">
             <a:avLst/>
@@ -3848,96 +3737,12 @@
           </a:fontRef>
         </p:style>
       </p:cxnSp>
-      <p:cxnSp>
-        <p:nvCxnSpPr>
-          <p:cNvPr id="28" name="Straight Arrow Connector 27">
-            <a:extLst>
-              <a:ext uri="{FF2B5EF4-FFF2-40B4-BE49-F238E27FC236}">
-                <a16:creationId xmlns:a16="http://schemas.microsoft.com/office/drawing/2014/main" id="{41492F47-576B-45C9-ADBD-686F8DF5F1E0}"/>
-              </a:ext>
-            </a:extLst>
-          </p:cNvPr>
-          <p:cNvCxnSpPr>
-            <a:stCxn id="22" idx="3"/>
-            <a:endCxn id="18" idx="1"/>
-          </p:cNvCxnSpPr>
-          <p:nvPr/>
-        </p:nvCxnSpPr>
-        <p:spPr>
-          <a:xfrm flipV="1">
-            <a:off x="7327640" y="3951512"/>
-            <a:ext cx="842864" cy="1"/>
-          </a:xfrm>
-          <a:prstGeom prst="straightConnector1">
-            <a:avLst/>
-          </a:prstGeom>
-          <a:ln>
-            <a:tailEnd type="triangle"/>
-          </a:ln>
-        </p:spPr>
-        <p:style>
-          <a:lnRef idx="3">
-            <a:schemeClr val="dk1"/>
-          </a:lnRef>
-          <a:fillRef idx="0">
-            <a:schemeClr val="dk1"/>
-          </a:fillRef>
-          <a:effectRef idx="2">
-            <a:schemeClr val="dk1"/>
-          </a:effectRef>
-          <a:fontRef idx="minor">
-            <a:schemeClr val="tx1"/>
-          </a:fontRef>
-        </p:style>
-      </p:cxnSp>
-      <p:cxnSp>
-        <p:nvCxnSpPr>
-          <p:cNvPr id="30" name="Straight Arrow Connector 29">
-            <a:extLst>
-              <a:ext uri="{FF2B5EF4-FFF2-40B4-BE49-F238E27FC236}">
-                <a16:creationId xmlns:a16="http://schemas.microsoft.com/office/drawing/2014/main" id="{8E084A15-CC90-478E-ACB7-71EE7779BDAF}"/>
-              </a:ext>
-            </a:extLst>
-          </p:cNvPr>
-          <p:cNvCxnSpPr>
-            <a:stCxn id="18" idx="0"/>
-            <a:endCxn id="8" idx="2"/>
-          </p:cNvCxnSpPr>
-          <p:nvPr/>
-        </p:nvCxnSpPr>
-        <p:spPr>
-          <a:xfrm flipV="1">
-            <a:off x="9402145" y="2735717"/>
-            <a:ext cx="0" cy="693280"/>
-          </a:xfrm>
-          <a:prstGeom prst="straightConnector1">
-            <a:avLst/>
-          </a:prstGeom>
-          <a:ln>
-            <a:tailEnd type="triangle"/>
-          </a:ln>
-        </p:spPr>
-        <p:style>
-          <a:lnRef idx="3">
-            <a:schemeClr val="dk1"/>
-          </a:lnRef>
-          <a:fillRef idx="0">
-            <a:schemeClr val="dk1"/>
-          </a:fillRef>
-          <a:effectRef idx="2">
-            <a:schemeClr val="dk1"/>
-          </a:effectRef>
-          <a:fontRef idx="minor">
-            <a:schemeClr val="tx1"/>
-          </a:fontRef>
-        </p:style>
-      </p:cxnSp>
-      <p:sp>
-        <p:nvSpPr>
-          <p:cNvPr id="3" name="Rectangle 2">
-            <a:extLst>
-              <a:ext uri="{FF2B5EF4-FFF2-40B4-BE49-F238E27FC236}">
-                <a16:creationId xmlns:a16="http://schemas.microsoft.com/office/drawing/2014/main" id="{2ADDD692-FCB3-4D52-BAB4-7C43974A40E9}"/>
+      <p:sp>
+        <p:nvSpPr>
+          <p:cNvPr id="16" name="Rectangle 15">
+            <a:extLst>
+              <a:ext uri="{FF2B5EF4-FFF2-40B4-BE49-F238E27FC236}">
+                <a16:creationId xmlns:a16="http://schemas.microsoft.com/office/drawing/2014/main" id="{C7285DC1-2366-4F93-BE61-3389E4CC8A0A}"/>
               </a:ext>
             </a:extLst>
           </p:cNvPr>
@@ -3946,8 +3751,8 @@
         </p:nvSpPr>
         <p:spPr>
           <a:xfrm>
-            <a:off x="4864359" y="5092117"/>
-            <a:ext cx="2463281" cy="721453"/>
+            <a:off x="1677957" y="3430848"/>
+            <a:ext cx="2463281" cy="1655891"/>
           </a:xfrm>
           <a:prstGeom prst="rect">
             <a:avLst/>
@@ -3971,10 +3776,33 @@
           <a:bodyPr rtlCol="0" anchor="ctr"/>
           <a:lstStyle/>
           <a:p>
-            <a:pPr algn="ctr"/>
             <a:r>
               <a:rPr lang="en-US" dirty="0"/>
-              <a:t>TABLE</a:t>
+              <a:t>SELECT</a:t>
+            </a:r>
+          </a:p>
+          <a:p>
+            <a:r>
+              <a:rPr lang="en-US" dirty="0"/>
+              <a:t>  CASE</a:t>
+            </a:r>
+          </a:p>
+          <a:p>
+            <a:r>
+              <a:rPr lang="en-US" dirty="0"/>
+              <a:t>     WHEN … THEN ..</a:t>
+            </a:r>
+          </a:p>
+          <a:p>
+            <a:r>
+              <a:rPr lang="en-US" dirty="0"/>
+              <a:t>  END</a:t>
+            </a:r>
+          </a:p>
+          <a:p>
+            <a:r>
+              <a:rPr lang="en-US" dirty="0"/>
+              <a:t>FROM …</a:t>
             </a:r>
             <a:endParaRPr lang="en-NL" dirty="0"/>
           </a:p>
@@ -3982,10 +3810,10 @@
       </p:sp>
       <p:sp>
         <p:nvSpPr>
-          <p:cNvPr id="13" name="Rectangle 12">
-            <a:extLst>
-              <a:ext uri="{FF2B5EF4-FFF2-40B4-BE49-F238E27FC236}">
-                <a16:creationId xmlns:a16="http://schemas.microsoft.com/office/drawing/2014/main" id="{2C556326-9AA9-4A5F-88DC-2C58C0B7B8E8}"/>
+          <p:cNvPr id="17" name="Rectangle 16">
+            <a:extLst>
+              <a:ext uri="{FF2B5EF4-FFF2-40B4-BE49-F238E27FC236}">
+                <a16:creationId xmlns:a16="http://schemas.microsoft.com/office/drawing/2014/main" id="{73ECA667-8873-490C-A5F9-1435D057325F}"/>
               </a:ext>
             </a:extLst>
           </p:cNvPr>
@@ -3994,8 +3822,8 @@
         </p:nvSpPr>
         <p:spPr>
           <a:xfrm>
-            <a:off x="1558214" y="5092117"/>
-            <a:ext cx="2463281" cy="721453"/>
+            <a:off x="8349341" y="3428999"/>
+            <a:ext cx="2463281" cy="1655891"/>
           </a:xfrm>
           <a:prstGeom prst="rect">
             <a:avLst/>
@@ -4019,10 +3847,15 @@
           <a:bodyPr rtlCol="0" anchor="ctr"/>
           <a:lstStyle/>
           <a:p>
-            <a:pPr algn="ctr"/>
             <a:r>
               <a:rPr lang="en-US" dirty="0"/>
-              <a:t>SELECT MIN / MAX</a:t>
+              <a:t>mapping = {…}</a:t>
+            </a:r>
+          </a:p>
+          <a:p>
+            <a:r>
+              <a:rPr lang="en-US" dirty="0"/>
+              <a:t>df[…].replace(mapping)</a:t>
             </a:r>
             <a:endParaRPr lang="en-NL" dirty="0"/>
           </a:p>
@@ -4030,23 +3863,23 @@
       </p:sp>
       <p:cxnSp>
         <p:nvCxnSpPr>
-          <p:cNvPr id="5" name="Straight Arrow Connector 4">
-            <a:extLst>
-              <a:ext uri="{FF2B5EF4-FFF2-40B4-BE49-F238E27FC236}">
-                <a16:creationId xmlns:a16="http://schemas.microsoft.com/office/drawing/2014/main" id="{D8429D10-AED5-4EAF-9D80-9A31E09FDEE8}"/>
+          <p:cNvPr id="19" name="Straight Arrow Connector 18">
+            <a:extLst>
+              <a:ext uri="{FF2B5EF4-FFF2-40B4-BE49-F238E27FC236}">
+                <a16:creationId xmlns:a16="http://schemas.microsoft.com/office/drawing/2014/main" id="{2E52DCC0-3021-4983-9B44-E3C7FF354EA5}"/>
               </a:ext>
             </a:extLst>
           </p:cNvPr>
           <p:cNvCxnSpPr>
-            <a:stCxn id="9" idx="2"/>
-            <a:endCxn id="13" idx="0"/>
+            <a:stCxn id="16" idx="3"/>
+            <a:endCxn id="9" idx="1"/>
           </p:cNvCxnSpPr>
           <p:nvPr/>
         </p:nvCxnSpPr>
         <p:spPr>
-          <a:xfrm>
-            <a:off x="2789855" y="4474029"/>
-            <a:ext cx="0" cy="618088"/>
+          <a:xfrm flipV="1">
+            <a:off x="4141238" y="4250387"/>
+            <a:ext cx="872411" cy="8407"/>
           </a:xfrm>
           <a:prstGeom prst="straightConnector1">
             <a:avLst/>
@@ -4072,23 +3905,24 @@
       </p:cxnSp>
       <p:cxnSp>
         <p:nvCxnSpPr>
-          <p:cNvPr id="10" name="Straight Arrow Connector 9">
-            <a:extLst>
-              <a:ext uri="{FF2B5EF4-FFF2-40B4-BE49-F238E27FC236}">
-                <a16:creationId xmlns:a16="http://schemas.microsoft.com/office/drawing/2014/main" id="{D3D2A4E4-D4CA-44BC-9BFF-AD9B1A4238CA}"/>
+          <p:cNvPr id="21" name="Straight Arrow Connector 20">
+            <a:extLst>
+              <a:ext uri="{FF2B5EF4-FFF2-40B4-BE49-F238E27FC236}">
+                <a16:creationId xmlns:a16="http://schemas.microsoft.com/office/drawing/2014/main" id="{D9D8A0E1-D8E1-431D-84D4-74DFD42B8EDF}"/>
               </a:ext>
             </a:extLst>
           </p:cNvPr>
           <p:cNvCxnSpPr>
-            <a:stCxn id="13" idx="3"/>
-            <a:endCxn id="3" idx="1"/>
+            <a:cxnSpLocks/>
+            <a:stCxn id="17" idx="1"/>
+            <a:endCxn id="9" idx="3"/>
           </p:cNvCxnSpPr>
           <p:nvPr/>
         </p:nvCxnSpPr>
         <p:spPr>
-          <a:xfrm>
-            <a:off x="4021495" y="5452844"/>
-            <a:ext cx="842864" cy="0"/>
+          <a:xfrm flipH="1" flipV="1">
+            <a:off x="7476930" y="4250387"/>
+            <a:ext cx="872411" cy="6558"/>
           </a:xfrm>
           <a:prstGeom prst="straightConnector1">
             <a:avLst/>
@@ -4114,140 +3948,132 @@
       </p:cxnSp>
       <p:sp>
         <p:nvSpPr>
-          <p:cNvPr id="19" name="Rectangle 18">
-            <a:extLst>
-              <a:ext uri="{FF2B5EF4-FFF2-40B4-BE49-F238E27FC236}">
-                <a16:creationId xmlns:a16="http://schemas.microsoft.com/office/drawing/2014/main" id="{12E778F8-B6D4-4D5D-B1F1-3BA6916687CC}"/>
-              </a:ext>
-            </a:extLst>
-          </p:cNvPr>
-          <p:cNvSpPr/>
+          <p:cNvPr id="24" name="TextBox 23">
+            <a:extLst>
+              <a:ext uri="{FF2B5EF4-FFF2-40B4-BE49-F238E27FC236}">
+                <a16:creationId xmlns:a16="http://schemas.microsoft.com/office/drawing/2014/main" id="{BD44127D-D475-4BE1-88B7-37F1A83838E2}"/>
+              </a:ext>
+            </a:extLst>
+          </p:cNvPr>
+          <p:cNvSpPr txBox="1"/>
           <p:nvPr/>
         </p:nvSpPr>
         <p:spPr>
           <a:xfrm>
-            <a:off x="8170504" y="5092116"/>
-            <a:ext cx="2463281" cy="721453"/>
+            <a:off x="1677957" y="5299788"/>
+            <a:ext cx="2463281" cy="646331"/>
           </a:xfrm>
           <a:prstGeom prst="rect">
             <a:avLst/>
           </a:prstGeom>
-        </p:spPr>
-        <p:style>
-          <a:lnRef idx="1">
-            <a:schemeClr val="accent3"/>
-          </a:lnRef>
-          <a:fillRef idx="2">
-            <a:schemeClr val="accent3"/>
-          </a:fillRef>
-          <a:effectRef idx="1">
-            <a:schemeClr val="accent3"/>
-          </a:effectRef>
-          <a:fontRef idx="minor">
-            <a:schemeClr val="dk1"/>
-          </a:fontRef>
-        </p:style>
-        <p:txBody>
-          <a:bodyPr rtlCol="0" anchor="ctr"/>
-          <a:lstStyle/>
-          <a:p>
-            <a:pPr algn="ctr"/>
+          <a:noFill/>
+        </p:spPr>
+        <p:txBody>
+          <a:bodyPr wrap="square" rtlCol="0">
+            <a:spAutoFit/>
+          </a:bodyPr>
+          <a:lstStyle/>
+          <a:p>
+            <a:pPr marL="285750" indent="-285750">
+              <a:buFont typeface="Arial" panose="020B0604020202020204" pitchFamily="34" charset="0"/>
+              <a:buChar char="•"/>
+            </a:pPr>
+            <a:r>
+              <a:rPr lang="en-US" dirty="0" err="1"/>
+              <a:t>Veel</a:t>
+            </a:r>
             <a:r>
               <a:rPr lang="en-US" dirty="0"/>
-              <a:t>JOIN</a:t>
+              <a:t> data</a:t>
+            </a:r>
+          </a:p>
+          <a:p>
+            <a:pPr marL="285750" indent="-285750">
+              <a:buFont typeface="Arial" panose="020B0604020202020204" pitchFamily="34" charset="0"/>
+              <a:buChar char="•"/>
+            </a:pPr>
+            <a:r>
+              <a:rPr lang="en-US" dirty="0" err="1"/>
+              <a:t>Simpele</a:t>
+            </a:r>
+            <a:r>
+              <a:rPr lang="en-US" dirty="0"/>
+              <a:t> </a:t>
+            </a:r>
+            <a:r>
+              <a:rPr lang="en-US" dirty="0" err="1"/>
+              <a:t>logica</a:t>
             </a:r>
             <a:endParaRPr lang="en-NL" dirty="0"/>
           </a:p>
         </p:txBody>
       </p:sp>
-      <p:cxnSp>
-        <p:nvCxnSpPr>
-          <p:cNvPr id="12" name="Straight Arrow Connector 11">
-            <a:extLst>
-              <a:ext uri="{FF2B5EF4-FFF2-40B4-BE49-F238E27FC236}">
-                <a16:creationId xmlns:a16="http://schemas.microsoft.com/office/drawing/2014/main" id="{97ECAA80-BCF6-4189-9169-AE07C81DD92E}"/>
-              </a:ext>
-            </a:extLst>
-          </p:cNvPr>
-          <p:cNvCxnSpPr>
-            <a:stCxn id="3" idx="3"/>
-            <a:endCxn id="19" idx="1"/>
-          </p:cNvCxnSpPr>
+      <p:sp>
+        <p:nvSpPr>
+          <p:cNvPr id="25" name="TextBox 24">
+            <a:extLst>
+              <a:ext uri="{FF2B5EF4-FFF2-40B4-BE49-F238E27FC236}">
+                <a16:creationId xmlns:a16="http://schemas.microsoft.com/office/drawing/2014/main" id="{5A022FED-FE67-49A6-A7A8-03ECFD0103C3}"/>
+              </a:ext>
+            </a:extLst>
+          </p:cNvPr>
+          <p:cNvSpPr txBox="1"/>
           <p:nvPr/>
-        </p:nvCxnSpPr>
-        <p:spPr>
-          <a:xfrm flipV="1">
-            <a:off x="7327640" y="5452843"/>
-            <a:ext cx="842864" cy="1"/>
-          </a:xfrm>
-          <a:prstGeom prst="straightConnector1">
+        </p:nvSpPr>
+        <p:spPr>
+          <a:xfrm>
+            <a:off x="8349341" y="5299788"/>
+            <a:ext cx="2463280" cy="646331"/>
+          </a:xfrm>
+          <a:prstGeom prst="rect">
             <a:avLst/>
           </a:prstGeom>
-          <a:ln>
-            <a:tailEnd type="triangle"/>
-          </a:ln>
-        </p:spPr>
-        <p:style>
-          <a:lnRef idx="3">
-            <a:schemeClr val="dk1"/>
-          </a:lnRef>
-          <a:fillRef idx="0">
-            <a:schemeClr val="dk1"/>
-          </a:fillRef>
-          <a:effectRef idx="2">
-            <a:schemeClr val="dk1"/>
-          </a:effectRef>
-          <a:fontRef idx="minor">
-            <a:schemeClr val="tx1"/>
-          </a:fontRef>
-        </p:style>
-      </p:cxnSp>
-      <p:cxnSp>
-        <p:nvCxnSpPr>
-          <p:cNvPr id="16" name="Straight Arrow Connector 15">
-            <a:extLst>
-              <a:ext uri="{FF2B5EF4-FFF2-40B4-BE49-F238E27FC236}">
-                <a16:creationId xmlns:a16="http://schemas.microsoft.com/office/drawing/2014/main" id="{A6973A12-5E43-4A6A-A266-D9EDF7B8042F}"/>
-              </a:ext>
-            </a:extLst>
-          </p:cNvPr>
-          <p:cNvCxnSpPr>
-            <a:stCxn id="19" idx="0"/>
-            <a:endCxn id="18" idx="2"/>
-          </p:cNvCxnSpPr>
-          <p:nvPr/>
-        </p:nvCxnSpPr>
-        <p:spPr>
-          <a:xfrm flipV="1">
-            <a:off x="9402145" y="4474026"/>
-            <a:ext cx="0" cy="618090"/>
-          </a:xfrm>
-          <a:prstGeom prst="straightConnector1">
-            <a:avLst/>
-          </a:prstGeom>
-          <a:ln>
-            <a:tailEnd type="triangle"/>
-          </a:ln>
-        </p:spPr>
-        <p:style>
-          <a:lnRef idx="3">
-            <a:schemeClr val="dk1"/>
-          </a:lnRef>
-          <a:fillRef idx="0">
-            <a:schemeClr val="dk1"/>
-          </a:fillRef>
-          <a:effectRef idx="2">
-            <a:schemeClr val="dk1"/>
-          </a:effectRef>
-          <a:fontRef idx="minor">
-            <a:schemeClr val="tx1"/>
-          </a:fontRef>
-        </p:style>
-      </p:cxnSp>
+          <a:noFill/>
+        </p:spPr>
+        <p:txBody>
+          <a:bodyPr wrap="square" rtlCol="0">
+            <a:spAutoFit/>
+          </a:bodyPr>
+          <a:lstStyle/>
+          <a:p>
+            <a:pPr marL="285750" indent="-285750">
+              <a:buFont typeface="Arial" panose="020B0604020202020204" pitchFamily="34" charset="0"/>
+              <a:buChar char="•"/>
+            </a:pPr>
+            <a:r>
+              <a:rPr lang="en-US" dirty="0" err="1"/>
+              <a:t>Weinig</a:t>
+            </a:r>
+            <a:r>
+              <a:rPr lang="en-US" dirty="0"/>
+              <a:t> data</a:t>
+            </a:r>
+          </a:p>
+          <a:p>
+            <a:pPr marL="285750" indent="-285750">
+              <a:buFont typeface="Arial" panose="020B0604020202020204" pitchFamily="34" charset="0"/>
+              <a:buChar char="•"/>
+            </a:pPr>
+            <a:r>
+              <a:rPr lang="en-US" dirty="0" err="1"/>
+              <a:t>Complexe</a:t>
+            </a:r>
+            <a:r>
+              <a:rPr lang="en-US" dirty="0"/>
+              <a:t> </a:t>
+            </a:r>
+            <a:r>
+              <a:rPr lang="en-US" dirty="0" err="1"/>
+              <a:t>logica</a:t>
+            </a:r>
+            <a:endParaRPr lang="en-NL" dirty="0"/>
+          </a:p>
+        </p:txBody>
+      </p:sp>
     </p:spTree>
     <p:extLst>
       <p:ext uri="{BB962C8B-B14F-4D97-AF65-F5344CB8AC3E}">
-        <p14:creationId xmlns:p14="http://schemas.microsoft.com/office/powerpoint/2010/main" val="1509147438"/>
+        <p14:creationId xmlns:p14="http://schemas.microsoft.com/office/powerpoint/2010/main" val="774511906"/>
       </p:ext>
     </p:extLst>
   </p:cSld>
@@ -4303,6 +4129,1304 @@
             </a:r>
             <a:r>
               <a:rPr lang="nl-NL" sz="3600" dirty="0"/>
+              <a:t> transformaties</a:t>
+            </a:r>
+          </a:p>
+        </p:txBody>
+      </p:sp>
+      <p:sp>
+        <p:nvSpPr>
+          <p:cNvPr id="7" name="Rectangle 6">
+            <a:extLst>
+              <a:ext uri="{FF2B5EF4-FFF2-40B4-BE49-F238E27FC236}">
+                <a16:creationId xmlns:a16="http://schemas.microsoft.com/office/drawing/2014/main" id="{71929B34-00A4-46C2-B169-330D32320D53}"/>
+              </a:ext>
+            </a:extLst>
+          </p:cNvPr>
+          <p:cNvSpPr/>
+          <p:nvPr/>
+        </p:nvSpPr>
+        <p:spPr>
+          <a:xfrm>
+            <a:off x="1558214" y="1690688"/>
+            <a:ext cx="2463281" cy="1045029"/>
+          </a:xfrm>
+          <a:prstGeom prst="rect">
+            <a:avLst/>
+          </a:prstGeom>
+        </p:spPr>
+        <p:style>
+          <a:lnRef idx="1">
+            <a:schemeClr val="accent4"/>
+          </a:lnRef>
+          <a:fillRef idx="2">
+            <a:schemeClr val="accent4"/>
+          </a:fillRef>
+          <a:effectRef idx="1">
+            <a:schemeClr val="accent4"/>
+          </a:effectRef>
+          <a:fontRef idx="minor">
+            <a:schemeClr val="dk1"/>
+          </a:fontRef>
+        </p:style>
+        <p:txBody>
+          <a:bodyPr rtlCol="0" anchor="ctr"/>
+          <a:lstStyle/>
+          <a:p>
+            <a:pPr algn="ctr"/>
+            <a:r>
+              <a:rPr lang="en-US" dirty="0"/>
+              <a:t>Train Set</a:t>
+            </a:r>
+            <a:endParaRPr lang="en-NL" dirty="0"/>
+          </a:p>
+        </p:txBody>
+      </p:sp>
+      <p:sp>
+        <p:nvSpPr>
+          <p:cNvPr id="8" name="Rectangle 7">
+            <a:extLst>
+              <a:ext uri="{FF2B5EF4-FFF2-40B4-BE49-F238E27FC236}">
+                <a16:creationId xmlns:a16="http://schemas.microsoft.com/office/drawing/2014/main" id="{9142B93E-74E6-4AD2-9FEA-B76952D38DC8}"/>
+              </a:ext>
+            </a:extLst>
+          </p:cNvPr>
+          <p:cNvSpPr/>
+          <p:nvPr/>
+        </p:nvSpPr>
+        <p:spPr>
+          <a:xfrm>
+            <a:off x="8170504" y="1690688"/>
+            <a:ext cx="2463281" cy="1045029"/>
+          </a:xfrm>
+          <a:prstGeom prst="rect">
+            <a:avLst/>
+          </a:prstGeom>
+        </p:spPr>
+        <p:style>
+          <a:lnRef idx="1">
+            <a:schemeClr val="accent4"/>
+          </a:lnRef>
+          <a:fillRef idx="2">
+            <a:schemeClr val="accent4"/>
+          </a:fillRef>
+          <a:effectRef idx="1">
+            <a:schemeClr val="accent4"/>
+          </a:effectRef>
+          <a:fontRef idx="minor">
+            <a:schemeClr val="dk1"/>
+          </a:fontRef>
+        </p:style>
+        <p:txBody>
+          <a:bodyPr rtlCol="0" anchor="ctr"/>
+          <a:lstStyle/>
+          <a:p>
+            <a:pPr algn="ctr"/>
+            <a:r>
+              <a:rPr lang="en-US" dirty="0"/>
+              <a:t>Score Set</a:t>
+            </a:r>
+            <a:endParaRPr lang="en-NL" dirty="0"/>
+          </a:p>
+        </p:txBody>
+      </p:sp>
+      <p:sp>
+        <p:nvSpPr>
+          <p:cNvPr id="9" name="Rectangle 8">
+            <a:extLst>
+              <a:ext uri="{FF2B5EF4-FFF2-40B4-BE49-F238E27FC236}">
+                <a16:creationId xmlns:a16="http://schemas.microsoft.com/office/drawing/2014/main" id="{97D7E60F-7FD2-4E4B-A147-981CC832F2FF}"/>
+              </a:ext>
+            </a:extLst>
+          </p:cNvPr>
+          <p:cNvSpPr/>
+          <p:nvPr/>
+        </p:nvSpPr>
+        <p:spPr>
+          <a:xfrm>
+            <a:off x="1558214" y="3429000"/>
+            <a:ext cx="2463281" cy="1045029"/>
+          </a:xfrm>
+          <a:prstGeom prst="rect">
+            <a:avLst/>
+          </a:prstGeom>
+        </p:spPr>
+        <p:style>
+          <a:lnRef idx="1">
+            <a:schemeClr val="accent6"/>
+          </a:lnRef>
+          <a:fillRef idx="2">
+            <a:schemeClr val="accent6"/>
+          </a:fillRef>
+          <a:effectRef idx="1">
+            <a:schemeClr val="accent6"/>
+          </a:effectRef>
+          <a:fontRef idx="minor">
+            <a:schemeClr val="dk1"/>
+          </a:fontRef>
+        </p:style>
+        <p:txBody>
+          <a:bodyPr rtlCol="0" anchor="ctr"/>
+          <a:lstStyle/>
+          <a:p>
+            <a:pPr algn="ctr"/>
+            <a:r>
+              <a:rPr lang="en-US" dirty="0"/>
+              <a:t>Logica</a:t>
+            </a:r>
+          </a:p>
+          <a:p>
+            <a:pPr algn="ctr"/>
+            <a:r>
+              <a:rPr lang="en-US" dirty="0"/>
+              <a:t>(fit)</a:t>
+            </a:r>
+            <a:endParaRPr lang="en-NL" dirty="0"/>
+          </a:p>
+        </p:txBody>
+      </p:sp>
+      <p:sp>
+        <p:nvSpPr>
+          <p:cNvPr id="18" name="Rectangle 17">
+            <a:extLst>
+              <a:ext uri="{FF2B5EF4-FFF2-40B4-BE49-F238E27FC236}">
+                <a16:creationId xmlns:a16="http://schemas.microsoft.com/office/drawing/2014/main" id="{E608E9A1-8C62-4334-89A4-658DBC77AEB9}"/>
+              </a:ext>
+            </a:extLst>
+          </p:cNvPr>
+          <p:cNvSpPr/>
+          <p:nvPr/>
+        </p:nvSpPr>
+        <p:spPr>
+          <a:xfrm>
+            <a:off x="8170504" y="3428997"/>
+            <a:ext cx="2463281" cy="1045029"/>
+          </a:xfrm>
+          <a:prstGeom prst="rect">
+            <a:avLst/>
+          </a:prstGeom>
+        </p:spPr>
+        <p:style>
+          <a:lnRef idx="1">
+            <a:schemeClr val="accent6"/>
+          </a:lnRef>
+          <a:fillRef idx="2">
+            <a:schemeClr val="accent6"/>
+          </a:fillRef>
+          <a:effectRef idx="1">
+            <a:schemeClr val="accent6"/>
+          </a:effectRef>
+          <a:fontRef idx="minor">
+            <a:schemeClr val="dk1"/>
+          </a:fontRef>
+        </p:style>
+        <p:txBody>
+          <a:bodyPr rtlCol="0" anchor="ctr"/>
+          <a:lstStyle/>
+          <a:p>
+            <a:pPr algn="ctr"/>
+            <a:r>
+              <a:rPr lang="en-US" dirty="0"/>
+              <a:t>Logica</a:t>
+            </a:r>
+          </a:p>
+          <a:p>
+            <a:pPr algn="ctr"/>
+            <a:r>
+              <a:rPr lang="en-US" dirty="0"/>
+              <a:t>(transform)</a:t>
+            </a:r>
+            <a:endParaRPr lang="en-NL" dirty="0"/>
+          </a:p>
+        </p:txBody>
+      </p:sp>
+      <p:sp>
+        <p:nvSpPr>
+          <p:cNvPr id="22" name="Rectangle 21">
+            <a:extLst>
+              <a:ext uri="{FF2B5EF4-FFF2-40B4-BE49-F238E27FC236}">
+                <a16:creationId xmlns:a16="http://schemas.microsoft.com/office/drawing/2014/main" id="{ECA5FD62-3898-4F3D-A78B-132DC26CAE84}"/>
+              </a:ext>
+            </a:extLst>
+          </p:cNvPr>
+          <p:cNvSpPr/>
+          <p:nvPr/>
+        </p:nvSpPr>
+        <p:spPr>
+          <a:xfrm>
+            <a:off x="4864359" y="3428998"/>
+            <a:ext cx="2463281" cy="1045029"/>
+          </a:xfrm>
+          <a:prstGeom prst="rect">
+            <a:avLst/>
+          </a:prstGeom>
+        </p:spPr>
+        <p:style>
+          <a:lnRef idx="1">
+            <a:schemeClr val="accent5"/>
+          </a:lnRef>
+          <a:fillRef idx="2">
+            <a:schemeClr val="accent5"/>
+          </a:fillRef>
+          <a:effectRef idx="1">
+            <a:schemeClr val="accent5"/>
+          </a:effectRef>
+          <a:fontRef idx="minor">
+            <a:schemeClr val="dk1"/>
+          </a:fontRef>
+        </p:style>
+        <p:txBody>
+          <a:bodyPr rtlCol="0" anchor="ctr"/>
+          <a:lstStyle/>
+          <a:p>
+            <a:pPr algn="ctr"/>
+            <a:r>
+              <a:rPr lang="en-US" dirty="0"/>
+              <a:t>Artefact</a:t>
+            </a:r>
+          </a:p>
+          <a:p>
+            <a:pPr algn="ctr"/>
+            <a:r>
+              <a:rPr lang="en-US" dirty="0"/>
+              <a:t>(min, max)</a:t>
+            </a:r>
+            <a:endParaRPr lang="en-NL" dirty="0"/>
+          </a:p>
+        </p:txBody>
+      </p:sp>
+      <p:cxnSp>
+        <p:nvCxnSpPr>
+          <p:cNvPr id="14" name="Straight Arrow Connector 13">
+            <a:extLst>
+              <a:ext uri="{FF2B5EF4-FFF2-40B4-BE49-F238E27FC236}">
+                <a16:creationId xmlns:a16="http://schemas.microsoft.com/office/drawing/2014/main" id="{42879A38-668D-43B6-81E6-146745EAE866}"/>
+              </a:ext>
+            </a:extLst>
+          </p:cNvPr>
+          <p:cNvCxnSpPr>
+            <a:stCxn id="7" idx="2"/>
+            <a:endCxn id="9" idx="0"/>
+          </p:cNvCxnSpPr>
+          <p:nvPr/>
+        </p:nvCxnSpPr>
+        <p:spPr>
+          <a:xfrm>
+            <a:off x="2789855" y="2735717"/>
+            <a:ext cx="0" cy="693283"/>
+          </a:xfrm>
+          <a:prstGeom prst="straightConnector1">
+            <a:avLst/>
+          </a:prstGeom>
+          <a:ln>
+            <a:tailEnd type="triangle"/>
+          </a:ln>
+        </p:spPr>
+        <p:style>
+          <a:lnRef idx="3">
+            <a:schemeClr val="dk1"/>
+          </a:lnRef>
+          <a:fillRef idx="0">
+            <a:schemeClr val="dk1"/>
+          </a:fillRef>
+          <a:effectRef idx="2">
+            <a:schemeClr val="dk1"/>
+          </a:effectRef>
+          <a:fontRef idx="minor">
+            <a:schemeClr val="tx1"/>
+          </a:fontRef>
+        </p:style>
+      </p:cxnSp>
+      <p:cxnSp>
+        <p:nvCxnSpPr>
+          <p:cNvPr id="23" name="Straight Arrow Connector 22">
+            <a:extLst>
+              <a:ext uri="{FF2B5EF4-FFF2-40B4-BE49-F238E27FC236}">
+                <a16:creationId xmlns:a16="http://schemas.microsoft.com/office/drawing/2014/main" id="{9D440109-3CA3-4ADD-A8F5-C8BB779A6697}"/>
+              </a:ext>
+            </a:extLst>
+          </p:cNvPr>
+          <p:cNvCxnSpPr>
+            <a:stCxn id="9" idx="3"/>
+            <a:endCxn id="22" idx="1"/>
+          </p:cNvCxnSpPr>
+          <p:nvPr/>
+        </p:nvCxnSpPr>
+        <p:spPr>
+          <a:xfrm flipV="1">
+            <a:off x="4021495" y="3951513"/>
+            <a:ext cx="842864" cy="2"/>
+          </a:xfrm>
+          <a:prstGeom prst="straightConnector1">
+            <a:avLst/>
+          </a:prstGeom>
+          <a:ln>
+            <a:tailEnd type="triangle"/>
+          </a:ln>
+        </p:spPr>
+        <p:style>
+          <a:lnRef idx="3">
+            <a:schemeClr val="dk1"/>
+          </a:lnRef>
+          <a:fillRef idx="0">
+            <a:schemeClr val="dk1"/>
+          </a:fillRef>
+          <a:effectRef idx="2">
+            <a:schemeClr val="dk1"/>
+          </a:effectRef>
+          <a:fontRef idx="minor">
+            <a:schemeClr val="tx1"/>
+          </a:fontRef>
+        </p:style>
+      </p:cxnSp>
+      <p:cxnSp>
+        <p:nvCxnSpPr>
+          <p:cNvPr id="28" name="Straight Arrow Connector 27">
+            <a:extLst>
+              <a:ext uri="{FF2B5EF4-FFF2-40B4-BE49-F238E27FC236}">
+                <a16:creationId xmlns:a16="http://schemas.microsoft.com/office/drawing/2014/main" id="{41492F47-576B-45C9-ADBD-686F8DF5F1E0}"/>
+              </a:ext>
+            </a:extLst>
+          </p:cNvPr>
+          <p:cNvCxnSpPr>
+            <a:stCxn id="22" idx="3"/>
+            <a:endCxn id="18" idx="1"/>
+          </p:cNvCxnSpPr>
+          <p:nvPr/>
+        </p:nvCxnSpPr>
+        <p:spPr>
+          <a:xfrm flipV="1">
+            <a:off x="7327640" y="3951512"/>
+            <a:ext cx="842864" cy="1"/>
+          </a:xfrm>
+          <a:prstGeom prst="straightConnector1">
+            <a:avLst/>
+          </a:prstGeom>
+          <a:ln>
+            <a:tailEnd type="triangle"/>
+          </a:ln>
+        </p:spPr>
+        <p:style>
+          <a:lnRef idx="3">
+            <a:schemeClr val="dk1"/>
+          </a:lnRef>
+          <a:fillRef idx="0">
+            <a:schemeClr val="dk1"/>
+          </a:fillRef>
+          <a:effectRef idx="2">
+            <a:schemeClr val="dk1"/>
+          </a:effectRef>
+          <a:fontRef idx="minor">
+            <a:schemeClr val="tx1"/>
+          </a:fontRef>
+        </p:style>
+      </p:cxnSp>
+      <p:cxnSp>
+        <p:nvCxnSpPr>
+          <p:cNvPr id="30" name="Straight Arrow Connector 29">
+            <a:extLst>
+              <a:ext uri="{FF2B5EF4-FFF2-40B4-BE49-F238E27FC236}">
+                <a16:creationId xmlns:a16="http://schemas.microsoft.com/office/drawing/2014/main" id="{8E084A15-CC90-478E-ACB7-71EE7779BDAF}"/>
+              </a:ext>
+            </a:extLst>
+          </p:cNvPr>
+          <p:cNvCxnSpPr>
+            <a:stCxn id="18" idx="0"/>
+            <a:endCxn id="8" idx="2"/>
+          </p:cNvCxnSpPr>
+          <p:nvPr/>
+        </p:nvCxnSpPr>
+        <p:spPr>
+          <a:xfrm flipV="1">
+            <a:off x="9402145" y="2735717"/>
+            <a:ext cx="0" cy="693280"/>
+          </a:xfrm>
+          <a:prstGeom prst="straightConnector1">
+            <a:avLst/>
+          </a:prstGeom>
+          <a:ln>
+            <a:tailEnd type="triangle"/>
+          </a:ln>
+        </p:spPr>
+        <p:style>
+          <a:lnRef idx="3">
+            <a:schemeClr val="dk1"/>
+          </a:lnRef>
+          <a:fillRef idx="0">
+            <a:schemeClr val="dk1"/>
+          </a:fillRef>
+          <a:effectRef idx="2">
+            <a:schemeClr val="dk1"/>
+          </a:effectRef>
+          <a:fontRef idx="minor">
+            <a:schemeClr val="tx1"/>
+          </a:fontRef>
+        </p:style>
+      </p:cxnSp>
+    </p:spTree>
+    <p:extLst>
+      <p:ext uri="{BB962C8B-B14F-4D97-AF65-F5344CB8AC3E}">
+        <p14:creationId xmlns:p14="http://schemas.microsoft.com/office/powerpoint/2010/main" val="4066335228"/>
+      </p:ext>
+    </p:extLst>
+  </p:cSld>
+  <p:clrMapOvr>
+    <a:masterClrMapping/>
+  </p:clrMapOvr>
+</p:sld>
+</file>
+
+<file path=ppt/slides/slide12.xml><?xml version="1.0" encoding="utf-8"?>
+<p:sld xmlns:a="http://schemas.openxmlformats.org/drawingml/2006/main" xmlns:r="http://schemas.openxmlformats.org/officeDocument/2006/relationships" xmlns:p="http://schemas.openxmlformats.org/presentationml/2006/main">
+  <p:cSld>
+    <p:spTree>
+      <p:nvGrpSpPr>
+        <p:cNvPr id="1" name=""/>
+        <p:cNvGrpSpPr/>
+        <p:nvPr/>
+      </p:nvGrpSpPr>
+      <p:grpSpPr>
+        <a:xfrm>
+          <a:off x="0" y="0"/>
+          <a:ext cx="0" cy="0"/>
+          <a:chOff x="0" y="0"/>
+          <a:chExt cx="0" cy="0"/>
+        </a:xfrm>
+      </p:grpSpPr>
+      <p:sp>
+        <p:nvSpPr>
+          <p:cNvPr id="2" name="Title 1">
+            <a:extLst>
+              <a:ext uri="{FF2B5EF4-FFF2-40B4-BE49-F238E27FC236}">
+                <a16:creationId xmlns:a16="http://schemas.microsoft.com/office/drawing/2014/main" id="{6F72E4EB-B425-4BF9-8679-99D61A896216}"/>
+              </a:ext>
+            </a:extLst>
+          </p:cNvPr>
+          <p:cNvSpPr>
+            <a:spLocks noGrp="1"/>
+          </p:cNvSpPr>
+          <p:nvPr>
+            <p:ph type="title"/>
+          </p:nvPr>
+        </p:nvSpPr>
+        <p:spPr/>
+        <p:txBody>
+          <a:bodyPr>
+            <a:normAutofit/>
+          </a:bodyPr>
+          <a:lstStyle/>
+          <a:p>
+            <a:r>
+              <a:rPr lang="nl-NL" sz="3600" dirty="0" err="1"/>
+              <a:t>Stateful</a:t>
+            </a:r>
+            <a:r>
+              <a:rPr lang="nl-NL" sz="3600" dirty="0"/>
+              <a:t> transformaties: SQL</a:t>
+            </a:r>
+          </a:p>
+        </p:txBody>
+      </p:sp>
+      <p:sp>
+        <p:nvSpPr>
+          <p:cNvPr id="7" name="Rectangle 6">
+            <a:extLst>
+              <a:ext uri="{FF2B5EF4-FFF2-40B4-BE49-F238E27FC236}">
+                <a16:creationId xmlns:a16="http://schemas.microsoft.com/office/drawing/2014/main" id="{71929B34-00A4-46C2-B169-330D32320D53}"/>
+              </a:ext>
+            </a:extLst>
+          </p:cNvPr>
+          <p:cNvSpPr/>
+          <p:nvPr/>
+        </p:nvSpPr>
+        <p:spPr>
+          <a:xfrm>
+            <a:off x="1558214" y="1690688"/>
+            <a:ext cx="2463281" cy="1045029"/>
+          </a:xfrm>
+          <a:prstGeom prst="rect">
+            <a:avLst/>
+          </a:prstGeom>
+        </p:spPr>
+        <p:style>
+          <a:lnRef idx="1">
+            <a:schemeClr val="accent4"/>
+          </a:lnRef>
+          <a:fillRef idx="2">
+            <a:schemeClr val="accent4"/>
+          </a:fillRef>
+          <a:effectRef idx="1">
+            <a:schemeClr val="accent4"/>
+          </a:effectRef>
+          <a:fontRef idx="minor">
+            <a:schemeClr val="dk1"/>
+          </a:fontRef>
+        </p:style>
+        <p:txBody>
+          <a:bodyPr rtlCol="0" anchor="ctr"/>
+          <a:lstStyle/>
+          <a:p>
+            <a:pPr algn="ctr"/>
+            <a:r>
+              <a:rPr lang="en-US" dirty="0"/>
+              <a:t>Train Set</a:t>
+            </a:r>
+            <a:endParaRPr lang="en-NL" dirty="0"/>
+          </a:p>
+        </p:txBody>
+      </p:sp>
+      <p:sp>
+        <p:nvSpPr>
+          <p:cNvPr id="8" name="Rectangle 7">
+            <a:extLst>
+              <a:ext uri="{FF2B5EF4-FFF2-40B4-BE49-F238E27FC236}">
+                <a16:creationId xmlns:a16="http://schemas.microsoft.com/office/drawing/2014/main" id="{9142B93E-74E6-4AD2-9FEA-B76952D38DC8}"/>
+              </a:ext>
+            </a:extLst>
+          </p:cNvPr>
+          <p:cNvSpPr/>
+          <p:nvPr/>
+        </p:nvSpPr>
+        <p:spPr>
+          <a:xfrm>
+            <a:off x="8170504" y="1690688"/>
+            <a:ext cx="2463281" cy="1045029"/>
+          </a:xfrm>
+          <a:prstGeom prst="rect">
+            <a:avLst/>
+          </a:prstGeom>
+        </p:spPr>
+        <p:style>
+          <a:lnRef idx="1">
+            <a:schemeClr val="accent4"/>
+          </a:lnRef>
+          <a:fillRef idx="2">
+            <a:schemeClr val="accent4"/>
+          </a:fillRef>
+          <a:effectRef idx="1">
+            <a:schemeClr val="accent4"/>
+          </a:effectRef>
+          <a:fontRef idx="minor">
+            <a:schemeClr val="dk1"/>
+          </a:fontRef>
+        </p:style>
+        <p:txBody>
+          <a:bodyPr rtlCol="0" anchor="ctr"/>
+          <a:lstStyle/>
+          <a:p>
+            <a:pPr algn="ctr"/>
+            <a:r>
+              <a:rPr lang="en-US" dirty="0"/>
+              <a:t>Score Set</a:t>
+            </a:r>
+            <a:endParaRPr lang="en-NL" dirty="0"/>
+          </a:p>
+        </p:txBody>
+      </p:sp>
+      <p:sp>
+        <p:nvSpPr>
+          <p:cNvPr id="9" name="Rectangle 8">
+            <a:extLst>
+              <a:ext uri="{FF2B5EF4-FFF2-40B4-BE49-F238E27FC236}">
+                <a16:creationId xmlns:a16="http://schemas.microsoft.com/office/drawing/2014/main" id="{97D7E60F-7FD2-4E4B-A147-981CC832F2FF}"/>
+              </a:ext>
+            </a:extLst>
+          </p:cNvPr>
+          <p:cNvSpPr/>
+          <p:nvPr/>
+        </p:nvSpPr>
+        <p:spPr>
+          <a:xfrm>
+            <a:off x="1558214" y="3429000"/>
+            <a:ext cx="2463281" cy="1045029"/>
+          </a:xfrm>
+          <a:prstGeom prst="rect">
+            <a:avLst/>
+          </a:prstGeom>
+        </p:spPr>
+        <p:style>
+          <a:lnRef idx="1">
+            <a:schemeClr val="accent6"/>
+          </a:lnRef>
+          <a:fillRef idx="2">
+            <a:schemeClr val="accent6"/>
+          </a:fillRef>
+          <a:effectRef idx="1">
+            <a:schemeClr val="accent6"/>
+          </a:effectRef>
+          <a:fontRef idx="minor">
+            <a:schemeClr val="dk1"/>
+          </a:fontRef>
+        </p:style>
+        <p:txBody>
+          <a:bodyPr rtlCol="0" anchor="ctr"/>
+          <a:lstStyle/>
+          <a:p>
+            <a:pPr algn="ctr"/>
+            <a:r>
+              <a:rPr lang="en-US" dirty="0"/>
+              <a:t>Logica</a:t>
+            </a:r>
+          </a:p>
+          <a:p>
+            <a:pPr algn="ctr"/>
+            <a:r>
+              <a:rPr lang="en-US" dirty="0"/>
+              <a:t>(fit)</a:t>
+            </a:r>
+            <a:endParaRPr lang="en-NL" dirty="0"/>
+          </a:p>
+        </p:txBody>
+      </p:sp>
+      <p:sp>
+        <p:nvSpPr>
+          <p:cNvPr id="18" name="Rectangle 17">
+            <a:extLst>
+              <a:ext uri="{FF2B5EF4-FFF2-40B4-BE49-F238E27FC236}">
+                <a16:creationId xmlns:a16="http://schemas.microsoft.com/office/drawing/2014/main" id="{E608E9A1-8C62-4334-89A4-658DBC77AEB9}"/>
+              </a:ext>
+            </a:extLst>
+          </p:cNvPr>
+          <p:cNvSpPr/>
+          <p:nvPr/>
+        </p:nvSpPr>
+        <p:spPr>
+          <a:xfrm>
+            <a:off x="8170504" y="3428997"/>
+            <a:ext cx="2463281" cy="1045029"/>
+          </a:xfrm>
+          <a:prstGeom prst="rect">
+            <a:avLst/>
+          </a:prstGeom>
+        </p:spPr>
+        <p:style>
+          <a:lnRef idx="1">
+            <a:schemeClr val="accent6"/>
+          </a:lnRef>
+          <a:fillRef idx="2">
+            <a:schemeClr val="accent6"/>
+          </a:fillRef>
+          <a:effectRef idx="1">
+            <a:schemeClr val="accent6"/>
+          </a:effectRef>
+          <a:fontRef idx="minor">
+            <a:schemeClr val="dk1"/>
+          </a:fontRef>
+        </p:style>
+        <p:txBody>
+          <a:bodyPr rtlCol="0" anchor="ctr"/>
+          <a:lstStyle/>
+          <a:p>
+            <a:pPr algn="ctr"/>
+            <a:r>
+              <a:rPr lang="en-US" dirty="0"/>
+              <a:t>Logica</a:t>
+            </a:r>
+          </a:p>
+          <a:p>
+            <a:pPr algn="ctr"/>
+            <a:r>
+              <a:rPr lang="en-US" dirty="0"/>
+              <a:t>(transform)</a:t>
+            </a:r>
+            <a:endParaRPr lang="en-NL" dirty="0"/>
+          </a:p>
+        </p:txBody>
+      </p:sp>
+      <p:sp>
+        <p:nvSpPr>
+          <p:cNvPr id="22" name="Rectangle 21">
+            <a:extLst>
+              <a:ext uri="{FF2B5EF4-FFF2-40B4-BE49-F238E27FC236}">
+                <a16:creationId xmlns:a16="http://schemas.microsoft.com/office/drawing/2014/main" id="{ECA5FD62-3898-4F3D-A78B-132DC26CAE84}"/>
+              </a:ext>
+            </a:extLst>
+          </p:cNvPr>
+          <p:cNvSpPr/>
+          <p:nvPr/>
+        </p:nvSpPr>
+        <p:spPr>
+          <a:xfrm>
+            <a:off x="4864359" y="3428998"/>
+            <a:ext cx="2463281" cy="1045029"/>
+          </a:xfrm>
+          <a:prstGeom prst="rect">
+            <a:avLst/>
+          </a:prstGeom>
+        </p:spPr>
+        <p:style>
+          <a:lnRef idx="1">
+            <a:schemeClr val="accent5"/>
+          </a:lnRef>
+          <a:fillRef idx="2">
+            <a:schemeClr val="accent5"/>
+          </a:fillRef>
+          <a:effectRef idx="1">
+            <a:schemeClr val="accent5"/>
+          </a:effectRef>
+          <a:fontRef idx="minor">
+            <a:schemeClr val="dk1"/>
+          </a:fontRef>
+        </p:style>
+        <p:txBody>
+          <a:bodyPr rtlCol="0" anchor="ctr"/>
+          <a:lstStyle/>
+          <a:p>
+            <a:pPr algn="ctr"/>
+            <a:r>
+              <a:rPr lang="en-US" dirty="0"/>
+              <a:t>Artefact</a:t>
+            </a:r>
+          </a:p>
+          <a:p>
+            <a:pPr algn="ctr"/>
+            <a:r>
+              <a:rPr lang="en-US" dirty="0"/>
+              <a:t>(min, max)</a:t>
+            </a:r>
+            <a:endParaRPr lang="en-NL" dirty="0"/>
+          </a:p>
+        </p:txBody>
+      </p:sp>
+      <p:cxnSp>
+        <p:nvCxnSpPr>
+          <p:cNvPr id="14" name="Straight Arrow Connector 13">
+            <a:extLst>
+              <a:ext uri="{FF2B5EF4-FFF2-40B4-BE49-F238E27FC236}">
+                <a16:creationId xmlns:a16="http://schemas.microsoft.com/office/drawing/2014/main" id="{42879A38-668D-43B6-81E6-146745EAE866}"/>
+              </a:ext>
+            </a:extLst>
+          </p:cNvPr>
+          <p:cNvCxnSpPr>
+            <a:stCxn id="7" idx="2"/>
+            <a:endCxn id="9" idx="0"/>
+          </p:cNvCxnSpPr>
+          <p:nvPr/>
+        </p:nvCxnSpPr>
+        <p:spPr>
+          <a:xfrm>
+            <a:off x="2789855" y="2735717"/>
+            <a:ext cx="0" cy="693283"/>
+          </a:xfrm>
+          <a:prstGeom prst="straightConnector1">
+            <a:avLst/>
+          </a:prstGeom>
+          <a:ln>
+            <a:tailEnd type="triangle"/>
+          </a:ln>
+        </p:spPr>
+        <p:style>
+          <a:lnRef idx="3">
+            <a:schemeClr val="dk1"/>
+          </a:lnRef>
+          <a:fillRef idx="0">
+            <a:schemeClr val="dk1"/>
+          </a:fillRef>
+          <a:effectRef idx="2">
+            <a:schemeClr val="dk1"/>
+          </a:effectRef>
+          <a:fontRef idx="minor">
+            <a:schemeClr val="tx1"/>
+          </a:fontRef>
+        </p:style>
+      </p:cxnSp>
+      <p:cxnSp>
+        <p:nvCxnSpPr>
+          <p:cNvPr id="23" name="Straight Arrow Connector 22">
+            <a:extLst>
+              <a:ext uri="{FF2B5EF4-FFF2-40B4-BE49-F238E27FC236}">
+                <a16:creationId xmlns:a16="http://schemas.microsoft.com/office/drawing/2014/main" id="{9D440109-3CA3-4ADD-A8F5-C8BB779A6697}"/>
+              </a:ext>
+            </a:extLst>
+          </p:cNvPr>
+          <p:cNvCxnSpPr>
+            <a:stCxn id="9" idx="3"/>
+            <a:endCxn id="22" idx="1"/>
+          </p:cNvCxnSpPr>
+          <p:nvPr/>
+        </p:nvCxnSpPr>
+        <p:spPr>
+          <a:xfrm flipV="1">
+            <a:off x="4021495" y="3951513"/>
+            <a:ext cx="842864" cy="2"/>
+          </a:xfrm>
+          <a:prstGeom prst="straightConnector1">
+            <a:avLst/>
+          </a:prstGeom>
+          <a:ln>
+            <a:tailEnd type="triangle"/>
+          </a:ln>
+        </p:spPr>
+        <p:style>
+          <a:lnRef idx="3">
+            <a:schemeClr val="dk1"/>
+          </a:lnRef>
+          <a:fillRef idx="0">
+            <a:schemeClr val="dk1"/>
+          </a:fillRef>
+          <a:effectRef idx="2">
+            <a:schemeClr val="dk1"/>
+          </a:effectRef>
+          <a:fontRef idx="minor">
+            <a:schemeClr val="tx1"/>
+          </a:fontRef>
+        </p:style>
+      </p:cxnSp>
+      <p:cxnSp>
+        <p:nvCxnSpPr>
+          <p:cNvPr id="28" name="Straight Arrow Connector 27">
+            <a:extLst>
+              <a:ext uri="{FF2B5EF4-FFF2-40B4-BE49-F238E27FC236}">
+                <a16:creationId xmlns:a16="http://schemas.microsoft.com/office/drawing/2014/main" id="{41492F47-576B-45C9-ADBD-686F8DF5F1E0}"/>
+              </a:ext>
+            </a:extLst>
+          </p:cNvPr>
+          <p:cNvCxnSpPr>
+            <a:stCxn id="22" idx="3"/>
+            <a:endCxn id="18" idx="1"/>
+          </p:cNvCxnSpPr>
+          <p:nvPr/>
+        </p:nvCxnSpPr>
+        <p:spPr>
+          <a:xfrm flipV="1">
+            <a:off x="7327640" y="3951512"/>
+            <a:ext cx="842864" cy="1"/>
+          </a:xfrm>
+          <a:prstGeom prst="straightConnector1">
+            <a:avLst/>
+          </a:prstGeom>
+          <a:ln>
+            <a:tailEnd type="triangle"/>
+          </a:ln>
+        </p:spPr>
+        <p:style>
+          <a:lnRef idx="3">
+            <a:schemeClr val="dk1"/>
+          </a:lnRef>
+          <a:fillRef idx="0">
+            <a:schemeClr val="dk1"/>
+          </a:fillRef>
+          <a:effectRef idx="2">
+            <a:schemeClr val="dk1"/>
+          </a:effectRef>
+          <a:fontRef idx="minor">
+            <a:schemeClr val="tx1"/>
+          </a:fontRef>
+        </p:style>
+      </p:cxnSp>
+      <p:cxnSp>
+        <p:nvCxnSpPr>
+          <p:cNvPr id="30" name="Straight Arrow Connector 29">
+            <a:extLst>
+              <a:ext uri="{FF2B5EF4-FFF2-40B4-BE49-F238E27FC236}">
+                <a16:creationId xmlns:a16="http://schemas.microsoft.com/office/drawing/2014/main" id="{8E084A15-CC90-478E-ACB7-71EE7779BDAF}"/>
+              </a:ext>
+            </a:extLst>
+          </p:cNvPr>
+          <p:cNvCxnSpPr>
+            <a:stCxn id="18" idx="0"/>
+            <a:endCxn id="8" idx="2"/>
+          </p:cNvCxnSpPr>
+          <p:nvPr/>
+        </p:nvCxnSpPr>
+        <p:spPr>
+          <a:xfrm flipV="1">
+            <a:off x="9402145" y="2735717"/>
+            <a:ext cx="0" cy="693280"/>
+          </a:xfrm>
+          <a:prstGeom prst="straightConnector1">
+            <a:avLst/>
+          </a:prstGeom>
+          <a:ln>
+            <a:tailEnd type="triangle"/>
+          </a:ln>
+        </p:spPr>
+        <p:style>
+          <a:lnRef idx="3">
+            <a:schemeClr val="dk1"/>
+          </a:lnRef>
+          <a:fillRef idx="0">
+            <a:schemeClr val="dk1"/>
+          </a:fillRef>
+          <a:effectRef idx="2">
+            <a:schemeClr val="dk1"/>
+          </a:effectRef>
+          <a:fontRef idx="minor">
+            <a:schemeClr val="tx1"/>
+          </a:fontRef>
+        </p:style>
+      </p:cxnSp>
+      <p:sp>
+        <p:nvSpPr>
+          <p:cNvPr id="3" name="Rectangle 2">
+            <a:extLst>
+              <a:ext uri="{FF2B5EF4-FFF2-40B4-BE49-F238E27FC236}">
+                <a16:creationId xmlns:a16="http://schemas.microsoft.com/office/drawing/2014/main" id="{2ADDD692-FCB3-4D52-BAB4-7C43974A40E9}"/>
+              </a:ext>
+            </a:extLst>
+          </p:cNvPr>
+          <p:cNvSpPr/>
+          <p:nvPr/>
+        </p:nvSpPr>
+        <p:spPr>
+          <a:xfrm>
+            <a:off x="4864359" y="5092117"/>
+            <a:ext cx="2463281" cy="721453"/>
+          </a:xfrm>
+          <a:prstGeom prst="rect">
+            <a:avLst/>
+          </a:prstGeom>
+        </p:spPr>
+        <p:style>
+          <a:lnRef idx="1">
+            <a:schemeClr val="accent3"/>
+          </a:lnRef>
+          <a:fillRef idx="2">
+            <a:schemeClr val="accent3"/>
+          </a:fillRef>
+          <a:effectRef idx="1">
+            <a:schemeClr val="accent3"/>
+          </a:effectRef>
+          <a:fontRef idx="minor">
+            <a:schemeClr val="dk1"/>
+          </a:fontRef>
+        </p:style>
+        <p:txBody>
+          <a:bodyPr rtlCol="0" anchor="ctr"/>
+          <a:lstStyle/>
+          <a:p>
+            <a:pPr algn="ctr"/>
+            <a:r>
+              <a:rPr lang="en-US" dirty="0"/>
+              <a:t>TABLE</a:t>
+            </a:r>
+            <a:endParaRPr lang="en-NL" dirty="0"/>
+          </a:p>
+        </p:txBody>
+      </p:sp>
+      <p:sp>
+        <p:nvSpPr>
+          <p:cNvPr id="13" name="Rectangle 12">
+            <a:extLst>
+              <a:ext uri="{FF2B5EF4-FFF2-40B4-BE49-F238E27FC236}">
+                <a16:creationId xmlns:a16="http://schemas.microsoft.com/office/drawing/2014/main" id="{2C556326-9AA9-4A5F-88DC-2C58C0B7B8E8}"/>
+              </a:ext>
+            </a:extLst>
+          </p:cNvPr>
+          <p:cNvSpPr/>
+          <p:nvPr/>
+        </p:nvSpPr>
+        <p:spPr>
+          <a:xfrm>
+            <a:off x="1558214" y="5092117"/>
+            <a:ext cx="2463281" cy="721453"/>
+          </a:xfrm>
+          <a:prstGeom prst="rect">
+            <a:avLst/>
+          </a:prstGeom>
+        </p:spPr>
+        <p:style>
+          <a:lnRef idx="1">
+            <a:schemeClr val="accent3"/>
+          </a:lnRef>
+          <a:fillRef idx="2">
+            <a:schemeClr val="accent3"/>
+          </a:fillRef>
+          <a:effectRef idx="1">
+            <a:schemeClr val="accent3"/>
+          </a:effectRef>
+          <a:fontRef idx="minor">
+            <a:schemeClr val="dk1"/>
+          </a:fontRef>
+        </p:style>
+        <p:txBody>
+          <a:bodyPr rtlCol="0" anchor="ctr"/>
+          <a:lstStyle/>
+          <a:p>
+            <a:pPr algn="ctr"/>
+            <a:r>
+              <a:rPr lang="en-US" dirty="0"/>
+              <a:t>SELECT MIN / MAX</a:t>
+            </a:r>
+            <a:endParaRPr lang="en-NL" dirty="0"/>
+          </a:p>
+        </p:txBody>
+      </p:sp>
+      <p:cxnSp>
+        <p:nvCxnSpPr>
+          <p:cNvPr id="5" name="Straight Arrow Connector 4">
+            <a:extLst>
+              <a:ext uri="{FF2B5EF4-FFF2-40B4-BE49-F238E27FC236}">
+                <a16:creationId xmlns:a16="http://schemas.microsoft.com/office/drawing/2014/main" id="{D8429D10-AED5-4EAF-9D80-9A31E09FDEE8}"/>
+              </a:ext>
+            </a:extLst>
+          </p:cNvPr>
+          <p:cNvCxnSpPr>
+            <a:stCxn id="9" idx="2"/>
+            <a:endCxn id="13" idx="0"/>
+          </p:cNvCxnSpPr>
+          <p:nvPr/>
+        </p:nvCxnSpPr>
+        <p:spPr>
+          <a:xfrm>
+            <a:off x="2789855" y="4474029"/>
+            <a:ext cx="0" cy="618088"/>
+          </a:xfrm>
+          <a:prstGeom prst="straightConnector1">
+            <a:avLst/>
+          </a:prstGeom>
+          <a:ln>
+            <a:tailEnd type="triangle"/>
+          </a:ln>
+        </p:spPr>
+        <p:style>
+          <a:lnRef idx="3">
+            <a:schemeClr val="dk1"/>
+          </a:lnRef>
+          <a:fillRef idx="0">
+            <a:schemeClr val="dk1"/>
+          </a:fillRef>
+          <a:effectRef idx="2">
+            <a:schemeClr val="dk1"/>
+          </a:effectRef>
+          <a:fontRef idx="minor">
+            <a:schemeClr val="tx1"/>
+          </a:fontRef>
+        </p:style>
+      </p:cxnSp>
+      <p:cxnSp>
+        <p:nvCxnSpPr>
+          <p:cNvPr id="10" name="Straight Arrow Connector 9">
+            <a:extLst>
+              <a:ext uri="{FF2B5EF4-FFF2-40B4-BE49-F238E27FC236}">
+                <a16:creationId xmlns:a16="http://schemas.microsoft.com/office/drawing/2014/main" id="{D3D2A4E4-D4CA-44BC-9BFF-AD9B1A4238CA}"/>
+              </a:ext>
+            </a:extLst>
+          </p:cNvPr>
+          <p:cNvCxnSpPr>
+            <a:stCxn id="13" idx="3"/>
+            <a:endCxn id="3" idx="1"/>
+          </p:cNvCxnSpPr>
+          <p:nvPr/>
+        </p:nvCxnSpPr>
+        <p:spPr>
+          <a:xfrm>
+            <a:off x="4021495" y="5452844"/>
+            <a:ext cx="842864" cy="0"/>
+          </a:xfrm>
+          <a:prstGeom prst="straightConnector1">
+            <a:avLst/>
+          </a:prstGeom>
+          <a:ln>
+            <a:tailEnd type="triangle"/>
+          </a:ln>
+        </p:spPr>
+        <p:style>
+          <a:lnRef idx="3">
+            <a:schemeClr val="dk1"/>
+          </a:lnRef>
+          <a:fillRef idx="0">
+            <a:schemeClr val="dk1"/>
+          </a:fillRef>
+          <a:effectRef idx="2">
+            <a:schemeClr val="dk1"/>
+          </a:effectRef>
+          <a:fontRef idx="minor">
+            <a:schemeClr val="tx1"/>
+          </a:fontRef>
+        </p:style>
+      </p:cxnSp>
+      <p:sp>
+        <p:nvSpPr>
+          <p:cNvPr id="19" name="Rectangle 18">
+            <a:extLst>
+              <a:ext uri="{FF2B5EF4-FFF2-40B4-BE49-F238E27FC236}">
+                <a16:creationId xmlns:a16="http://schemas.microsoft.com/office/drawing/2014/main" id="{12E778F8-B6D4-4D5D-B1F1-3BA6916687CC}"/>
+              </a:ext>
+            </a:extLst>
+          </p:cNvPr>
+          <p:cNvSpPr/>
+          <p:nvPr/>
+        </p:nvSpPr>
+        <p:spPr>
+          <a:xfrm>
+            <a:off x="8170504" y="5092116"/>
+            <a:ext cx="2463281" cy="721453"/>
+          </a:xfrm>
+          <a:prstGeom prst="rect">
+            <a:avLst/>
+          </a:prstGeom>
+        </p:spPr>
+        <p:style>
+          <a:lnRef idx="1">
+            <a:schemeClr val="accent3"/>
+          </a:lnRef>
+          <a:fillRef idx="2">
+            <a:schemeClr val="accent3"/>
+          </a:fillRef>
+          <a:effectRef idx="1">
+            <a:schemeClr val="accent3"/>
+          </a:effectRef>
+          <a:fontRef idx="minor">
+            <a:schemeClr val="dk1"/>
+          </a:fontRef>
+        </p:style>
+        <p:txBody>
+          <a:bodyPr rtlCol="0" anchor="ctr"/>
+          <a:lstStyle/>
+          <a:p>
+            <a:pPr algn="ctr"/>
+            <a:r>
+              <a:rPr lang="en-US" dirty="0"/>
+              <a:t>JOIN</a:t>
+            </a:r>
+            <a:endParaRPr lang="en-NL" dirty="0"/>
+          </a:p>
+        </p:txBody>
+      </p:sp>
+      <p:cxnSp>
+        <p:nvCxnSpPr>
+          <p:cNvPr id="12" name="Straight Arrow Connector 11">
+            <a:extLst>
+              <a:ext uri="{FF2B5EF4-FFF2-40B4-BE49-F238E27FC236}">
+                <a16:creationId xmlns:a16="http://schemas.microsoft.com/office/drawing/2014/main" id="{97ECAA80-BCF6-4189-9169-AE07C81DD92E}"/>
+              </a:ext>
+            </a:extLst>
+          </p:cNvPr>
+          <p:cNvCxnSpPr>
+            <a:stCxn id="3" idx="3"/>
+            <a:endCxn id="19" idx="1"/>
+          </p:cNvCxnSpPr>
+          <p:nvPr/>
+        </p:nvCxnSpPr>
+        <p:spPr>
+          <a:xfrm flipV="1">
+            <a:off x="7327640" y="5452843"/>
+            <a:ext cx="842864" cy="1"/>
+          </a:xfrm>
+          <a:prstGeom prst="straightConnector1">
+            <a:avLst/>
+          </a:prstGeom>
+          <a:ln>
+            <a:tailEnd type="triangle"/>
+          </a:ln>
+        </p:spPr>
+        <p:style>
+          <a:lnRef idx="3">
+            <a:schemeClr val="dk1"/>
+          </a:lnRef>
+          <a:fillRef idx="0">
+            <a:schemeClr val="dk1"/>
+          </a:fillRef>
+          <a:effectRef idx="2">
+            <a:schemeClr val="dk1"/>
+          </a:effectRef>
+          <a:fontRef idx="minor">
+            <a:schemeClr val="tx1"/>
+          </a:fontRef>
+        </p:style>
+      </p:cxnSp>
+      <p:cxnSp>
+        <p:nvCxnSpPr>
+          <p:cNvPr id="16" name="Straight Arrow Connector 15">
+            <a:extLst>
+              <a:ext uri="{FF2B5EF4-FFF2-40B4-BE49-F238E27FC236}">
+                <a16:creationId xmlns:a16="http://schemas.microsoft.com/office/drawing/2014/main" id="{A6973A12-5E43-4A6A-A266-D9EDF7B8042F}"/>
+              </a:ext>
+            </a:extLst>
+          </p:cNvPr>
+          <p:cNvCxnSpPr>
+            <a:stCxn id="19" idx="0"/>
+            <a:endCxn id="18" idx="2"/>
+          </p:cNvCxnSpPr>
+          <p:nvPr/>
+        </p:nvCxnSpPr>
+        <p:spPr>
+          <a:xfrm flipV="1">
+            <a:off x="9402145" y="4474026"/>
+            <a:ext cx="0" cy="618090"/>
+          </a:xfrm>
+          <a:prstGeom prst="straightConnector1">
+            <a:avLst/>
+          </a:prstGeom>
+          <a:ln>
+            <a:tailEnd type="triangle"/>
+          </a:ln>
+        </p:spPr>
+        <p:style>
+          <a:lnRef idx="3">
+            <a:schemeClr val="dk1"/>
+          </a:lnRef>
+          <a:fillRef idx="0">
+            <a:schemeClr val="dk1"/>
+          </a:fillRef>
+          <a:effectRef idx="2">
+            <a:schemeClr val="dk1"/>
+          </a:effectRef>
+          <a:fontRef idx="minor">
+            <a:schemeClr val="tx1"/>
+          </a:fontRef>
+        </p:style>
+      </p:cxnSp>
+    </p:spTree>
+    <p:extLst>
+      <p:ext uri="{BB962C8B-B14F-4D97-AF65-F5344CB8AC3E}">
+        <p14:creationId xmlns:p14="http://schemas.microsoft.com/office/powerpoint/2010/main" val="1509147438"/>
+      </p:ext>
+    </p:extLst>
+  </p:cSld>
+  <p:clrMapOvr>
+    <a:masterClrMapping/>
+  </p:clrMapOvr>
+</p:sld>
+</file>
+
+<file path=ppt/slides/slide13.xml><?xml version="1.0" encoding="utf-8"?>
+<p:sld xmlns:a="http://schemas.openxmlformats.org/drawingml/2006/main" xmlns:r="http://schemas.openxmlformats.org/officeDocument/2006/relationships" xmlns:p="http://schemas.openxmlformats.org/presentationml/2006/main">
+  <p:cSld>
+    <p:spTree>
+      <p:nvGrpSpPr>
+        <p:cNvPr id="1" name=""/>
+        <p:cNvGrpSpPr/>
+        <p:nvPr/>
+      </p:nvGrpSpPr>
+      <p:grpSpPr>
+        <a:xfrm>
+          <a:off x="0" y="0"/>
+          <a:ext cx="0" cy="0"/>
+          <a:chOff x="0" y="0"/>
+          <a:chExt cx="0" cy="0"/>
+        </a:xfrm>
+      </p:grpSpPr>
+      <p:sp>
+        <p:nvSpPr>
+          <p:cNvPr id="2" name="Title 1">
+            <a:extLst>
+              <a:ext uri="{FF2B5EF4-FFF2-40B4-BE49-F238E27FC236}">
+                <a16:creationId xmlns:a16="http://schemas.microsoft.com/office/drawing/2014/main" id="{6F72E4EB-B425-4BF9-8679-99D61A896216}"/>
+              </a:ext>
+            </a:extLst>
+          </p:cNvPr>
+          <p:cNvSpPr>
+            <a:spLocks noGrp="1"/>
+          </p:cNvSpPr>
+          <p:nvPr>
+            <p:ph type="title"/>
+          </p:nvPr>
+        </p:nvSpPr>
+        <p:spPr/>
+        <p:txBody>
+          <a:bodyPr>
+            <a:normAutofit/>
+          </a:bodyPr>
+          <a:lstStyle/>
+          <a:p>
+            <a:r>
+              <a:rPr lang="nl-NL" sz="3600" dirty="0" err="1"/>
+              <a:t>Stateful</a:t>
+            </a:r>
+            <a:r>
+              <a:rPr lang="nl-NL" sz="3600" dirty="0"/>
               <a:t> transformaties: </a:t>
             </a:r>
             <a:r>
@@ -4895,7 +6019,1619 @@
 </p:sld>
 </file>
 
-<file path=ppt/slides/slide12.xml><?xml version="1.0" encoding="utf-8"?>
+<file path=ppt/slides/slide14.xml><?xml version="1.0" encoding="utf-8"?>
+<p:sld xmlns:a="http://schemas.openxmlformats.org/drawingml/2006/main" xmlns:r="http://schemas.openxmlformats.org/officeDocument/2006/relationships" xmlns:p="http://schemas.openxmlformats.org/presentationml/2006/main">
+  <p:cSld>
+    <p:spTree>
+      <p:nvGrpSpPr>
+        <p:cNvPr id="1" name=""/>
+        <p:cNvGrpSpPr/>
+        <p:nvPr/>
+      </p:nvGrpSpPr>
+      <p:grpSpPr>
+        <a:xfrm>
+          <a:off x="0" y="0"/>
+          <a:ext cx="0" cy="0"/>
+          <a:chOff x="0" y="0"/>
+          <a:chExt cx="0" cy="0"/>
+        </a:xfrm>
+      </p:grpSpPr>
+      <p:sp>
+        <p:nvSpPr>
+          <p:cNvPr id="2" name="Title 1">
+            <a:extLst>
+              <a:ext uri="{FF2B5EF4-FFF2-40B4-BE49-F238E27FC236}">
+                <a16:creationId xmlns:a16="http://schemas.microsoft.com/office/drawing/2014/main" id="{EFFCF4BF-EB09-7892-A56D-89F6761FB5E8}"/>
+              </a:ext>
+            </a:extLst>
+          </p:cNvPr>
+          <p:cNvSpPr>
+            <a:spLocks noGrp="1"/>
+          </p:cNvSpPr>
+          <p:nvPr>
+            <p:ph type="title"/>
+          </p:nvPr>
+        </p:nvSpPr>
+        <p:spPr/>
+        <p:txBody>
+          <a:bodyPr/>
+          <a:lstStyle/>
+          <a:p>
+            <a:r>
+              <a:rPr lang="nl-NL"/>
+              <a:t>Gerelateerde queries</a:t>
+            </a:r>
+          </a:p>
+        </p:txBody>
+      </p:sp>
+      <p:sp>
+        <p:nvSpPr>
+          <p:cNvPr id="3" name="Content Placeholder 2">
+            <a:extLst>
+              <a:ext uri="{FF2B5EF4-FFF2-40B4-BE49-F238E27FC236}">
+                <a16:creationId xmlns:a16="http://schemas.microsoft.com/office/drawing/2014/main" id="{547DDF4A-2778-00F1-32B9-3B75308DB11E}"/>
+              </a:ext>
+            </a:extLst>
+          </p:cNvPr>
+          <p:cNvSpPr>
+            <a:spLocks noGrp="1"/>
+          </p:cNvSpPr>
+          <p:nvPr>
+            <p:ph idx="1"/>
+          </p:nvPr>
+        </p:nvSpPr>
+        <p:spPr>
+          <a:xfrm>
+            <a:off x="838199" y="1825625"/>
+            <a:ext cx="10329334" cy="4351338"/>
+          </a:xfrm>
+        </p:spPr>
+        <p:txBody>
+          <a:bodyPr>
+            <a:normAutofit/>
+          </a:bodyPr>
+          <a:lstStyle/>
+          <a:p>
+            <a:pPr marL="0" indent="0">
+              <a:buNone/>
+            </a:pPr>
+            <a:r>
+              <a:rPr lang="nl-NL" sz="1800" dirty="0"/>
+              <a:t>Stel je voor dat je meerdere tabellen tegelijk wilt updaten:</a:t>
+            </a:r>
+          </a:p>
+          <a:p>
+            <a:pPr marL="0" indent="0">
+              <a:buNone/>
+            </a:pPr>
+            <a:endParaRPr lang="nl-NL" sz="1800" dirty="0"/>
+          </a:p>
+          <a:p>
+            <a:pPr marL="0" indent="0">
+              <a:buNone/>
+            </a:pPr>
+            <a:r>
+              <a:rPr lang="nl-NL" sz="1600" dirty="0">
+                <a:solidFill>
+                  <a:srgbClr val="00B050"/>
+                </a:solidFill>
+                <a:latin typeface="Courier New" panose="02070309020205020404" pitchFamily="49" charset="0"/>
+                <a:cs typeface="Courier New" panose="02070309020205020404" pitchFamily="49" charset="0"/>
+                <a:sym typeface="Wingdings" panose="05000000000000000000" pitchFamily="2" charset="2"/>
+              </a:rPr>
+              <a:t></a:t>
+            </a:r>
+            <a:r>
+              <a:rPr lang="nl-NL" sz="1600" dirty="0">
+                <a:latin typeface="Courier New" panose="02070309020205020404" pitchFamily="49" charset="0"/>
+                <a:cs typeface="Courier New" panose="02070309020205020404" pitchFamily="49" charset="0"/>
+                <a:sym typeface="Wingdings" panose="05000000000000000000" pitchFamily="2" charset="2"/>
+              </a:rPr>
+              <a:t> </a:t>
+            </a:r>
+            <a:r>
+              <a:rPr lang="nl-NL" sz="1600" dirty="0">
+                <a:latin typeface="Courier New" panose="02070309020205020404" pitchFamily="49" charset="0"/>
+                <a:cs typeface="Courier New" panose="02070309020205020404" pitchFamily="49" charset="0"/>
+              </a:rPr>
+              <a:t>INSERT INTO Personen …</a:t>
+            </a:r>
+          </a:p>
+          <a:p>
+            <a:pPr marL="0" indent="0">
+              <a:buNone/>
+            </a:pPr>
+            <a:r>
+              <a:rPr lang="nl-NL" sz="1600" dirty="0">
+                <a:solidFill>
+                  <a:srgbClr val="00B050"/>
+                </a:solidFill>
+                <a:latin typeface="Courier New" panose="02070309020205020404" pitchFamily="49" charset="0"/>
+                <a:cs typeface="Courier New" panose="02070309020205020404" pitchFamily="49" charset="0"/>
+                <a:sym typeface="Wingdings" panose="05000000000000000000" pitchFamily="2" charset="2"/>
+              </a:rPr>
+              <a:t></a:t>
+            </a:r>
+            <a:r>
+              <a:rPr lang="nl-NL" sz="1600" dirty="0">
+                <a:latin typeface="Courier New" panose="02070309020205020404" pitchFamily="49" charset="0"/>
+                <a:cs typeface="Courier New" panose="02070309020205020404" pitchFamily="49" charset="0"/>
+                <a:sym typeface="Wingdings" panose="05000000000000000000" pitchFamily="2" charset="2"/>
+              </a:rPr>
+              <a:t> </a:t>
+            </a:r>
+            <a:r>
+              <a:rPr lang="nl-NL" sz="1600" dirty="0">
+                <a:latin typeface="Courier New" panose="02070309020205020404" pitchFamily="49" charset="0"/>
+                <a:cs typeface="Courier New" panose="02070309020205020404" pitchFamily="49" charset="0"/>
+              </a:rPr>
+              <a:t>INSERT INTO Producten …</a:t>
+            </a:r>
+          </a:p>
+          <a:p>
+            <a:pPr marL="0" indent="0">
+              <a:buNone/>
+            </a:pPr>
+            <a:r>
+              <a:rPr lang="nl-NL" sz="1600" dirty="0">
+                <a:solidFill>
+                  <a:srgbClr val="FF0000"/>
+                </a:solidFill>
+                <a:latin typeface="Courier New" panose="02070309020205020404" pitchFamily="49" charset="0"/>
+                <a:cs typeface="Courier New" panose="02070309020205020404" pitchFamily="49" charset="0"/>
+                <a:sym typeface="Wingdings" panose="05000000000000000000" pitchFamily="2" charset="2"/>
+              </a:rPr>
+              <a:t></a:t>
+            </a:r>
+            <a:r>
+              <a:rPr lang="nl-NL" sz="1600" dirty="0">
+                <a:latin typeface="Courier New" panose="02070309020205020404" pitchFamily="49" charset="0"/>
+                <a:cs typeface="Courier New" panose="02070309020205020404" pitchFamily="49" charset="0"/>
+                <a:sym typeface="Wingdings" panose="05000000000000000000" pitchFamily="2" charset="2"/>
+              </a:rPr>
+              <a:t> </a:t>
+            </a:r>
+            <a:r>
+              <a:rPr lang="nl-NL" sz="1600" dirty="0">
+                <a:latin typeface="Courier New" panose="02070309020205020404" pitchFamily="49" charset="0"/>
+                <a:cs typeface="Courier New" panose="02070309020205020404" pitchFamily="49" charset="0"/>
+              </a:rPr>
+              <a:t>INSERT INTO Transacties …</a:t>
+            </a:r>
+          </a:p>
+          <a:p>
+            <a:pPr marL="0" indent="0">
+              <a:buNone/>
+            </a:pPr>
+            <a:endParaRPr lang="nl-NL" sz="1600" dirty="0"/>
+          </a:p>
+          <a:p>
+            <a:pPr marL="0" indent="0">
+              <a:buNone/>
+            </a:pPr>
+            <a:r>
+              <a:rPr lang="nl-NL" sz="1800" dirty="0"/>
+              <a:t>Maar de laatste query faalt, bijvoorbeeld vanwege een veld dat niet uniek is….</a:t>
+            </a:r>
+          </a:p>
+          <a:p>
+            <a:pPr marL="0" indent="0">
+              <a:buNone/>
+            </a:pPr>
+            <a:endParaRPr lang="nl-NL" sz="1800" dirty="0"/>
+          </a:p>
+          <a:p>
+            <a:pPr marL="0" indent="0">
+              <a:buNone/>
+            </a:pPr>
+            <a:r>
+              <a:rPr lang="nl-NL" sz="1800" dirty="0"/>
+              <a:t>Dan heb je wellicht personen of producten in de database die overbodig zijn!</a:t>
+            </a:r>
+          </a:p>
+          <a:p>
+            <a:pPr marL="0" indent="0">
+              <a:buNone/>
+            </a:pPr>
+            <a:endParaRPr lang="nl-NL" sz="1800" dirty="0"/>
+          </a:p>
+          <a:p>
+            <a:pPr marL="0" indent="0">
+              <a:buNone/>
+            </a:pPr>
+            <a:r>
+              <a:rPr lang="nl-NL" sz="1800" dirty="0"/>
+              <a:t>Het liefste zou je alle </a:t>
+            </a:r>
+            <a:r>
+              <a:rPr lang="nl-NL" sz="1800" dirty="0" err="1"/>
+              <a:t>queries</a:t>
+            </a:r>
+            <a:r>
+              <a:rPr lang="nl-NL" sz="1800" dirty="0"/>
+              <a:t> als één blok willen uitvoeren…</a:t>
+            </a:r>
+          </a:p>
+        </p:txBody>
+      </p:sp>
+    </p:spTree>
+    <p:extLst>
+      <p:ext uri="{BB962C8B-B14F-4D97-AF65-F5344CB8AC3E}">
+        <p14:creationId xmlns:p14="http://schemas.microsoft.com/office/powerpoint/2010/main" val="1544590498"/>
+      </p:ext>
+    </p:extLst>
+  </p:cSld>
+  <p:clrMapOvr>
+    <a:masterClrMapping/>
+  </p:clrMapOvr>
+</p:sld>
+</file>
+
+<file path=ppt/slides/slide15.xml><?xml version="1.0" encoding="utf-8"?>
+<p:sld xmlns:a="http://schemas.openxmlformats.org/drawingml/2006/main" xmlns:r="http://schemas.openxmlformats.org/officeDocument/2006/relationships" xmlns:p="http://schemas.openxmlformats.org/presentationml/2006/main">
+  <p:cSld>
+    <p:spTree>
+      <p:nvGrpSpPr>
+        <p:cNvPr id="1" name=""/>
+        <p:cNvGrpSpPr/>
+        <p:nvPr/>
+      </p:nvGrpSpPr>
+      <p:grpSpPr>
+        <a:xfrm>
+          <a:off x="0" y="0"/>
+          <a:ext cx="0" cy="0"/>
+          <a:chOff x="0" y="0"/>
+          <a:chExt cx="0" cy="0"/>
+        </a:xfrm>
+      </p:grpSpPr>
+      <p:sp>
+        <p:nvSpPr>
+          <p:cNvPr id="2" name="Title 1">
+            <a:extLst>
+              <a:ext uri="{FF2B5EF4-FFF2-40B4-BE49-F238E27FC236}">
+                <a16:creationId xmlns:a16="http://schemas.microsoft.com/office/drawing/2014/main" id="{EFFCF4BF-EB09-7892-A56D-89F6761FB5E8}"/>
+              </a:ext>
+            </a:extLst>
+          </p:cNvPr>
+          <p:cNvSpPr>
+            <a:spLocks noGrp="1"/>
+          </p:cNvSpPr>
+          <p:nvPr>
+            <p:ph type="title"/>
+          </p:nvPr>
+        </p:nvSpPr>
+        <p:spPr/>
+        <p:txBody>
+          <a:bodyPr/>
+          <a:lstStyle/>
+          <a:p>
+            <a:r>
+              <a:rPr lang="nl-NL"/>
+              <a:t>Transacties</a:t>
+            </a:r>
+          </a:p>
+        </p:txBody>
+      </p:sp>
+      <p:sp>
+        <p:nvSpPr>
+          <p:cNvPr id="3" name="Content Placeholder 2">
+            <a:extLst>
+              <a:ext uri="{FF2B5EF4-FFF2-40B4-BE49-F238E27FC236}">
+                <a16:creationId xmlns:a16="http://schemas.microsoft.com/office/drawing/2014/main" id="{547DDF4A-2778-00F1-32B9-3B75308DB11E}"/>
+              </a:ext>
+            </a:extLst>
+          </p:cNvPr>
+          <p:cNvSpPr>
+            <a:spLocks noGrp="1"/>
+          </p:cNvSpPr>
+          <p:nvPr>
+            <p:ph idx="1"/>
+          </p:nvPr>
+        </p:nvSpPr>
+        <p:spPr>
+          <a:xfrm>
+            <a:off x="838199" y="1825625"/>
+            <a:ext cx="10329334" cy="4351338"/>
+          </a:xfrm>
+        </p:spPr>
+        <p:txBody>
+          <a:bodyPr>
+            <a:normAutofit/>
+          </a:bodyPr>
+          <a:lstStyle/>
+          <a:p>
+            <a:pPr marL="0" indent="0">
+              <a:buNone/>
+            </a:pPr>
+            <a:r>
+              <a:rPr lang="nl-NL" sz="1800" dirty="0"/>
+              <a:t>Met transacties kun je meerdere </a:t>
+            </a:r>
+            <a:r>
+              <a:rPr lang="nl-NL" sz="1800" dirty="0" err="1"/>
+              <a:t>queries</a:t>
+            </a:r>
+            <a:r>
+              <a:rPr lang="nl-NL" sz="1800" dirty="0"/>
+              <a:t> bundelen; dit geeft de volgende garanties:</a:t>
+            </a:r>
+          </a:p>
+          <a:p>
+            <a:pPr marL="0" indent="0">
+              <a:buNone/>
+            </a:pPr>
+            <a:endParaRPr lang="nl-NL" sz="1800" dirty="0"/>
+          </a:p>
+          <a:p>
+            <a:pPr marL="0" indent="0">
+              <a:buNone/>
+            </a:pPr>
+            <a:r>
+              <a:rPr lang="nl-NL" sz="1800" b="1" dirty="0"/>
+              <a:t>A</a:t>
+            </a:r>
+            <a:r>
+              <a:rPr lang="nl-NL" sz="1800" dirty="0"/>
+              <a:t>tomic		De bewerkingen gebeuren als één geheel; of alle </a:t>
+            </a:r>
+            <a:r>
+              <a:rPr lang="nl-NL" sz="1800" dirty="0" err="1"/>
+              <a:t>queries</a:t>
+            </a:r>
+            <a:r>
+              <a:rPr lang="nl-NL" sz="1800" dirty="0"/>
+              <a:t> worden uitgevoerd of geen 			enkele query wordt uitgevoerd.</a:t>
+            </a:r>
+          </a:p>
+          <a:p>
+            <a:pPr marL="0" indent="0">
+              <a:buNone/>
+            </a:pPr>
+            <a:endParaRPr lang="nl-NL" sz="1800" b="1" dirty="0"/>
+          </a:p>
+          <a:p>
+            <a:pPr marL="0" indent="0">
+              <a:buNone/>
+            </a:pPr>
+            <a:r>
+              <a:rPr lang="nl-NL" sz="1800" b="1" dirty="0"/>
+              <a:t>C</a:t>
+            </a:r>
+            <a:r>
+              <a:rPr lang="nl-NL" sz="1800" dirty="0"/>
+              <a:t>onsistent	De database blijft consistent; aan alle beperkingen / vereisen moet worden voldaan of 			er wordt niets gewijzigd.</a:t>
+            </a:r>
+          </a:p>
+          <a:p>
+            <a:pPr marL="0" indent="0">
+              <a:buNone/>
+            </a:pPr>
+            <a:endParaRPr lang="nl-NL" sz="1800" dirty="0"/>
+          </a:p>
+          <a:p>
+            <a:pPr marL="0" indent="0">
+              <a:buNone/>
+            </a:pPr>
+            <a:r>
+              <a:rPr lang="nl-NL" sz="1800" b="1" dirty="0" err="1"/>
+              <a:t>I</a:t>
+            </a:r>
+            <a:r>
+              <a:rPr lang="nl-NL" sz="1800" dirty="0" err="1"/>
+              <a:t>solated</a:t>
+            </a:r>
+            <a:r>
+              <a:rPr lang="nl-NL" sz="1800" dirty="0"/>
+              <a:t>		De transactie wordt uitgevoerd ongeacht wat anderen tegelijkertijd in de database doen.</a:t>
+            </a:r>
+          </a:p>
+          <a:p>
+            <a:pPr marL="0" indent="0">
+              <a:buNone/>
+            </a:pPr>
+            <a:endParaRPr lang="nl-NL" sz="1800" dirty="0"/>
+          </a:p>
+          <a:p>
+            <a:pPr marL="0" indent="0">
+              <a:buNone/>
+            </a:pPr>
+            <a:r>
+              <a:rPr lang="nl-NL" sz="1800" b="1" dirty="0" err="1"/>
+              <a:t>D</a:t>
+            </a:r>
+            <a:r>
+              <a:rPr lang="nl-NL" sz="1800" dirty="0" err="1"/>
+              <a:t>urable</a:t>
+            </a:r>
+            <a:r>
+              <a:rPr lang="nl-NL" sz="1800" dirty="0"/>
+              <a:t>		Nadat de transactie is voltooid, worden de wijzigingen permanent opgeslagen.</a:t>
+            </a:r>
+          </a:p>
+        </p:txBody>
+      </p:sp>
+    </p:spTree>
+    <p:extLst>
+      <p:ext uri="{BB962C8B-B14F-4D97-AF65-F5344CB8AC3E}">
+        <p14:creationId xmlns:p14="http://schemas.microsoft.com/office/powerpoint/2010/main" val="4281633450"/>
+      </p:ext>
+    </p:extLst>
+  </p:cSld>
+  <p:clrMapOvr>
+    <a:masterClrMapping/>
+  </p:clrMapOvr>
+</p:sld>
+</file>
+
+<file path=ppt/slides/slide16.xml><?xml version="1.0" encoding="utf-8"?>
+<p:sld xmlns:a="http://schemas.openxmlformats.org/drawingml/2006/main" xmlns:r="http://schemas.openxmlformats.org/officeDocument/2006/relationships" xmlns:p="http://schemas.openxmlformats.org/presentationml/2006/main">
+  <p:cSld>
+    <p:spTree>
+      <p:nvGrpSpPr>
+        <p:cNvPr id="1" name=""/>
+        <p:cNvGrpSpPr/>
+        <p:nvPr/>
+      </p:nvGrpSpPr>
+      <p:grpSpPr>
+        <a:xfrm>
+          <a:off x="0" y="0"/>
+          <a:ext cx="0" cy="0"/>
+          <a:chOff x="0" y="0"/>
+          <a:chExt cx="0" cy="0"/>
+        </a:xfrm>
+      </p:grpSpPr>
+      <p:sp>
+        <p:nvSpPr>
+          <p:cNvPr id="2" name="Title 1">
+            <a:extLst>
+              <a:ext uri="{FF2B5EF4-FFF2-40B4-BE49-F238E27FC236}">
+                <a16:creationId xmlns:a16="http://schemas.microsoft.com/office/drawing/2014/main" id="{EFFCF4BF-EB09-7892-A56D-89F6761FB5E8}"/>
+              </a:ext>
+            </a:extLst>
+          </p:cNvPr>
+          <p:cNvSpPr>
+            <a:spLocks noGrp="1"/>
+          </p:cNvSpPr>
+          <p:nvPr>
+            <p:ph type="title"/>
+          </p:nvPr>
+        </p:nvSpPr>
+        <p:spPr/>
+        <p:txBody>
+          <a:bodyPr/>
+          <a:lstStyle/>
+          <a:p>
+            <a:r>
+              <a:rPr lang="nl-NL" dirty="0"/>
+              <a:t>Syntax voor transacties</a:t>
+            </a:r>
+          </a:p>
+        </p:txBody>
+      </p:sp>
+      <p:sp>
+        <p:nvSpPr>
+          <p:cNvPr id="3" name="Content Placeholder 2">
+            <a:extLst>
+              <a:ext uri="{FF2B5EF4-FFF2-40B4-BE49-F238E27FC236}">
+                <a16:creationId xmlns:a16="http://schemas.microsoft.com/office/drawing/2014/main" id="{547DDF4A-2778-00F1-32B9-3B75308DB11E}"/>
+              </a:ext>
+            </a:extLst>
+          </p:cNvPr>
+          <p:cNvSpPr>
+            <a:spLocks noGrp="1"/>
+          </p:cNvSpPr>
+          <p:nvPr>
+            <p:ph idx="1"/>
+          </p:nvPr>
+        </p:nvSpPr>
+        <p:spPr>
+          <a:xfrm>
+            <a:off x="838199" y="1825625"/>
+            <a:ext cx="10329334" cy="4351338"/>
+          </a:xfrm>
+        </p:spPr>
+        <p:txBody>
+          <a:bodyPr>
+            <a:normAutofit/>
+          </a:bodyPr>
+          <a:lstStyle/>
+          <a:p>
+            <a:pPr marL="0" indent="0">
+              <a:buNone/>
+            </a:pPr>
+            <a:r>
+              <a:rPr lang="nl-NL" sz="1800" dirty="0"/>
+              <a:t>Met transacties kun je meerdere </a:t>
+            </a:r>
+            <a:r>
+              <a:rPr lang="nl-NL" sz="1800" dirty="0" err="1"/>
+              <a:t>queries</a:t>
+            </a:r>
+            <a:r>
+              <a:rPr lang="nl-NL" sz="1800" dirty="0"/>
+              <a:t> bundelen; dit geeft de volgende garanties:</a:t>
+            </a:r>
+          </a:p>
+          <a:p>
+            <a:pPr marL="0" indent="0">
+              <a:buNone/>
+            </a:pPr>
+            <a:endParaRPr lang="nl-NL" sz="1800" dirty="0"/>
+          </a:p>
+          <a:p>
+            <a:pPr marL="0" indent="0">
+              <a:buNone/>
+            </a:pPr>
+            <a:r>
+              <a:rPr lang="nl-NL" sz="1800" b="1" dirty="0"/>
+              <a:t>A</a:t>
+            </a:r>
+            <a:r>
+              <a:rPr lang="nl-NL" sz="1800" dirty="0"/>
+              <a:t>tomic		De bewerkingen gebeuren als één geheel; of alle </a:t>
+            </a:r>
+            <a:r>
+              <a:rPr lang="nl-NL" sz="1800" dirty="0" err="1"/>
+              <a:t>queries</a:t>
+            </a:r>
+            <a:r>
+              <a:rPr lang="nl-NL" sz="1800" dirty="0"/>
+              <a:t> worden uitgevoerd of geen 			enkele query wordt uitgevoerd.</a:t>
+            </a:r>
+          </a:p>
+          <a:p>
+            <a:pPr marL="0" indent="0">
+              <a:buNone/>
+            </a:pPr>
+            <a:endParaRPr lang="nl-NL" sz="1800" b="1" dirty="0"/>
+          </a:p>
+          <a:p>
+            <a:pPr marL="0" indent="0">
+              <a:buNone/>
+            </a:pPr>
+            <a:r>
+              <a:rPr lang="nl-NL" sz="1800" b="1" dirty="0"/>
+              <a:t>C</a:t>
+            </a:r>
+            <a:r>
+              <a:rPr lang="nl-NL" sz="1800" dirty="0"/>
+              <a:t>onsistent	De database blijft consistent; aan alle beperkingen / vereisen moet worden voldaan of 			er wordt niets gewijzigd.</a:t>
+            </a:r>
+          </a:p>
+          <a:p>
+            <a:pPr marL="0" indent="0">
+              <a:buNone/>
+            </a:pPr>
+            <a:endParaRPr lang="nl-NL" sz="1800" dirty="0"/>
+          </a:p>
+          <a:p>
+            <a:pPr marL="0" indent="0">
+              <a:buNone/>
+            </a:pPr>
+            <a:r>
+              <a:rPr lang="nl-NL" sz="1800" b="1" dirty="0" err="1"/>
+              <a:t>I</a:t>
+            </a:r>
+            <a:r>
+              <a:rPr lang="nl-NL" sz="1800" dirty="0" err="1"/>
+              <a:t>solated</a:t>
+            </a:r>
+            <a:r>
+              <a:rPr lang="nl-NL" sz="1800" dirty="0"/>
+              <a:t>		De transactie wordt uitgevoerd ongeacht wat anderen tegelijkertijd in de database doen.</a:t>
+            </a:r>
+          </a:p>
+          <a:p>
+            <a:pPr marL="0" indent="0">
+              <a:buNone/>
+            </a:pPr>
+            <a:endParaRPr lang="nl-NL" sz="1800" dirty="0"/>
+          </a:p>
+          <a:p>
+            <a:pPr marL="0" indent="0">
+              <a:buNone/>
+            </a:pPr>
+            <a:r>
+              <a:rPr lang="nl-NL" sz="1800" b="1" dirty="0" err="1"/>
+              <a:t>D</a:t>
+            </a:r>
+            <a:r>
+              <a:rPr lang="nl-NL" sz="1800" dirty="0" err="1"/>
+              <a:t>urable</a:t>
+            </a:r>
+            <a:r>
+              <a:rPr lang="nl-NL" sz="1800" dirty="0"/>
+              <a:t>		Nadat de transactie is voltooid, worden de wijzigingen permanent opgeslagen.</a:t>
+            </a:r>
+          </a:p>
+        </p:txBody>
+      </p:sp>
+    </p:spTree>
+    <p:extLst>
+      <p:ext uri="{BB962C8B-B14F-4D97-AF65-F5344CB8AC3E}">
+        <p14:creationId xmlns:p14="http://schemas.microsoft.com/office/powerpoint/2010/main" val="2990527755"/>
+      </p:ext>
+    </p:extLst>
+  </p:cSld>
+  <p:clrMapOvr>
+    <a:masterClrMapping/>
+  </p:clrMapOvr>
+</p:sld>
+</file>
+
+<file path=ppt/slides/slide17.xml><?xml version="1.0" encoding="utf-8"?>
+<p:sld xmlns:a="http://schemas.openxmlformats.org/drawingml/2006/main" xmlns:r="http://schemas.openxmlformats.org/officeDocument/2006/relationships" xmlns:p="http://schemas.openxmlformats.org/presentationml/2006/main">
+  <p:cSld>
+    <p:spTree>
+      <p:nvGrpSpPr>
+        <p:cNvPr id="1" name=""/>
+        <p:cNvGrpSpPr/>
+        <p:nvPr/>
+      </p:nvGrpSpPr>
+      <p:grpSpPr>
+        <a:xfrm>
+          <a:off x="0" y="0"/>
+          <a:ext cx="0" cy="0"/>
+          <a:chOff x="0" y="0"/>
+          <a:chExt cx="0" cy="0"/>
+        </a:xfrm>
+      </p:grpSpPr>
+      <p:sp>
+        <p:nvSpPr>
+          <p:cNvPr id="2" name="Title 1">
+            <a:extLst>
+              <a:ext uri="{FF2B5EF4-FFF2-40B4-BE49-F238E27FC236}">
+                <a16:creationId xmlns:a16="http://schemas.microsoft.com/office/drawing/2014/main" id="{EFFCF4BF-EB09-7892-A56D-89F6761FB5E8}"/>
+              </a:ext>
+            </a:extLst>
+          </p:cNvPr>
+          <p:cNvSpPr>
+            <a:spLocks noGrp="1"/>
+          </p:cNvSpPr>
+          <p:nvPr>
+            <p:ph type="title"/>
+          </p:nvPr>
+        </p:nvSpPr>
+        <p:spPr/>
+        <p:txBody>
+          <a:bodyPr/>
+          <a:lstStyle/>
+          <a:p>
+            <a:r>
+              <a:rPr lang="en-US" dirty="0"/>
+              <a:t>Data in queries</a:t>
+            </a:r>
+            <a:endParaRPr lang="en-NL" dirty="0"/>
+          </a:p>
+        </p:txBody>
+      </p:sp>
+      <p:sp>
+        <p:nvSpPr>
+          <p:cNvPr id="3" name="Content Placeholder 2">
+            <a:extLst>
+              <a:ext uri="{FF2B5EF4-FFF2-40B4-BE49-F238E27FC236}">
+                <a16:creationId xmlns:a16="http://schemas.microsoft.com/office/drawing/2014/main" id="{547DDF4A-2778-00F1-32B9-3B75308DB11E}"/>
+              </a:ext>
+            </a:extLst>
+          </p:cNvPr>
+          <p:cNvSpPr>
+            <a:spLocks noGrp="1"/>
+          </p:cNvSpPr>
+          <p:nvPr>
+            <p:ph idx="1"/>
+          </p:nvPr>
+        </p:nvSpPr>
+        <p:spPr>
+          <a:xfrm>
+            <a:off x="838199" y="1825625"/>
+            <a:ext cx="10303933" cy="4351338"/>
+          </a:xfrm>
+        </p:spPr>
+        <p:txBody>
+          <a:bodyPr>
+            <a:normAutofit/>
+          </a:bodyPr>
+          <a:lstStyle/>
+          <a:p>
+            <a:pPr marL="0" indent="0">
+              <a:buNone/>
+            </a:pPr>
+            <a:r>
+              <a:rPr lang="nl-NL" sz="1800" dirty="0" err="1"/>
+              <a:t>Queries</a:t>
+            </a:r>
+            <a:r>
+              <a:rPr lang="nl-NL" sz="1800" dirty="0"/>
+              <a:t> gebruiken soms data of externe invoer:</a:t>
+            </a:r>
+          </a:p>
+          <a:p>
+            <a:pPr marL="0" indent="0">
+              <a:buNone/>
+            </a:pPr>
+            <a:endParaRPr lang="nl-NL" sz="1600" b="1" dirty="0"/>
+          </a:p>
+          <a:p>
+            <a:pPr marL="0" indent="0">
+              <a:buNone/>
+            </a:pPr>
+            <a:r>
+              <a:rPr lang="nl-NL" sz="1600" dirty="0">
+                <a:latin typeface="Courier New" panose="02070309020205020404" pitchFamily="49" charset="0"/>
+                <a:cs typeface="Courier New" panose="02070309020205020404" pitchFamily="49" charset="0"/>
+              </a:rPr>
+              <a:t>SELECT * FROM Personen WHERE Leeftijd = &lt;waarde&gt;</a:t>
+            </a:r>
+          </a:p>
+          <a:p>
+            <a:pPr marL="0" indent="0">
+              <a:buNone/>
+            </a:pPr>
+            <a:endParaRPr lang="nl-NL" sz="1600" dirty="0">
+              <a:latin typeface="Courier New" panose="02070309020205020404" pitchFamily="49" charset="0"/>
+              <a:cs typeface="Courier New" panose="02070309020205020404" pitchFamily="49" charset="0"/>
+            </a:endParaRPr>
+          </a:p>
+          <a:p>
+            <a:pPr marL="0" indent="0">
+              <a:buNone/>
+            </a:pPr>
+            <a:r>
+              <a:rPr lang="nl-NL" sz="1800" dirty="0"/>
+              <a:t>In Python zou je de waarde direct in de query kunnen plakken:</a:t>
+            </a:r>
+          </a:p>
+          <a:p>
+            <a:pPr marL="0" indent="0">
+              <a:buNone/>
+            </a:pPr>
+            <a:endParaRPr lang="nl-NL" sz="1600" dirty="0"/>
+          </a:p>
+          <a:p>
+            <a:pPr marL="0" indent="0">
+              <a:buNone/>
+            </a:pPr>
+            <a:r>
+              <a:rPr lang="nl-NL" sz="1600" dirty="0">
+                <a:latin typeface="Courier New" panose="02070309020205020404" pitchFamily="49" charset="0"/>
+                <a:cs typeface="Courier New" panose="02070309020205020404" pitchFamily="49" charset="0"/>
+              </a:rPr>
+              <a:t>leeftijd = 22</a:t>
+            </a:r>
+          </a:p>
+          <a:p>
+            <a:pPr marL="0" indent="0">
+              <a:buNone/>
+            </a:pPr>
+            <a:r>
+              <a:rPr lang="nl-NL" sz="1600" dirty="0">
+                <a:latin typeface="Courier New" panose="02070309020205020404" pitchFamily="49" charset="0"/>
+                <a:cs typeface="Courier New" panose="02070309020205020404" pitchFamily="49" charset="0"/>
+              </a:rPr>
+              <a:t>query = </a:t>
+            </a:r>
+            <a:r>
+              <a:rPr lang="nl-NL" sz="1600" dirty="0" err="1">
+                <a:latin typeface="Courier New" panose="02070309020205020404" pitchFamily="49" charset="0"/>
+                <a:cs typeface="Courier New" panose="02070309020205020404" pitchFamily="49" charset="0"/>
+              </a:rPr>
+              <a:t>f"SELECT</a:t>
+            </a:r>
+            <a:r>
+              <a:rPr lang="nl-NL" sz="1600" dirty="0">
+                <a:latin typeface="Courier New" panose="02070309020205020404" pitchFamily="49" charset="0"/>
+                <a:cs typeface="Courier New" panose="02070309020205020404" pitchFamily="49" charset="0"/>
+              </a:rPr>
+              <a:t> * FROM Personen WHERE Leeftijd = {leeftijd}"</a:t>
+            </a:r>
+          </a:p>
+          <a:p>
+            <a:pPr marL="0" indent="0">
+              <a:buNone/>
+            </a:pPr>
+            <a:endParaRPr lang="nl-NL" sz="1600" dirty="0">
+              <a:latin typeface="Courier New" panose="02070309020205020404" pitchFamily="49" charset="0"/>
+              <a:cs typeface="Courier New" panose="02070309020205020404" pitchFamily="49" charset="0"/>
+            </a:endParaRPr>
+          </a:p>
+          <a:p>
+            <a:pPr marL="0" indent="0">
+              <a:buNone/>
+            </a:pPr>
+            <a:endParaRPr lang="nl-NL" sz="1600" dirty="0"/>
+          </a:p>
+        </p:txBody>
+      </p:sp>
+    </p:spTree>
+    <p:extLst>
+      <p:ext uri="{BB962C8B-B14F-4D97-AF65-F5344CB8AC3E}">
+        <p14:creationId xmlns:p14="http://schemas.microsoft.com/office/powerpoint/2010/main" val="206410462"/>
+      </p:ext>
+    </p:extLst>
+  </p:cSld>
+  <p:clrMapOvr>
+    <a:masterClrMapping/>
+  </p:clrMapOvr>
+</p:sld>
+</file>
+
+<file path=ppt/slides/slide18.xml><?xml version="1.0" encoding="utf-8"?>
+<p:sld xmlns:a="http://schemas.openxmlformats.org/drawingml/2006/main" xmlns:r="http://schemas.openxmlformats.org/officeDocument/2006/relationships" xmlns:p="http://schemas.openxmlformats.org/presentationml/2006/main">
+  <p:cSld>
+    <p:spTree>
+      <p:nvGrpSpPr>
+        <p:cNvPr id="1" name=""/>
+        <p:cNvGrpSpPr/>
+        <p:nvPr/>
+      </p:nvGrpSpPr>
+      <p:grpSpPr>
+        <a:xfrm>
+          <a:off x="0" y="0"/>
+          <a:ext cx="0" cy="0"/>
+          <a:chOff x="0" y="0"/>
+          <a:chExt cx="0" cy="0"/>
+        </a:xfrm>
+      </p:grpSpPr>
+      <p:sp>
+        <p:nvSpPr>
+          <p:cNvPr id="2" name="Title 1">
+            <a:extLst>
+              <a:ext uri="{FF2B5EF4-FFF2-40B4-BE49-F238E27FC236}">
+                <a16:creationId xmlns:a16="http://schemas.microsoft.com/office/drawing/2014/main" id="{EFFCF4BF-EB09-7892-A56D-89F6761FB5E8}"/>
+              </a:ext>
+            </a:extLst>
+          </p:cNvPr>
+          <p:cNvSpPr>
+            <a:spLocks noGrp="1"/>
+          </p:cNvSpPr>
+          <p:nvPr>
+            <p:ph type="title"/>
+          </p:nvPr>
+        </p:nvSpPr>
+        <p:spPr/>
+        <p:txBody>
+          <a:bodyPr/>
+          <a:lstStyle/>
+          <a:p>
+            <a:r>
+              <a:rPr lang="nl-NL"/>
+              <a:t>Data in queries</a:t>
+            </a:r>
+          </a:p>
+        </p:txBody>
+      </p:sp>
+      <p:sp>
+        <p:nvSpPr>
+          <p:cNvPr id="3" name="Content Placeholder 2">
+            <a:extLst>
+              <a:ext uri="{FF2B5EF4-FFF2-40B4-BE49-F238E27FC236}">
+                <a16:creationId xmlns:a16="http://schemas.microsoft.com/office/drawing/2014/main" id="{547DDF4A-2778-00F1-32B9-3B75308DB11E}"/>
+              </a:ext>
+            </a:extLst>
+          </p:cNvPr>
+          <p:cNvSpPr>
+            <a:spLocks noGrp="1"/>
+          </p:cNvSpPr>
+          <p:nvPr>
+            <p:ph idx="1"/>
+          </p:nvPr>
+        </p:nvSpPr>
+        <p:spPr>
+          <a:xfrm>
+            <a:off x="838199" y="1825625"/>
+            <a:ext cx="10303933" cy="4351338"/>
+          </a:xfrm>
+        </p:spPr>
+        <p:txBody>
+          <a:bodyPr>
+            <a:normAutofit/>
+          </a:bodyPr>
+          <a:lstStyle/>
+          <a:p>
+            <a:pPr marL="0" indent="0">
+              <a:buNone/>
+            </a:pPr>
+            <a:r>
+              <a:rPr lang="nl-NL" sz="1800" dirty="0" err="1"/>
+              <a:t>Queries</a:t>
+            </a:r>
+            <a:r>
+              <a:rPr lang="nl-NL" sz="1800" dirty="0"/>
+              <a:t> gebruiken soms data of externe invoer:</a:t>
+            </a:r>
+          </a:p>
+          <a:p>
+            <a:pPr marL="0" indent="0">
+              <a:buNone/>
+            </a:pPr>
+            <a:endParaRPr lang="nl-NL" sz="1600" b="1" dirty="0"/>
+          </a:p>
+          <a:p>
+            <a:pPr marL="0" indent="0">
+              <a:buNone/>
+            </a:pPr>
+            <a:r>
+              <a:rPr lang="nl-NL" sz="1600" dirty="0">
+                <a:latin typeface="Courier New" panose="02070309020205020404" pitchFamily="49" charset="0"/>
+                <a:cs typeface="Courier New" panose="02070309020205020404" pitchFamily="49" charset="0"/>
+              </a:rPr>
+              <a:t>SELECT * FROM Personen WHERE Leeftijd = &lt;waarde&gt;</a:t>
+            </a:r>
+          </a:p>
+          <a:p>
+            <a:pPr marL="0" indent="0">
+              <a:buNone/>
+            </a:pPr>
+            <a:endParaRPr lang="nl-NL" sz="1600" dirty="0">
+              <a:latin typeface="Courier New" panose="02070309020205020404" pitchFamily="49" charset="0"/>
+              <a:cs typeface="Courier New" panose="02070309020205020404" pitchFamily="49" charset="0"/>
+            </a:endParaRPr>
+          </a:p>
+          <a:p>
+            <a:pPr marL="0" indent="0">
+              <a:buNone/>
+            </a:pPr>
+            <a:r>
+              <a:rPr lang="nl-NL" sz="1800" dirty="0"/>
+              <a:t>In Python zou je de waarde direct in de query kunnen plakken:</a:t>
+            </a:r>
+          </a:p>
+          <a:p>
+            <a:pPr marL="0" indent="0">
+              <a:buNone/>
+            </a:pPr>
+            <a:endParaRPr lang="nl-NL" sz="1600" dirty="0"/>
+          </a:p>
+          <a:p>
+            <a:pPr marL="0" indent="0">
+              <a:buNone/>
+            </a:pPr>
+            <a:r>
+              <a:rPr lang="nl-NL" sz="1600" dirty="0">
+                <a:latin typeface="Courier New" panose="02070309020205020404" pitchFamily="49" charset="0"/>
+                <a:cs typeface="Courier New" panose="02070309020205020404" pitchFamily="49" charset="0"/>
+              </a:rPr>
+              <a:t>leeftijd = 22</a:t>
+            </a:r>
+          </a:p>
+          <a:p>
+            <a:pPr marL="0" indent="0">
+              <a:buNone/>
+            </a:pPr>
+            <a:r>
+              <a:rPr lang="nl-NL" sz="1600" dirty="0">
+                <a:latin typeface="Courier New" panose="02070309020205020404" pitchFamily="49" charset="0"/>
+                <a:cs typeface="Courier New" panose="02070309020205020404" pitchFamily="49" charset="0"/>
+              </a:rPr>
+              <a:t>query = </a:t>
+            </a:r>
+            <a:r>
+              <a:rPr lang="nl-NL" sz="1600" dirty="0" err="1">
+                <a:latin typeface="Courier New" panose="02070309020205020404" pitchFamily="49" charset="0"/>
+                <a:cs typeface="Courier New" panose="02070309020205020404" pitchFamily="49" charset="0"/>
+              </a:rPr>
+              <a:t>f"SELECT</a:t>
+            </a:r>
+            <a:r>
+              <a:rPr lang="nl-NL" sz="1600" dirty="0">
+                <a:latin typeface="Courier New" panose="02070309020205020404" pitchFamily="49" charset="0"/>
+                <a:cs typeface="Courier New" panose="02070309020205020404" pitchFamily="49" charset="0"/>
+              </a:rPr>
+              <a:t> * FROM Personen WHERE Leeftijd = {leeftijd}"</a:t>
+            </a:r>
+          </a:p>
+          <a:p>
+            <a:pPr marL="0" indent="0">
+              <a:buNone/>
+            </a:pPr>
+            <a:endParaRPr lang="nl-NL" sz="1600" dirty="0">
+              <a:latin typeface="Courier New" panose="02070309020205020404" pitchFamily="49" charset="0"/>
+              <a:cs typeface="Courier New" panose="02070309020205020404" pitchFamily="49" charset="0"/>
+            </a:endParaRPr>
+          </a:p>
+          <a:p>
+            <a:pPr marL="0" indent="0">
+              <a:buNone/>
+            </a:pPr>
+            <a:r>
+              <a:rPr lang="nl-NL" sz="1800" dirty="0"/>
+              <a:t>Maar dat is een slecht idee, want stel je voor dat dit de invoer is…</a:t>
+            </a:r>
+          </a:p>
+          <a:p>
+            <a:pPr marL="0" indent="0">
+              <a:buNone/>
+            </a:pPr>
+            <a:endParaRPr lang="nl-NL" sz="1600" dirty="0"/>
+          </a:p>
+          <a:p>
+            <a:pPr marL="0" indent="0">
+              <a:buNone/>
+            </a:pPr>
+            <a:r>
+              <a:rPr lang="nl-NL" sz="1600" dirty="0">
+                <a:latin typeface="Courier New" panose="02070309020205020404" pitchFamily="49" charset="0"/>
+                <a:cs typeface="Courier New" panose="02070309020205020404" pitchFamily="49" charset="0"/>
+              </a:rPr>
+              <a:t>leeftijd = "22; DROP TABLE Personen;"</a:t>
+            </a:r>
+          </a:p>
+          <a:p>
+            <a:pPr marL="0" indent="0">
+              <a:buNone/>
+            </a:pPr>
+            <a:endParaRPr lang="nl-NL" sz="1600" dirty="0">
+              <a:latin typeface="Courier New" panose="02070309020205020404" pitchFamily="49" charset="0"/>
+              <a:cs typeface="Courier New" panose="02070309020205020404" pitchFamily="49" charset="0"/>
+            </a:endParaRPr>
+          </a:p>
+          <a:p>
+            <a:pPr marL="0" indent="0">
+              <a:buNone/>
+            </a:pPr>
+            <a:endParaRPr lang="nl-NL" sz="1600" dirty="0"/>
+          </a:p>
+        </p:txBody>
+      </p:sp>
+    </p:spTree>
+    <p:extLst>
+      <p:ext uri="{BB962C8B-B14F-4D97-AF65-F5344CB8AC3E}">
+        <p14:creationId xmlns:p14="http://schemas.microsoft.com/office/powerpoint/2010/main" val="3241581677"/>
+      </p:ext>
+    </p:extLst>
+  </p:cSld>
+  <p:clrMapOvr>
+    <a:masterClrMapping/>
+  </p:clrMapOvr>
+</p:sld>
+</file>
+
+<file path=ppt/slides/slide19.xml><?xml version="1.0" encoding="utf-8"?>
+<p:sld xmlns:a="http://schemas.openxmlformats.org/drawingml/2006/main" xmlns:r="http://schemas.openxmlformats.org/officeDocument/2006/relationships" xmlns:p="http://schemas.openxmlformats.org/presentationml/2006/main">
+  <p:cSld>
+    <p:spTree>
+      <p:nvGrpSpPr>
+        <p:cNvPr id="1" name=""/>
+        <p:cNvGrpSpPr/>
+        <p:nvPr/>
+      </p:nvGrpSpPr>
+      <p:grpSpPr>
+        <a:xfrm>
+          <a:off x="0" y="0"/>
+          <a:ext cx="0" cy="0"/>
+          <a:chOff x="0" y="0"/>
+          <a:chExt cx="0" cy="0"/>
+        </a:xfrm>
+      </p:grpSpPr>
+      <p:sp>
+        <p:nvSpPr>
+          <p:cNvPr id="2" name="Title 1">
+            <a:extLst>
+              <a:ext uri="{FF2B5EF4-FFF2-40B4-BE49-F238E27FC236}">
+                <a16:creationId xmlns:a16="http://schemas.microsoft.com/office/drawing/2014/main" id="{EFFCF4BF-EB09-7892-A56D-89F6761FB5E8}"/>
+              </a:ext>
+            </a:extLst>
+          </p:cNvPr>
+          <p:cNvSpPr>
+            <a:spLocks noGrp="1"/>
+          </p:cNvSpPr>
+          <p:nvPr>
+            <p:ph type="title"/>
+          </p:nvPr>
+        </p:nvSpPr>
+        <p:spPr/>
+        <p:txBody>
+          <a:bodyPr/>
+          <a:lstStyle/>
+          <a:p>
+            <a:r>
+              <a:rPr lang="nl-NL"/>
+              <a:t>Geparametriseerde queries</a:t>
+            </a:r>
+          </a:p>
+        </p:txBody>
+      </p:sp>
+      <p:sp>
+        <p:nvSpPr>
+          <p:cNvPr id="3" name="Content Placeholder 2">
+            <a:extLst>
+              <a:ext uri="{FF2B5EF4-FFF2-40B4-BE49-F238E27FC236}">
+                <a16:creationId xmlns:a16="http://schemas.microsoft.com/office/drawing/2014/main" id="{547DDF4A-2778-00F1-32B9-3B75308DB11E}"/>
+              </a:ext>
+            </a:extLst>
+          </p:cNvPr>
+          <p:cNvSpPr>
+            <a:spLocks noGrp="1"/>
+          </p:cNvSpPr>
+          <p:nvPr>
+            <p:ph idx="1"/>
+          </p:nvPr>
+        </p:nvSpPr>
+        <p:spPr>
+          <a:xfrm>
+            <a:off x="838199" y="1825625"/>
+            <a:ext cx="10303933" cy="4351338"/>
+          </a:xfrm>
+        </p:spPr>
+        <p:txBody>
+          <a:bodyPr>
+            <a:normAutofit/>
+          </a:bodyPr>
+          <a:lstStyle/>
+          <a:p>
+            <a:pPr marL="0" indent="0">
+              <a:buNone/>
+            </a:pPr>
+            <a:r>
+              <a:rPr lang="nl-NL" sz="1800" dirty="0"/>
+              <a:t>Als je externe data wilt gebruiken in een query, gebruik hier dan parameters voor:</a:t>
+            </a:r>
+          </a:p>
+          <a:p>
+            <a:pPr marL="0" indent="0">
+              <a:buNone/>
+            </a:pPr>
+            <a:endParaRPr lang="nl-NL" sz="1800" dirty="0"/>
+          </a:p>
+          <a:p>
+            <a:pPr marL="0" indent="0">
+              <a:buNone/>
+            </a:pPr>
+            <a:endParaRPr lang="nl-NL" sz="1800" dirty="0"/>
+          </a:p>
+          <a:p>
+            <a:pPr marL="0" indent="0">
+              <a:buNone/>
+            </a:pPr>
+            <a:endParaRPr lang="nl-NL" sz="1800" dirty="0"/>
+          </a:p>
+          <a:p>
+            <a:pPr marL="0" indent="0">
+              <a:buNone/>
+            </a:pPr>
+            <a:r>
+              <a:rPr lang="nl-NL" sz="1800" dirty="0"/>
+              <a:t>Vervolgens kun je deze parameters vullen via Python:</a:t>
+            </a:r>
+          </a:p>
+          <a:p>
+            <a:pPr marL="0" indent="0">
+              <a:buNone/>
+            </a:pPr>
+            <a:endParaRPr lang="nl-NL" sz="1800" dirty="0"/>
+          </a:p>
+        </p:txBody>
+      </p:sp>
+    </p:spTree>
+    <p:extLst>
+      <p:ext uri="{BB962C8B-B14F-4D97-AF65-F5344CB8AC3E}">
+        <p14:creationId xmlns:p14="http://schemas.microsoft.com/office/powerpoint/2010/main" val="2111219817"/>
+      </p:ext>
+    </p:extLst>
+  </p:cSld>
+  <p:clrMapOvr>
+    <a:masterClrMapping/>
+  </p:clrMapOvr>
+</p:sld>
+</file>
+
+<file path=ppt/slides/slide2.xml><?xml version="1.0" encoding="utf-8"?>
+<p:sld xmlns:a="http://schemas.openxmlformats.org/drawingml/2006/main" xmlns:r="http://schemas.openxmlformats.org/officeDocument/2006/relationships" xmlns:p="http://schemas.openxmlformats.org/presentationml/2006/main">
+  <p:cSld>
+    <p:spTree>
+      <p:nvGrpSpPr>
+        <p:cNvPr id="1" name=""/>
+        <p:cNvGrpSpPr/>
+        <p:nvPr/>
+      </p:nvGrpSpPr>
+      <p:grpSpPr>
+        <a:xfrm>
+          <a:off x="0" y="0"/>
+          <a:ext cx="0" cy="0"/>
+          <a:chOff x="0" y="0"/>
+          <a:chExt cx="0" cy="0"/>
+        </a:xfrm>
+      </p:grpSpPr>
+      <p:sp>
+        <p:nvSpPr>
+          <p:cNvPr id="2" name="Title 1">
+            <a:extLst>
+              <a:ext uri="{FF2B5EF4-FFF2-40B4-BE49-F238E27FC236}">
+                <a16:creationId xmlns:a16="http://schemas.microsoft.com/office/drawing/2014/main" id="{9BDFD261-0D2C-41B9-9E28-43DF575D40E0}"/>
+              </a:ext>
+            </a:extLst>
+          </p:cNvPr>
+          <p:cNvSpPr>
+            <a:spLocks noGrp="1"/>
+          </p:cNvSpPr>
+          <p:nvPr>
+            <p:ph type="title"/>
+          </p:nvPr>
+        </p:nvSpPr>
+        <p:spPr/>
+        <p:txBody>
+          <a:bodyPr/>
+          <a:lstStyle/>
+          <a:p>
+            <a:r>
+              <a:rPr lang="nl-NL" sz="3600" dirty="0"/>
+              <a:t>Agenda</a:t>
+            </a:r>
+            <a:endParaRPr lang="nl-NL" dirty="0"/>
+          </a:p>
+        </p:txBody>
+      </p:sp>
+      <p:sp>
+        <p:nvSpPr>
+          <p:cNvPr id="3" name="Content Placeholder 2">
+            <a:extLst>
+              <a:ext uri="{FF2B5EF4-FFF2-40B4-BE49-F238E27FC236}">
+                <a16:creationId xmlns:a16="http://schemas.microsoft.com/office/drawing/2014/main" id="{7844B503-C44F-453E-9465-D42E4557DE0C}"/>
+              </a:ext>
+            </a:extLst>
+          </p:cNvPr>
+          <p:cNvSpPr>
+            <a:spLocks noGrp="1"/>
+          </p:cNvSpPr>
+          <p:nvPr>
+            <p:ph idx="1"/>
+          </p:nvPr>
+        </p:nvSpPr>
+        <p:spPr>
+          <a:xfrm>
+            <a:off x="838199" y="1825625"/>
+            <a:ext cx="7433345" cy="4351338"/>
+          </a:xfrm>
+        </p:spPr>
+        <p:txBody>
+          <a:bodyPr>
+            <a:noAutofit/>
+          </a:bodyPr>
+          <a:lstStyle/>
+          <a:p>
+            <a:pPr marL="0" indent="0">
+              <a:buNone/>
+            </a:pPr>
+            <a:r>
+              <a:rPr lang="nl-NL" sz="2000" b="1" dirty="0"/>
+              <a:t>Ochtend:</a:t>
+            </a:r>
+          </a:p>
+          <a:p>
+            <a:pPr marL="0" indent="0">
+              <a:buNone/>
+            </a:pPr>
+            <a:endParaRPr lang="nl-NL" sz="2000" dirty="0"/>
+          </a:p>
+          <a:p>
+            <a:pPr>
+              <a:buFontTx/>
+              <a:buChar char="-"/>
+            </a:pPr>
+            <a:r>
+              <a:rPr lang="nl-NL" sz="2000" dirty="0"/>
+              <a:t>Winkel opdracht.</a:t>
+            </a:r>
+          </a:p>
+          <a:p>
+            <a:pPr>
+              <a:buFontTx/>
+              <a:buChar char="-"/>
+            </a:pPr>
+            <a:endParaRPr lang="nl-NL" sz="2000" dirty="0"/>
+          </a:p>
+          <a:p>
+            <a:pPr>
+              <a:buFontTx/>
+              <a:buChar char="-"/>
+            </a:pPr>
+            <a:r>
+              <a:rPr lang="nl-NL" sz="2000" dirty="0"/>
+              <a:t>Complexe </a:t>
+            </a:r>
+            <a:r>
+              <a:rPr lang="nl-NL" sz="2000" dirty="0" err="1"/>
+              <a:t>queries</a:t>
+            </a:r>
+            <a:r>
+              <a:rPr lang="nl-NL" sz="2000" dirty="0"/>
+              <a:t>:</a:t>
+            </a:r>
+          </a:p>
+          <a:p>
+            <a:pPr lvl="1">
+              <a:buFontTx/>
+              <a:buChar char="-"/>
+            </a:pPr>
+            <a:r>
+              <a:rPr lang="nl-NL" sz="1600" dirty="0"/>
+              <a:t>Query optimalisatie.</a:t>
+            </a:r>
+          </a:p>
+          <a:p>
+            <a:pPr lvl="1">
+              <a:buFontTx/>
+              <a:buChar char="-"/>
+            </a:pPr>
+            <a:r>
+              <a:rPr lang="nl-NL" sz="1600" dirty="0"/>
+              <a:t>Veel </a:t>
+            </a:r>
+            <a:r>
+              <a:rPr lang="nl-NL" sz="1600" dirty="0" err="1"/>
+              <a:t>JOINs</a:t>
+            </a:r>
+            <a:r>
+              <a:rPr lang="nl-NL" sz="1600" dirty="0"/>
+              <a:t> door normalisatie.</a:t>
+            </a:r>
+          </a:p>
+          <a:p>
+            <a:pPr>
+              <a:buFontTx/>
+              <a:buChar char="-"/>
+            </a:pPr>
+            <a:endParaRPr lang="nl-NL" sz="2000" dirty="0"/>
+          </a:p>
+          <a:p>
+            <a:pPr>
+              <a:buFontTx/>
+              <a:buChar char="-"/>
+            </a:pPr>
+            <a:r>
+              <a:rPr lang="nl-NL" sz="2000" dirty="0"/>
+              <a:t>SQL versus Python.</a:t>
+            </a:r>
+          </a:p>
+          <a:p>
+            <a:pPr>
+              <a:buFontTx/>
+              <a:buChar char="-"/>
+            </a:pPr>
+            <a:endParaRPr lang="nl-NL" sz="2000" dirty="0"/>
+          </a:p>
+        </p:txBody>
+      </p:sp>
+    </p:spTree>
+    <p:extLst>
+      <p:ext uri="{BB962C8B-B14F-4D97-AF65-F5344CB8AC3E}">
+        <p14:creationId xmlns:p14="http://schemas.microsoft.com/office/powerpoint/2010/main" val="564599959"/>
+      </p:ext>
+    </p:extLst>
+  </p:cSld>
+  <p:clrMapOvr>
+    <a:masterClrMapping/>
+  </p:clrMapOvr>
+</p:sld>
+</file>
+
+<file path=ppt/slides/slide3.xml><?xml version="1.0" encoding="utf-8"?>
+<p:sld xmlns:a="http://schemas.openxmlformats.org/drawingml/2006/main" xmlns:r="http://schemas.openxmlformats.org/officeDocument/2006/relationships" xmlns:p="http://schemas.openxmlformats.org/presentationml/2006/main" show="0">
+  <p:cSld>
+    <p:spTree>
+      <p:nvGrpSpPr>
+        <p:cNvPr id="1" name=""/>
+        <p:cNvGrpSpPr/>
+        <p:nvPr/>
+      </p:nvGrpSpPr>
+      <p:grpSpPr>
+        <a:xfrm>
+          <a:off x="0" y="0"/>
+          <a:ext cx="0" cy="0"/>
+          <a:chOff x="0" y="0"/>
+          <a:chExt cx="0" cy="0"/>
+        </a:xfrm>
+      </p:grpSpPr>
+      <p:sp>
+        <p:nvSpPr>
+          <p:cNvPr id="2" name="Title 1">
+            <a:extLst>
+              <a:ext uri="{FF2B5EF4-FFF2-40B4-BE49-F238E27FC236}">
+                <a16:creationId xmlns:a16="http://schemas.microsoft.com/office/drawing/2014/main" id="{9BDFD261-0D2C-41B9-9E28-43DF575D40E0}"/>
+              </a:ext>
+            </a:extLst>
+          </p:cNvPr>
+          <p:cNvSpPr>
+            <a:spLocks noGrp="1"/>
+          </p:cNvSpPr>
+          <p:nvPr>
+            <p:ph type="title"/>
+          </p:nvPr>
+        </p:nvSpPr>
+        <p:spPr/>
+        <p:txBody>
+          <a:bodyPr/>
+          <a:lstStyle/>
+          <a:p>
+            <a:r>
+              <a:rPr lang="nl-NL" sz="3600" dirty="0"/>
+              <a:t>SQL Server Management Studio</a:t>
+            </a:r>
+            <a:endParaRPr lang="nl-NL" dirty="0"/>
+          </a:p>
+        </p:txBody>
+      </p:sp>
+      <p:sp>
+        <p:nvSpPr>
+          <p:cNvPr id="3" name="Content Placeholder 2">
+            <a:extLst>
+              <a:ext uri="{FF2B5EF4-FFF2-40B4-BE49-F238E27FC236}">
+                <a16:creationId xmlns:a16="http://schemas.microsoft.com/office/drawing/2014/main" id="{7844B503-C44F-453E-9465-D42E4557DE0C}"/>
+              </a:ext>
+            </a:extLst>
+          </p:cNvPr>
+          <p:cNvSpPr>
+            <a:spLocks noGrp="1"/>
+          </p:cNvSpPr>
+          <p:nvPr>
+            <p:ph idx="1"/>
+          </p:nvPr>
+        </p:nvSpPr>
+        <p:spPr>
+          <a:xfrm>
+            <a:off x="838199" y="1825625"/>
+            <a:ext cx="10515600" cy="4351338"/>
+          </a:xfrm>
+        </p:spPr>
+        <p:txBody>
+          <a:bodyPr>
+            <a:normAutofit lnSpcReduction="10000"/>
+          </a:bodyPr>
+          <a:lstStyle/>
+          <a:p>
+            <a:pPr marL="0" indent="0">
+              <a:buNone/>
+            </a:pPr>
+            <a:r>
+              <a:rPr lang="nl-NL" sz="2000" dirty="0"/>
+              <a:t>Grafische </a:t>
+            </a:r>
+            <a:r>
+              <a:rPr lang="nl-NL" sz="2000" u="sng" dirty="0"/>
+              <a:t>desktop</a:t>
+            </a:r>
+            <a:r>
+              <a:rPr lang="nl-NL" sz="2000" dirty="0"/>
+              <a:t> tool om een SQL </a:t>
+            </a:r>
+            <a:r>
+              <a:rPr lang="nl-NL" sz="2000" u="sng" dirty="0"/>
+              <a:t>server</a:t>
+            </a:r>
+            <a:r>
+              <a:rPr lang="nl-NL" sz="2000" dirty="0"/>
+              <a:t> mee te beheren:</a:t>
+            </a:r>
+          </a:p>
+          <a:p>
+            <a:pPr marL="0" indent="0">
+              <a:buNone/>
+            </a:pPr>
+            <a:r>
+              <a:rPr lang="nl-NL" sz="2000" dirty="0"/>
+              <a:t>De data staan op de server en de tool voert daar SQL </a:t>
+            </a:r>
+            <a:r>
+              <a:rPr lang="nl-NL" sz="2000" dirty="0" err="1"/>
+              <a:t>queries</a:t>
+            </a:r>
+            <a:r>
+              <a:rPr lang="nl-NL" sz="2000" dirty="0"/>
+              <a:t> op uit.</a:t>
+            </a:r>
+          </a:p>
+          <a:p>
+            <a:pPr marL="0" indent="0">
+              <a:buNone/>
+            </a:pPr>
+            <a:endParaRPr lang="nl-NL" sz="2000" b="1" dirty="0"/>
+          </a:p>
+          <a:p>
+            <a:pPr marL="0" indent="0">
+              <a:buNone/>
+            </a:pPr>
+            <a:r>
+              <a:rPr lang="nl-NL" sz="2000" b="1" dirty="0"/>
+              <a:t>Voordelen:</a:t>
+            </a:r>
+          </a:p>
+          <a:p>
+            <a:pPr>
+              <a:buFontTx/>
+              <a:buChar char="-"/>
+            </a:pPr>
+            <a:r>
+              <a:rPr lang="nl-NL" sz="2000" dirty="0"/>
+              <a:t>Snel overzicht over databases / tabellen etc.</a:t>
+            </a:r>
+          </a:p>
+          <a:p>
+            <a:pPr>
+              <a:buFontTx/>
+              <a:buChar char="-"/>
+            </a:pPr>
+            <a:r>
+              <a:rPr lang="nl-NL" sz="2000" dirty="0"/>
+              <a:t>Shortcuts naar veelgebruikte </a:t>
+            </a:r>
+            <a:r>
+              <a:rPr lang="nl-NL" sz="2000" dirty="0" err="1"/>
+              <a:t>queries</a:t>
+            </a:r>
+            <a:r>
+              <a:rPr lang="nl-NL" sz="2000" dirty="0"/>
+              <a:t> (o.a. selectie eerste rijen).</a:t>
+            </a:r>
+          </a:p>
+          <a:p>
+            <a:pPr>
+              <a:buFontTx/>
+              <a:buChar char="-"/>
+            </a:pPr>
+            <a:r>
+              <a:rPr lang="nl-NL" sz="2000" dirty="0"/>
+              <a:t>Geeft houvast doordat keuzes weergegeven worden.</a:t>
+            </a:r>
+          </a:p>
+          <a:p>
+            <a:pPr marL="0" indent="0">
+              <a:buNone/>
+            </a:pPr>
+            <a:endParaRPr lang="nl-NL" sz="2000" dirty="0"/>
+          </a:p>
+          <a:p>
+            <a:pPr marL="0" indent="0">
+              <a:buNone/>
+            </a:pPr>
+            <a:r>
+              <a:rPr lang="nl-NL" sz="2000" b="1" dirty="0"/>
+              <a:t>Nadelen:</a:t>
+            </a:r>
+            <a:endParaRPr lang="nl-NL" sz="2000" dirty="0"/>
+          </a:p>
+          <a:p>
+            <a:pPr>
+              <a:buFontTx/>
+              <a:buChar char="-"/>
+            </a:pPr>
+            <a:r>
+              <a:rPr lang="nl-NL" sz="2000" dirty="0"/>
+              <a:t>Je leert geen SQL / wordt afhankelijk van een tool.</a:t>
+            </a:r>
+          </a:p>
+          <a:p>
+            <a:pPr>
+              <a:buFontTx/>
+              <a:buChar char="-"/>
+            </a:pPr>
+            <a:r>
+              <a:rPr lang="nl-NL" sz="2000" dirty="0"/>
+              <a:t>Voor ML zul je de data toch naar R of Python moeten krijgen.</a:t>
+            </a:r>
+          </a:p>
+          <a:p>
+            <a:pPr>
+              <a:buFontTx/>
+              <a:buChar char="-"/>
+            </a:pPr>
+            <a:endParaRPr lang="nl-NL" sz="2000" dirty="0"/>
+          </a:p>
+        </p:txBody>
+      </p:sp>
+    </p:spTree>
+    <p:extLst>
+      <p:ext uri="{BB962C8B-B14F-4D97-AF65-F5344CB8AC3E}">
+        <p14:creationId xmlns:p14="http://schemas.microsoft.com/office/powerpoint/2010/main" val="1644159653"/>
+      </p:ext>
+    </p:extLst>
+  </p:cSld>
+  <p:clrMapOvr>
+    <a:masterClrMapping/>
+  </p:clrMapOvr>
+</p:sld>
+</file>
+
+<file path=ppt/slides/slide4.xml><?xml version="1.0" encoding="utf-8"?>
 <p:sld xmlns:a="http://schemas.openxmlformats.org/drawingml/2006/main" xmlns:r="http://schemas.openxmlformats.org/officeDocument/2006/relationships" xmlns:p="http://schemas.openxmlformats.org/presentationml/2006/main">
   <p:cSld>
     <p:spTree>
@@ -5398,7 +8134,7 @@
 </p:sld>
 </file>
 
-<file path=ppt/slides/slide13.xml><?xml version="1.0" encoding="utf-8"?>
+<file path=ppt/slides/slide5.xml><?xml version="1.0" encoding="utf-8"?>
 <p:sld xmlns:a="http://schemas.openxmlformats.org/drawingml/2006/main" xmlns:r="http://schemas.openxmlformats.org/officeDocument/2006/relationships" xmlns:p="http://schemas.openxmlformats.org/presentationml/2006/main">
   <p:cSld>
     <p:spTree>
@@ -6244,433 +8980,7 @@
 </p:sld>
 </file>
 
-<file path=ppt/slides/slide2.xml><?xml version="1.0" encoding="utf-8"?>
-<p:sld xmlns:a="http://schemas.openxmlformats.org/drawingml/2006/main" xmlns:r="http://schemas.openxmlformats.org/officeDocument/2006/relationships" xmlns:p="http://schemas.openxmlformats.org/presentationml/2006/main">
-  <p:cSld>
-    <p:spTree>
-      <p:nvGrpSpPr>
-        <p:cNvPr id="1" name=""/>
-        <p:cNvGrpSpPr/>
-        <p:nvPr/>
-      </p:nvGrpSpPr>
-      <p:grpSpPr>
-        <a:xfrm>
-          <a:off x="0" y="0"/>
-          <a:ext cx="0" cy="0"/>
-          <a:chOff x="0" y="0"/>
-          <a:chExt cx="0" cy="0"/>
-        </a:xfrm>
-      </p:grpSpPr>
-      <p:sp>
-        <p:nvSpPr>
-          <p:cNvPr id="2" name="Title 1">
-            <a:extLst>
-              <a:ext uri="{FF2B5EF4-FFF2-40B4-BE49-F238E27FC236}">
-                <a16:creationId xmlns:a16="http://schemas.microsoft.com/office/drawing/2014/main" id="{9BDFD261-0D2C-41B9-9E28-43DF575D40E0}"/>
-              </a:ext>
-            </a:extLst>
-          </p:cNvPr>
-          <p:cNvSpPr>
-            <a:spLocks noGrp="1"/>
-          </p:cNvSpPr>
-          <p:nvPr>
-            <p:ph type="title"/>
-          </p:nvPr>
-        </p:nvSpPr>
-        <p:spPr/>
-        <p:txBody>
-          <a:bodyPr/>
-          <a:lstStyle/>
-          <a:p>
-            <a:r>
-              <a:rPr lang="nl-NL" sz="3600" dirty="0"/>
-              <a:t>Agenda</a:t>
-            </a:r>
-            <a:endParaRPr lang="nl-NL" dirty="0"/>
-          </a:p>
-        </p:txBody>
-      </p:sp>
-      <p:sp>
-        <p:nvSpPr>
-          <p:cNvPr id="3" name="Content Placeholder 2">
-            <a:extLst>
-              <a:ext uri="{FF2B5EF4-FFF2-40B4-BE49-F238E27FC236}">
-                <a16:creationId xmlns:a16="http://schemas.microsoft.com/office/drawing/2014/main" id="{7844B503-C44F-453E-9465-D42E4557DE0C}"/>
-              </a:ext>
-            </a:extLst>
-          </p:cNvPr>
-          <p:cNvSpPr>
-            <a:spLocks noGrp="1"/>
-          </p:cNvSpPr>
-          <p:nvPr>
-            <p:ph idx="1"/>
-          </p:nvPr>
-        </p:nvSpPr>
-        <p:spPr>
-          <a:xfrm>
-            <a:off x="838199" y="1825625"/>
-            <a:ext cx="7433345" cy="4351338"/>
-          </a:xfrm>
-        </p:spPr>
-        <p:txBody>
-          <a:bodyPr>
-            <a:noAutofit/>
-          </a:bodyPr>
-          <a:lstStyle/>
-          <a:p>
-            <a:pPr marL="0" indent="0">
-              <a:buNone/>
-            </a:pPr>
-            <a:r>
-              <a:rPr lang="nl-NL" sz="2000" b="1" dirty="0"/>
-              <a:t>Ochtend:</a:t>
-            </a:r>
-          </a:p>
-          <a:p>
-            <a:pPr marL="0" indent="0">
-              <a:buNone/>
-            </a:pPr>
-            <a:endParaRPr lang="nl-NL" sz="2000" dirty="0"/>
-          </a:p>
-          <a:p>
-            <a:pPr>
-              <a:buFontTx/>
-              <a:buChar char="-"/>
-            </a:pPr>
-            <a:r>
-              <a:rPr lang="nl-NL" sz="2000" dirty="0"/>
-              <a:t>SQL Server Management Studio (SSMS).</a:t>
-            </a:r>
-          </a:p>
-          <a:p>
-            <a:pPr>
-              <a:buFontTx/>
-              <a:buChar char="-"/>
-            </a:pPr>
-            <a:endParaRPr lang="nl-NL" sz="2000" dirty="0"/>
-          </a:p>
-          <a:p>
-            <a:pPr>
-              <a:buFontTx/>
-              <a:buChar char="-"/>
-            </a:pPr>
-            <a:r>
-              <a:rPr lang="nl-NL" sz="2000" dirty="0"/>
-              <a:t>Complexe </a:t>
-            </a:r>
-            <a:r>
-              <a:rPr lang="nl-NL" sz="2000" dirty="0" err="1"/>
-              <a:t>queries</a:t>
-            </a:r>
-            <a:r>
-              <a:rPr lang="nl-NL" sz="2000" dirty="0"/>
-              <a:t>:</a:t>
-            </a:r>
-          </a:p>
-          <a:p>
-            <a:pPr lvl="1">
-              <a:buFontTx/>
-              <a:buChar char="-"/>
-            </a:pPr>
-            <a:r>
-              <a:rPr lang="nl-NL" sz="1600" dirty="0"/>
-              <a:t>Query optimalisatie.</a:t>
-            </a:r>
-          </a:p>
-          <a:p>
-            <a:pPr lvl="1">
-              <a:buFontTx/>
-              <a:buChar char="-"/>
-            </a:pPr>
-            <a:r>
-              <a:rPr lang="nl-NL" sz="1600" dirty="0"/>
-              <a:t>Veel </a:t>
-            </a:r>
-            <a:r>
-              <a:rPr lang="nl-NL" sz="1600" dirty="0" err="1"/>
-              <a:t>JOINs</a:t>
-            </a:r>
-            <a:r>
-              <a:rPr lang="nl-NL" sz="1600" dirty="0"/>
-              <a:t> door normalisatie.</a:t>
-            </a:r>
-          </a:p>
-          <a:p>
-            <a:pPr>
-              <a:buFontTx/>
-              <a:buChar char="-"/>
-            </a:pPr>
-            <a:endParaRPr lang="nl-NL" sz="2000" dirty="0"/>
-          </a:p>
-          <a:p>
-            <a:pPr>
-              <a:buFontTx/>
-              <a:buChar char="-"/>
-            </a:pPr>
-            <a:r>
-              <a:rPr lang="nl-NL" sz="2000" dirty="0"/>
-              <a:t>SQL versus Python.</a:t>
-            </a:r>
-          </a:p>
-          <a:p>
-            <a:pPr>
-              <a:buFontTx/>
-              <a:buChar char="-"/>
-            </a:pPr>
-            <a:endParaRPr lang="nl-NL" sz="2000" dirty="0"/>
-          </a:p>
-          <a:p>
-            <a:pPr>
-              <a:buFontTx/>
-              <a:buChar char="-"/>
-            </a:pPr>
-            <a:r>
-              <a:rPr lang="nl-NL" sz="2000" dirty="0"/>
-              <a:t>Winkel opdracht.</a:t>
-            </a:r>
-          </a:p>
-        </p:txBody>
-      </p:sp>
-    </p:spTree>
-    <p:extLst>
-      <p:ext uri="{BB962C8B-B14F-4D97-AF65-F5344CB8AC3E}">
-        <p14:creationId xmlns:p14="http://schemas.microsoft.com/office/powerpoint/2010/main" val="564599959"/>
-      </p:ext>
-    </p:extLst>
-  </p:cSld>
-  <p:clrMapOvr>
-    <a:masterClrMapping/>
-  </p:clrMapOvr>
-</p:sld>
-</file>
-
-<file path=ppt/slides/slide3.xml><?xml version="1.0" encoding="utf-8"?>
-<p:sld xmlns:a="http://schemas.openxmlformats.org/drawingml/2006/main" xmlns:r="http://schemas.openxmlformats.org/officeDocument/2006/relationships" xmlns:p="http://schemas.openxmlformats.org/presentationml/2006/main">
-  <p:cSld>
-    <p:spTree>
-      <p:nvGrpSpPr>
-        <p:cNvPr id="1" name=""/>
-        <p:cNvGrpSpPr/>
-        <p:nvPr/>
-      </p:nvGrpSpPr>
-      <p:grpSpPr>
-        <a:xfrm>
-          <a:off x="0" y="0"/>
-          <a:ext cx="0" cy="0"/>
-          <a:chOff x="0" y="0"/>
-          <a:chExt cx="0" cy="0"/>
-        </a:xfrm>
-      </p:grpSpPr>
-      <p:sp>
-        <p:nvSpPr>
-          <p:cNvPr id="2" name="Title 1">
-            <a:extLst>
-              <a:ext uri="{FF2B5EF4-FFF2-40B4-BE49-F238E27FC236}">
-                <a16:creationId xmlns:a16="http://schemas.microsoft.com/office/drawing/2014/main" id="{9BDFD261-0D2C-41B9-9E28-43DF575D40E0}"/>
-              </a:ext>
-            </a:extLst>
-          </p:cNvPr>
-          <p:cNvSpPr>
-            <a:spLocks noGrp="1"/>
-          </p:cNvSpPr>
-          <p:nvPr>
-            <p:ph type="title"/>
-          </p:nvPr>
-        </p:nvSpPr>
-        <p:spPr/>
-        <p:txBody>
-          <a:bodyPr/>
-          <a:lstStyle/>
-          <a:p>
-            <a:r>
-              <a:rPr lang="nl-NL" sz="3600" dirty="0"/>
-              <a:t>SQL Server Management Studio</a:t>
-            </a:r>
-            <a:endParaRPr lang="nl-NL" dirty="0"/>
-          </a:p>
-        </p:txBody>
-      </p:sp>
-      <p:sp>
-        <p:nvSpPr>
-          <p:cNvPr id="3" name="Content Placeholder 2">
-            <a:extLst>
-              <a:ext uri="{FF2B5EF4-FFF2-40B4-BE49-F238E27FC236}">
-                <a16:creationId xmlns:a16="http://schemas.microsoft.com/office/drawing/2014/main" id="{7844B503-C44F-453E-9465-D42E4557DE0C}"/>
-              </a:ext>
-            </a:extLst>
-          </p:cNvPr>
-          <p:cNvSpPr>
-            <a:spLocks noGrp="1"/>
-          </p:cNvSpPr>
-          <p:nvPr>
-            <p:ph idx="1"/>
-          </p:nvPr>
-        </p:nvSpPr>
-        <p:spPr>
-          <a:xfrm>
-            <a:off x="838199" y="1825625"/>
-            <a:ext cx="10515600" cy="4351338"/>
-          </a:xfrm>
-        </p:spPr>
-        <p:txBody>
-          <a:bodyPr>
-            <a:normAutofit lnSpcReduction="10000"/>
-          </a:bodyPr>
-          <a:lstStyle/>
-          <a:p>
-            <a:pPr marL="0" indent="0">
-              <a:buNone/>
-            </a:pPr>
-            <a:r>
-              <a:rPr lang="nl-NL" sz="2000" dirty="0"/>
-              <a:t>Grafische </a:t>
-            </a:r>
-            <a:r>
-              <a:rPr lang="nl-NL" sz="2000" u="sng" dirty="0"/>
-              <a:t>desktop</a:t>
-            </a:r>
-            <a:r>
-              <a:rPr lang="nl-NL" sz="2000" dirty="0"/>
-              <a:t> tool om een SQL </a:t>
-            </a:r>
-            <a:r>
-              <a:rPr lang="nl-NL" sz="2000" u="sng" dirty="0"/>
-              <a:t>server</a:t>
-            </a:r>
-            <a:r>
-              <a:rPr lang="nl-NL" sz="2000" dirty="0"/>
-              <a:t> mee te beheren:</a:t>
-            </a:r>
-          </a:p>
-          <a:p>
-            <a:pPr marL="0" indent="0">
-              <a:buNone/>
-            </a:pPr>
-            <a:r>
-              <a:rPr lang="nl-NL" sz="2000" dirty="0"/>
-              <a:t>De data staan op de server en de tool voert daar SQL </a:t>
-            </a:r>
-            <a:r>
-              <a:rPr lang="nl-NL" sz="2000" dirty="0" err="1"/>
-              <a:t>queries</a:t>
-            </a:r>
-            <a:r>
-              <a:rPr lang="nl-NL" sz="2000" dirty="0"/>
-              <a:t> op uit.</a:t>
-            </a:r>
-          </a:p>
-          <a:p>
-            <a:pPr marL="0" indent="0">
-              <a:buNone/>
-            </a:pPr>
-            <a:endParaRPr lang="nl-NL" sz="2000" b="1" dirty="0"/>
-          </a:p>
-          <a:p>
-            <a:pPr marL="0" indent="0">
-              <a:buNone/>
-            </a:pPr>
-            <a:r>
-              <a:rPr lang="nl-NL" sz="2000" b="1" dirty="0"/>
-              <a:t>Voordelen:</a:t>
-            </a:r>
-          </a:p>
-          <a:p>
-            <a:pPr>
-              <a:buFontTx/>
-              <a:buChar char="-"/>
-            </a:pPr>
-            <a:r>
-              <a:rPr lang="nl-NL" sz="2000" dirty="0"/>
-              <a:t>Snel overzicht over databases / tabellen etc.</a:t>
-            </a:r>
-          </a:p>
-          <a:p>
-            <a:pPr>
-              <a:buFontTx/>
-              <a:buChar char="-"/>
-            </a:pPr>
-            <a:r>
-              <a:rPr lang="nl-NL" sz="2000" dirty="0"/>
-              <a:t>Shortcuts naar veelgebruikte </a:t>
-            </a:r>
-            <a:r>
-              <a:rPr lang="nl-NL" sz="2000" dirty="0" err="1"/>
-              <a:t>queries</a:t>
-            </a:r>
-            <a:r>
-              <a:rPr lang="nl-NL" sz="2000" dirty="0"/>
-              <a:t> (o.a. selectie eerste rijen).</a:t>
-            </a:r>
-          </a:p>
-          <a:p>
-            <a:pPr>
-              <a:buFontTx/>
-              <a:buChar char="-"/>
-            </a:pPr>
-            <a:r>
-              <a:rPr lang="nl-NL" sz="2000" dirty="0"/>
-              <a:t>Geeft houvast doordat keuzes weergegeven worden.</a:t>
-            </a:r>
-          </a:p>
-          <a:p>
-            <a:pPr marL="0" indent="0">
-              <a:buNone/>
-            </a:pPr>
-            <a:endParaRPr lang="nl-NL" sz="2000" dirty="0"/>
-          </a:p>
-          <a:p>
-            <a:pPr marL="0" indent="0">
-              <a:buNone/>
-            </a:pPr>
-            <a:r>
-              <a:rPr lang="nl-NL" sz="2000" b="1" dirty="0"/>
-              <a:t>Nadelen:</a:t>
-            </a:r>
-            <a:endParaRPr lang="nl-NL" sz="2000" dirty="0"/>
-          </a:p>
-          <a:p>
-            <a:pPr>
-              <a:buFontTx/>
-              <a:buChar char="-"/>
-            </a:pPr>
-            <a:r>
-              <a:rPr lang="nl-NL" sz="2000" dirty="0"/>
-              <a:t>Je leert geen SQL / wordt afhankelijk van een tool.</a:t>
-            </a:r>
-          </a:p>
-          <a:p>
-            <a:pPr>
-              <a:buFontTx/>
-              <a:buChar char="-"/>
-            </a:pPr>
-            <a:r>
-              <a:rPr lang="nl-NL" sz="2000" dirty="0"/>
-              <a:t>Voor ML zul je de data toch naar R of Python moeten krijgen.</a:t>
-            </a:r>
-          </a:p>
-          <a:p>
-            <a:pPr>
-              <a:buFontTx/>
-              <a:buChar char="-"/>
-            </a:pPr>
-            <a:endParaRPr lang="nl-NL" sz="2000" dirty="0"/>
-          </a:p>
-        </p:txBody>
-      </p:sp>
-    </p:spTree>
-    <p:extLst>
-      <p:ext uri="{BB962C8B-B14F-4D97-AF65-F5344CB8AC3E}">
-        <p14:creationId xmlns:p14="http://schemas.microsoft.com/office/powerpoint/2010/main" val="1644159653"/>
-      </p:ext>
-    </p:extLst>
-  </p:cSld>
-  <p:clrMapOvr>
-    <a:masterClrMapping/>
-  </p:clrMapOvr>
-</p:sld>
-</file>
-
-<file path=ppt/slides/slide4.xml><?xml version="1.0" encoding="utf-8"?>
+<file path=ppt/slides/slide6.xml><?xml version="1.0" encoding="utf-8"?>
 <p:sld xmlns:a="http://schemas.openxmlformats.org/drawingml/2006/main" xmlns:r="http://schemas.openxmlformats.org/officeDocument/2006/relationships" xmlns:p="http://schemas.openxmlformats.org/presentationml/2006/main">
   <p:cSld>
     <p:spTree>
@@ -7533,7 +9843,7 @@
 </p:sld>
 </file>
 
-<file path=ppt/slides/slide5.xml><?xml version="1.0" encoding="utf-8"?>
+<file path=ppt/slides/slide7.xml><?xml version="1.0" encoding="utf-8"?>
 <p:sld xmlns:a="http://schemas.openxmlformats.org/drawingml/2006/main" xmlns:r="http://schemas.openxmlformats.org/officeDocument/2006/relationships" xmlns:p="http://schemas.openxmlformats.org/presentationml/2006/main">
   <p:cSld>
     <p:spTree>
@@ -7766,7 +10076,7 @@
 </p:sld>
 </file>
 
-<file path=ppt/slides/slide6.xml><?xml version="1.0" encoding="utf-8"?>
+<file path=ppt/slides/slide8.xml><?xml version="1.0" encoding="utf-8"?>
 <p:sld xmlns:a="http://schemas.openxmlformats.org/drawingml/2006/main" xmlns:r="http://schemas.openxmlformats.org/officeDocument/2006/relationships" xmlns:p="http://schemas.openxmlformats.org/presentationml/2006/main">
   <p:cSld>
     <p:spTree>
@@ -8409,7 +10719,7 @@
 </p:sld>
 </file>
 
-<file path=ppt/slides/slide7.xml><?xml version="1.0" encoding="utf-8"?>
+<file path=ppt/slides/slide9.xml><?xml version="1.0" encoding="utf-8"?>
 <p:sld xmlns:a="http://schemas.openxmlformats.org/drawingml/2006/main" xmlns:r="http://schemas.openxmlformats.org/officeDocument/2006/relationships" xmlns:p="http://schemas.openxmlformats.org/presentationml/2006/main">
   <p:cSld>
     <p:spTree>
@@ -8869,1124 +11179,6 @@
     <p:extLst>
       <p:ext uri="{BB962C8B-B14F-4D97-AF65-F5344CB8AC3E}">
         <p14:creationId xmlns:p14="http://schemas.microsoft.com/office/powerpoint/2010/main" val="1723318046"/>
-      </p:ext>
-    </p:extLst>
-  </p:cSld>
-  <p:clrMapOvr>
-    <a:masterClrMapping/>
-  </p:clrMapOvr>
-</p:sld>
-</file>
-
-<file path=ppt/slides/slide8.xml><?xml version="1.0" encoding="utf-8"?>
-<p:sld xmlns:a="http://schemas.openxmlformats.org/drawingml/2006/main" xmlns:r="http://schemas.openxmlformats.org/officeDocument/2006/relationships" xmlns:p="http://schemas.openxmlformats.org/presentationml/2006/main">
-  <p:cSld>
-    <p:spTree>
-      <p:nvGrpSpPr>
-        <p:cNvPr id="1" name=""/>
-        <p:cNvGrpSpPr/>
-        <p:nvPr/>
-      </p:nvGrpSpPr>
-      <p:grpSpPr>
-        <a:xfrm>
-          <a:off x="0" y="0"/>
-          <a:ext cx="0" cy="0"/>
-          <a:chOff x="0" y="0"/>
-          <a:chExt cx="0" cy="0"/>
-        </a:xfrm>
-      </p:grpSpPr>
-      <p:sp>
-        <p:nvSpPr>
-          <p:cNvPr id="2" name="Title 1">
-            <a:extLst>
-              <a:ext uri="{FF2B5EF4-FFF2-40B4-BE49-F238E27FC236}">
-                <a16:creationId xmlns:a16="http://schemas.microsoft.com/office/drawing/2014/main" id="{6F72E4EB-B425-4BF9-8679-99D61A896216}"/>
-              </a:ext>
-            </a:extLst>
-          </p:cNvPr>
-          <p:cNvSpPr>
-            <a:spLocks noGrp="1"/>
-          </p:cNvSpPr>
-          <p:nvPr>
-            <p:ph type="title"/>
-          </p:nvPr>
-        </p:nvSpPr>
-        <p:spPr/>
-        <p:txBody>
-          <a:bodyPr>
-            <a:normAutofit/>
-          </a:bodyPr>
-          <a:lstStyle/>
-          <a:p>
-            <a:r>
-              <a:rPr lang="nl-NL" sz="3600" dirty="0" err="1"/>
-              <a:t>Stateless</a:t>
-            </a:r>
-            <a:r>
-              <a:rPr lang="nl-NL" sz="3600" dirty="0"/>
-              <a:t> transformaties</a:t>
-            </a:r>
-          </a:p>
-        </p:txBody>
-      </p:sp>
-      <p:sp>
-        <p:nvSpPr>
-          <p:cNvPr id="7" name="Rectangle 6">
-            <a:extLst>
-              <a:ext uri="{FF2B5EF4-FFF2-40B4-BE49-F238E27FC236}">
-                <a16:creationId xmlns:a16="http://schemas.microsoft.com/office/drawing/2014/main" id="{71929B34-00A4-46C2-B169-330D32320D53}"/>
-              </a:ext>
-            </a:extLst>
-          </p:cNvPr>
-          <p:cNvSpPr/>
-          <p:nvPr/>
-        </p:nvSpPr>
-        <p:spPr>
-          <a:xfrm>
-            <a:off x="2789854" y="1690688"/>
-            <a:ext cx="2463281" cy="1045029"/>
-          </a:xfrm>
-          <a:prstGeom prst="rect">
-            <a:avLst/>
-          </a:prstGeom>
-        </p:spPr>
-        <p:style>
-          <a:lnRef idx="1">
-            <a:schemeClr val="accent4"/>
-          </a:lnRef>
-          <a:fillRef idx="2">
-            <a:schemeClr val="accent4"/>
-          </a:fillRef>
-          <a:effectRef idx="1">
-            <a:schemeClr val="accent4"/>
-          </a:effectRef>
-          <a:fontRef idx="minor">
-            <a:schemeClr val="dk1"/>
-          </a:fontRef>
-        </p:style>
-        <p:txBody>
-          <a:bodyPr rtlCol="0" anchor="ctr"/>
-          <a:lstStyle/>
-          <a:p>
-            <a:pPr algn="ctr"/>
-            <a:r>
-              <a:rPr lang="en-US" dirty="0"/>
-              <a:t>Train Set</a:t>
-            </a:r>
-            <a:endParaRPr lang="en-NL" dirty="0"/>
-          </a:p>
-        </p:txBody>
-      </p:sp>
-      <p:sp>
-        <p:nvSpPr>
-          <p:cNvPr id="8" name="Rectangle 7">
-            <a:extLst>
-              <a:ext uri="{FF2B5EF4-FFF2-40B4-BE49-F238E27FC236}">
-                <a16:creationId xmlns:a16="http://schemas.microsoft.com/office/drawing/2014/main" id="{9142B93E-74E6-4AD2-9FEA-B76952D38DC8}"/>
-              </a:ext>
-            </a:extLst>
-          </p:cNvPr>
-          <p:cNvSpPr/>
-          <p:nvPr/>
-        </p:nvSpPr>
-        <p:spPr>
-          <a:xfrm>
-            <a:off x="6963748" y="1690688"/>
-            <a:ext cx="2463281" cy="1045029"/>
-          </a:xfrm>
-          <a:prstGeom prst="rect">
-            <a:avLst/>
-          </a:prstGeom>
-        </p:spPr>
-        <p:style>
-          <a:lnRef idx="1">
-            <a:schemeClr val="accent4"/>
-          </a:lnRef>
-          <a:fillRef idx="2">
-            <a:schemeClr val="accent4"/>
-          </a:fillRef>
-          <a:effectRef idx="1">
-            <a:schemeClr val="accent4"/>
-          </a:effectRef>
-          <a:fontRef idx="minor">
-            <a:schemeClr val="dk1"/>
-          </a:fontRef>
-        </p:style>
-        <p:txBody>
-          <a:bodyPr rtlCol="0" anchor="ctr"/>
-          <a:lstStyle/>
-          <a:p>
-            <a:pPr algn="ctr"/>
-            <a:r>
-              <a:rPr lang="en-US" dirty="0"/>
-              <a:t>Score Set</a:t>
-            </a:r>
-            <a:endParaRPr lang="en-NL" dirty="0"/>
-          </a:p>
-        </p:txBody>
-      </p:sp>
-      <p:sp>
-        <p:nvSpPr>
-          <p:cNvPr id="9" name="Rectangle 8">
-            <a:extLst>
-              <a:ext uri="{FF2B5EF4-FFF2-40B4-BE49-F238E27FC236}">
-                <a16:creationId xmlns:a16="http://schemas.microsoft.com/office/drawing/2014/main" id="{97D7E60F-7FD2-4E4B-A147-981CC832F2FF}"/>
-              </a:ext>
-            </a:extLst>
-          </p:cNvPr>
-          <p:cNvSpPr/>
-          <p:nvPr/>
-        </p:nvSpPr>
-        <p:spPr>
-          <a:xfrm>
-            <a:off x="5013649" y="3727872"/>
-            <a:ext cx="2463281" cy="1045029"/>
-          </a:xfrm>
-          <a:prstGeom prst="rect">
-            <a:avLst/>
-          </a:prstGeom>
-        </p:spPr>
-        <p:style>
-          <a:lnRef idx="1">
-            <a:schemeClr val="accent6"/>
-          </a:lnRef>
-          <a:fillRef idx="2">
-            <a:schemeClr val="accent6"/>
-          </a:fillRef>
-          <a:effectRef idx="1">
-            <a:schemeClr val="accent6"/>
-          </a:effectRef>
-          <a:fontRef idx="minor">
-            <a:schemeClr val="dk1"/>
-          </a:fontRef>
-        </p:style>
-        <p:txBody>
-          <a:bodyPr rtlCol="0" anchor="ctr"/>
-          <a:lstStyle/>
-          <a:p>
-            <a:pPr algn="ctr"/>
-            <a:r>
-              <a:rPr lang="en-US" dirty="0"/>
-              <a:t>Logica</a:t>
-            </a:r>
-            <a:endParaRPr lang="en-NL" dirty="0"/>
-          </a:p>
-        </p:txBody>
-      </p:sp>
-      <p:cxnSp>
-        <p:nvCxnSpPr>
-          <p:cNvPr id="11" name="Straight Arrow Connector 10">
-            <a:extLst>
-              <a:ext uri="{FF2B5EF4-FFF2-40B4-BE49-F238E27FC236}">
-                <a16:creationId xmlns:a16="http://schemas.microsoft.com/office/drawing/2014/main" id="{35B6EEAE-F937-4936-A7E1-085D0067F8B9}"/>
-              </a:ext>
-            </a:extLst>
-          </p:cNvPr>
-          <p:cNvCxnSpPr>
-            <a:stCxn id="9" idx="0"/>
-            <a:endCxn id="7" idx="2"/>
-          </p:cNvCxnSpPr>
-          <p:nvPr/>
-        </p:nvCxnSpPr>
-        <p:spPr>
-          <a:xfrm flipH="1" flipV="1">
-            <a:off x="4021495" y="2735717"/>
-            <a:ext cx="2223795" cy="992155"/>
-          </a:xfrm>
-          <a:prstGeom prst="straightConnector1">
-            <a:avLst/>
-          </a:prstGeom>
-          <a:ln>
-            <a:tailEnd type="triangle"/>
-          </a:ln>
-        </p:spPr>
-        <p:style>
-          <a:lnRef idx="3">
-            <a:schemeClr val="dk1"/>
-          </a:lnRef>
-          <a:fillRef idx="0">
-            <a:schemeClr val="dk1"/>
-          </a:fillRef>
-          <a:effectRef idx="2">
-            <a:schemeClr val="dk1"/>
-          </a:effectRef>
-          <a:fontRef idx="minor">
-            <a:schemeClr val="tx1"/>
-          </a:fontRef>
-        </p:style>
-      </p:cxnSp>
-      <p:cxnSp>
-        <p:nvCxnSpPr>
-          <p:cNvPr id="13" name="Straight Arrow Connector 12">
-            <a:extLst>
-              <a:ext uri="{FF2B5EF4-FFF2-40B4-BE49-F238E27FC236}">
-                <a16:creationId xmlns:a16="http://schemas.microsoft.com/office/drawing/2014/main" id="{B0DBF9CB-44F9-4A99-BEC6-F3BC39B04DA7}"/>
-              </a:ext>
-            </a:extLst>
-          </p:cNvPr>
-          <p:cNvCxnSpPr>
-            <a:stCxn id="9" idx="0"/>
-            <a:endCxn id="8" idx="2"/>
-          </p:cNvCxnSpPr>
-          <p:nvPr/>
-        </p:nvCxnSpPr>
-        <p:spPr>
-          <a:xfrm flipV="1">
-            <a:off x="6245290" y="2735717"/>
-            <a:ext cx="1950099" cy="992155"/>
-          </a:xfrm>
-          <a:prstGeom prst="straightConnector1">
-            <a:avLst/>
-          </a:prstGeom>
-          <a:ln>
-            <a:tailEnd type="triangle"/>
-          </a:ln>
-        </p:spPr>
-        <p:style>
-          <a:lnRef idx="3">
-            <a:schemeClr val="dk1"/>
-          </a:lnRef>
-          <a:fillRef idx="0">
-            <a:schemeClr val="dk1"/>
-          </a:fillRef>
-          <a:effectRef idx="2">
-            <a:schemeClr val="dk1"/>
-          </a:effectRef>
-          <a:fontRef idx="minor">
-            <a:schemeClr val="tx1"/>
-          </a:fontRef>
-        </p:style>
-      </p:cxnSp>
-      <p:sp>
-        <p:nvSpPr>
-          <p:cNvPr id="16" name="Rectangle 15">
-            <a:extLst>
-              <a:ext uri="{FF2B5EF4-FFF2-40B4-BE49-F238E27FC236}">
-                <a16:creationId xmlns:a16="http://schemas.microsoft.com/office/drawing/2014/main" id="{C7285DC1-2366-4F93-BE61-3389E4CC8A0A}"/>
-              </a:ext>
-            </a:extLst>
-          </p:cNvPr>
-          <p:cNvSpPr/>
-          <p:nvPr/>
-        </p:nvSpPr>
-        <p:spPr>
-          <a:xfrm>
-            <a:off x="1677957" y="3430848"/>
-            <a:ext cx="2463281" cy="1655891"/>
-          </a:xfrm>
-          <a:prstGeom prst="rect">
-            <a:avLst/>
-          </a:prstGeom>
-        </p:spPr>
-        <p:style>
-          <a:lnRef idx="1">
-            <a:schemeClr val="accent3"/>
-          </a:lnRef>
-          <a:fillRef idx="2">
-            <a:schemeClr val="accent3"/>
-          </a:fillRef>
-          <a:effectRef idx="1">
-            <a:schemeClr val="accent3"/>
-          </a:effectRef>
-          <a:fontRef idx="minor">
-            <a:schemeClr val="dk1"/>
-          </a:fontRef>
-        </p:style>
-        <p:txBody>
-          <a:bodyPr rtlCol="0" anchor="ctr"/>
-          <a:lstStyle/>
-          <a:p>
-            <a:r>
-              <a:rPr lang="en-US" dirty="0"/>
-              <a:t>SELECT</a:t>
-            </a:r>
-          </a:p>
-          <a:p>
-            <a:r>
-              <a:rPr lang="en-US" dirty="0"/>
-              <a:t>  CASE</a:t>
-            </a:r>
-          </a:p>
-          <a:p>
-            <a:r>
-              <a:rPr lang="en-US" dirty="0"/>
-              <a:t>     WHEN … THEN ..</a:t>
-            </a:r>
-          </a:p>
-          <a:p>
-            <a:r>
-              <a:rPr lang="en-US" dirty="0"/>
-              <a:t>  END</a:t>
-            </a:r>
-          </a:p>
-          <a:p>
-            <a:r>
-              <a:rPr lang="en-US" dirty="0"/>
-              <a:t>FROM …</a:t>
-            </a:r>
-            <a:endParaRPr lang="en-NL" dirty="0"/>
-          </a:p>
-        </p:txBody>
-      </p:sp>
-      <p:sp>
-        <p:nvSpPr>
-          <p:cNvPr id="17" name="Rectangle 16">
-            <a:extLst>
-              <a:ext uri="{FF2B5EF4-FFF2-40B4-BE49-F238E27FC236}">
-                <a16:creationId xmlns:a16="http://schemas.microsoft.com/office/drawing/2014/main" id="{73ECA667-8873-490C-A5F9-1435D057325F}"/>
-              </a:ext>
-            </a:extLst>
-          </p:cNvPr>
-          <p:cNvSpPr/>
-          <p:nvPr/>
-        </p:nvSpPr>
-        <p:spPr>
-          <a:xfrm>
-            <a:off x="8349341" y="3428999"/>
-            <a:ext cx="2463281" cy="1655891"/>
-          </a:xfrm>
-          <a:prstGeom prst="rect">
-            <a:avLst/>
-          </a:prstGeom>
-        </p:spPr>
-        <p:style>
-          <a:lnRef idx="1">
-            <a:schemeClr val="accent3"/>
-          </a:lnRef>
-          <a:fillRef idx="2">
-            <a:schemeClr val="accent3"/>
-          </a:fillRef>
-          <a:effectRef idx="1">
-            <a:schemeClr val="accent3"/>
-          </a:effectRef>
-          <a:fontRef idx="minor">
-            <a:schemeClr val="dk1"/>
-          </a:fontRef>
-        </p:style>
-        <p:txBody>
-          <a:bodyPr rtlCol="0" anchor="ctr"/>
-          <a:lstStyle/>
-          <a:p>
-            <a:r>
-              <a:rPr lang="en-US" dirty="0"/>
-              <a:t>mapping = {…}</a:t>
-            </a:r>
-          </a:p>
-          <a:p>
-            <a:r>
-              <a:rPr lang="en-US" dirty="0"/>
-              <a:t>df[…].replace(mapping)</a:t>
-            </a:r>
-            <a:endParaRPr lang="en-NL" dirty="0"/>
-          </a:p>
-        </p:txBody>
-      </p:sp>
-      <p:cxnSp>
-        <p:nvCxnSpPr>
-          <p:cNvPr id="19" name="Straight Arrow Connector 18">
-            <a:extLst>
-              <a:ext uri="{FF2B5EF4-FFF2-40B4-BE49-F238E27FC236}">
-                <a16:creationId xmlns:a16="http://schemas.microsoft.com/office/drawing/2014/main" id="{2E52DCC0-3021-4983-9B44-E3C7FF354EA5}"/>
-              </a:ext>
-            </a:extLst>
-          </p:cNvPr>
-          <p:cNvCxnSpPr>
-            <a:stCxn id="16" idx="3"/>
-            <a:endCxn id="9" idx="1"/>
-          </p:cNvCxnSpPr>
-          <p:nvPr/>
-        </p:nvCxnSpPr>
-        <p:spPr>
-          <a:xfrm flipV="1">
-            <a:off x="4141238" y="4250387"/>
-            <a:ext cx="872411" cy="8407"/>
-          </a:xfrm>
-          <a:prstGeom prst="straightConnector1">
-            <a:avLst/>
-          </a:prstGeom>
-          <a:ln>
-            <a:tailEnd type="triangle"/>
-          </a:ln>
-        </p:spPr>
-        <p:style>
-          <a:lnRef idx="3">
-            <a:schemeClr val="dk1"/>
-          </a:lnRef>
-          <a:fillRef idx="0">
-            <a:schemeClr val="dk1"/>
-          </a:fillRef>
-          <a:effectRef idx="2">
-            <a:schemeClr val="dk1"/>
-          </a:effectRef>
-          <a:fontRef idx="minor">
-            <a:schemeClr val="tx1"/>
-          </a:fontRef>
-        </p:style>
-      </p:cxnSp>
-      <p:cxnSp>
-        <p:nvCxnSpPr>
-          <p:cNvPr id="21" name="Straight Arrow Connector 20">
-            <a:extLst>
-              <a:ext uri="{FF2B5EF4-FFF2-40B4-BE49-F238E27FC236}">
-                <a16:creationId xmlns:a16="http://schemas.microsoft.com/office/drawing/2014/main" id="{D9D8A0E1-D8E1-431D-84D4-74DFD42B8EDF}"/>
-              </a:ext>
-            </a:extLst>
-          </p:cNvPr>
-          <p:cNvCxnSpPr>
-            <a:cxnSpLocks/>
-            <a:stCxn id="17" idx="1"/>
-            <a:endCxn id="9" idx="3"/>
-          </p:cNvCxnSpPr>
-          <p:nvPr/>
-        </p:nvCxnSpPr>
-        <p:spPr>
-          <a:xfrm flipH="1" flipV="1">
-            <a:off x="7476930" y="4250387"/>
-            <a:ext cx="872411" cy="6558"/>
-          </a:xfrm>
-          <a:prstGeom prst="straightConnector1">
-            <a:avLst/>
-          </a:prstGeom>
-          <a:ln>
-            <a:tailEnd type="triangle"/>
-          </a:ln>
-        </p:spPr>
-        <p:style>
-          <a:lnRef idx="3">
-            <a:schemeClr val="dk1"/>
-          </a:lnRef>
-          <a:fillRef idx="0">
-            <a:schemeClr val="dk1"/>
-          </a:fillRef>
-          <a:effectRef idx="2">
-            <a:schemeClr val="dk1"/>
-          </a:effectRef>
-          <a:fontRef idx="minor">
-            <a:schemeClr val="tx1"/>
-          </a:fontRef>
-        </p:style>
-      </p:cxnSp>
-      <p:sp>
-        <p:nvSpPr>
-          <p:cNvPr id="24" name="TextBox 23">
-            <a:extLst>
-              <a:ext uri="{FF2B5EF4-FFF2-40B4-BE49-F238E27FC236}">
-                <a16:creationId xmlns:a16="http://schemas.microsoft.com/office/drawing/2014/main" id="{BD44127D-D475-4BE1-88B7-37F1A83838E2}"/>
-              </a:ext>
-            </a:extLst>
-          </p:cNvPr>
-          <p:cNvSpPr txBox="1"/>
-          <p:nvPr/>
-        </p:nvSpPr>
-        <p:spPr>
-          <a:xfrm>
-            <a:off x="1677957" y="5299788"/>
-            <a:ext cx="2463281" cy="646331"/>
-          </a:xfrm>
-          <a:prstGeom prst="rect">
-            <a:avLst/>
-          </a:prstGeom>
-          <a:noFill/>
-        </p:spPr>
-        <p:txBody>
-          <a:bodyPr wrap="square" rtlCol="0">
-            <a:spAutoFit/>
-          </a:bodyPr>
-          <a:lstStyle/>
-          <a:p>
-            <a:pPr marL="285750" indent="-285750">
-              <a:buFont typeface="Arial" panose="020B0604020202020204" pitchFamily="34" charset="0"/>
-              <a:buChar char="•"/>
-            </a:pPr>
-            <a:r>
-              <a:rPr lang="en-US" dirty="0" err="1"/>
-              <a:t>Veel</a:t>
-            </a:r>
-            <a:r>
-              <a:rPr lang="en-US" dirty="0"/>
-              <a:t> data</a:t>
-            </a:r>
-          </a:p>
-          <a:p>
-            <a:pPr marL="285750" indent="-285750">
-              <a:buFont typeface="Arial" panose="020B0604020202020204" pitchFamily="34" charset="0"/>
-              <a:buChar char="•"/>
-            </a:pPr>
-            <a:r>
-              <a:rPr lang="en-US" dirty="0" err="1"/>
-              <a:t>Simpele</a:t>
-            </a:r>
-            <a:r>
-              <a:rPr lang="en-US" dirty="0"/>
-              <a:t> </a:t>
-            </a:r>
-            <a:r>
-              <a:rPr lang="en-US" dirty="0" err="1"/>
-              <a:t>logica</a:t>
-            </a:r>
-            <a:endParaRPr lang="en-NL" dirty="0"/>
-          </a:p>
-        </p:txBody>
-      </p:sp>
-      <p:sp>
-        <p:nvSpPr>
-          <p:cNvPr id="25" name="TextBox 24">
-            <a:extLst>
-              <a:ext uri="{FF2B5EF4-FFF2-40B4-BE49-F238E27FC236}">
-                <a16:creationId xmlns:a16="http://schemas.microsoft.com/office/drawing/2014/main" id="{5A022FED-FE67-49A6-A7A8-03ECFD0103C3}"/>
-              </a:ext>
-            </a:extLst>
-          </p:cNvPr>
-          <p:cNvSpPr txBox="1"/>
-          <p:nvPr/>
-        </p:nvSpPr>
-        <p:spPr>
-          <a:xfrm>
-            <a:off x="8349341" y="5299788"/>
-            <a:ext cx="2463280" cy="646331"/>
-          </a:xfrm>
-          <a:prstGeom prst="rect">
-            <a:avLst/>
-          </a:prstGeom>
-          <a:noFill/>
-        </p:spPr>
-        <p:txBody>
-          <a:bodyPr wrap="square" rtlCol="0">
-            <a:spAutoFit/>
-          </a:bodyPr>
-          <a:lstStyle/>
-          <a:p>
-            <a:pPr marL="285750" indent="-285750">
-              <a:buFont typeface="Arial" panose="020B0604020202020204" pitchFamily="34" charset="0"/>
-              <a:buChar char="•"/>
-            </a:pPr>
-            <a:r>
-              <a:rPr lang="en-US" dirty="0" err="1"/>
-              <a:t>Weinig</a:t>
-            </a:r>
-            <a:r>
-              <a:rPr lang="en-US" dirty="0"/>
-              <a:t> data</a:t>
-            </a:r>
-          </a:p>
-          <a:p>
-            <a:pPr marL="285750" indent="-285750">
-              <a:buFont typeface="Arial" panose="020B0604020202020204" pitchFamily="34" charset="0"/>
-              <a:buChar char="•"/>
-            </a:pPr>
-            <a:r>
-              <a:rPr lang="en-US" dirty="0" err="1"/>
-              <a:t>Complexe</a:t>
-            </a:r>
-            <a:r>
-              <a:rPr lang="en-US" dirty="0"/>
-              <a:t> </a:t>
-            </a:r>
-            <a:r>
-              <a:rPr lang="en-US" dirty="0" err="1"/>
-              <a:t>logica</a:t>
-            </a:r>
-            <a:endParaRPr lang="en-NL" dirty="0"/>
-          </a:p>
-        </p:txBody>
-      </p:sp>
-    </p:spTree>
-    <p:extLst>
-      <p:ext uri="{BB962C8B-B14F-4D97-AF65-F5344CB8AC3E}">
-        <p14:creationId xmlns:p14="http://schemas.microsoft.com/office/powerpoint/2010/main" val="774511906"/>
-      </p:ext>
-    </p:extLst>
-  </p:cSld>
-  <p:clrMapOvr>
-    <a:masterClrMapping/>
-  </p:clrMapOvr>
-</p:sld>
-</file>
-
-<file path=ppt/slides/slide9.xml><?xml version="1.0" encoding="utf-8"?>
-<p:sld xmlns:a="http://schemas.openxmlformats.org/drawingml/2006/main" xmlns:r="http://schemas.openxmlformats.org/officeDocument/2006/relationships" xmlns:p="http://schemas.openxmlformats.org/presentationml/2006/main">
-  <p:cSld>
-    <p:spTree>
-      <p:nvGrpSpPr>
-        <p:cNvPr id="1" name=""/>
-        <p:cNvGrpSpPr/>
-        <p:nvPr/>
-      </p:nvGrpSpPr>
-      <p:grpSpPr>
-        <a:xfrm>
-          <a:off x="0" y="0"/>
-          <a:ext cx="0" cy="0"/>
-          <a:chOff x="0" y="0"/>
-          <a:chExt cx="0" cy="0"/>
-        </a:xfrm>
-      </p:grpSpPr>
-      <p:sp>
-        <p:nvSpPr>
-          <p:cNvPr id="2" name="Title 1">
-            <a:extLst>
-              <a:ext uri="{FF2B5EF4-FFF2-40B4-BE49-F238E27FC236}">
-                <a16:creationId xmlns:a16="http://schemas.microsoft.com/office/drawing/2014/main" id="{6F72E4EB-B425-4BF9-8679-99D61A896216}"/>
-              </a:ext>
-            </a:extLst>
-          </p:cNvPr>
-          <p:cNvSpPr>
-            <a:spLocks noGrp="1"/>
-          </p:cNvSpPr>
-          <p:nvPr>
-            <p:ph type="title"/>
-          </p:nvPr>
-        </p:nvSpPr>
-        <p:spPr/>
-        <p:txBody>
-          <a:bodyPr>
-            <a:normAutofit/>
-          </a:bodyPr>
-          <a:lstStyle/>
-          <a:p>
-            <a:r>
-              <a:rPr lang="nl-NL" sz="3600" dirty="0" err="1"/>
-              <a:t>Stateful</a:t>
-            </a:r>
-            <a:r>
-              <a:rPr lang="nl-NL" sz="3600" dirty="0"/>
-              <a:t> transformaties</a:t>
-            </a:r>
-          </a:p>
-        </p:txBody>
-      </p:sp>
-      <p:sp>
-        <p:nvSpPr>
-          <p:cNvPr id="7" name="Rectangle 6">
-            <a:extLst>
-              <a:ext uri="{FF2B5EF4-FFF2-40B4-BE49-F238E27FC236}">
-                <a16:creationId xmlns:a16="http://schemas.microsoft.com/office/drawing/2014/main" id="{71929B34-00A4-46C2-B169-330D32320D53}"/>
-              </a:ext>
-            </a:extLst>
-          </p:cNvPr>
-          <p:cNvSpPr/>
-          <p:nvPr/>
-        </p:nvSpPr>
-        <p:spPr>
-          <a:xfrm>
-            <a:off x="1558214" y="1690688"/>
-            <a:ext cx="2463281" cy="1045029"/>
-          </a:xfrm>
-          <a:prstGeom prst="rect">
-            <a:avLst/>
-          </a:prstGeom>
-        </p:spPr>
-        <p:style>
-          <a:lnRef idx="1">
-            <a:schemeClr val="accent4"/>
-          </a:lnRef>
-          <a:fillRef idx="2">
-            <a:schemeClr val="accent4"/>
-          </a:fillRef>
-          <a:effectRef idx="1">
-            <a:schemeClr val="accent4"/>
-          </a:effectRef>
-          <a:fontRef idx="minor">
-            <a:schemeClr val="dk1"/>
-          </a:fontRef>
-        </p:style>
-        <p:txBody>
-          <a:bodyPr rtlCol="0" anchor="ctr"/>
-          <a:lstStyle/>
-          <a:p>
-            <a:pPr algn="ctr"/>
-            <a:r>
-              <a:rPr lang="en-US" dirty="0"/>
-              <a:t>Train Set</a:t>
-            </a:r>
-            <a:endParaRPr lang="en-NL" dirty="0"/>
-          </a:p>
-        </p:txBody>
-      </p:sp>
-      <p:sp>
-        <p:nvSpPr>
-          <p:cNvPr id="8" name="Rectangle 7">
-            <a:extLst>
-              <a:ext uri="{FF2B5EF4-FFF2-40B4-BE49-F238E27FC236}">
-                <a16:creationId xmlns:a16="http://schemas.microsoft.com/office/drawing/2014/main" id="{9142B93E-74E6-4AD2-9FEA-B76952D38DC8}"/>
-              </a:ext>
-            </a:extLst>
-          </p:cNvPr>
-          <p:cNvSpPr/>
-          <p:nvPr/>
-        </p:nvSpPr>
-        <p:spPr>
-          <a:xfrm>
-            <a:off x="8170504" y="1690688"/>
-            <a:ext cx="2463281" cy="1045029"/>
-          </a:xfrm>
-          <a:prstGeom prst="rect">
-            <a:avLst/>
-          </a:prstGeom>
-        </p:spPr>
-        <p:style>
-          <a:lnRef idx="1">
-            <a:schemeClr val="accent4"/>
-          </a:lnRef>
-          <a:fillRef idx="2">
-            <a:schemeClr val="accent4"/>
-          </a:fillRef>
-          <a:effectRef idx="1">
-            <a:schemeClr val="accent4"/>
-          </a:effectRef>
-          <a:fontRef idx="minor">
-            <a:schemeClr val="dk1"/>
-          </a:fontRef>
-        </p:style>
-        <p:txBody>
-          <a:bodyPr rtlCol="0" anchor="ctr"/>
-          <a:lstStyle/>
-          <a:p>
-            <a:pPr algn="ctr"/>
-            <a:r>
-              <a:rPr lang="en-US" dirty="0"/>
-              <a:t>Score Set</a:t>
-            </a:r>
-            <a:endParaRPr lang="en-NL" dirty="0"/>
-          </a:p>
-        </p:txBody>
-      </p:sp>
-      <p:sp>
-        <p:nvSpPr>
-          <p:cNvPr id="9" name="Rectangle 8">
-            <a:extLst>
-              <a:ext uri="{FF2B5EF4-FFF2-40B4-BE49-F238E27FC236}">
-                <a16:creationId xmlns:a16="http://schemas.microsoft.com/office/drawing/2014/main" id="{97D7E60F-7FD2-4E4B-A147-981CC832F2FF}"/>
-              </a:ext>
-            </a:extLst>
-          </p:cNvPr>
-          <p:cNvSpPr/>
-          <p:nvPr/>
-        </p:nvSpPr>
-        <p:spPr>
-          <a:xfrm>
-            <a:off x="1558214" y="3429000"/>
-            <a:ext cx="2463281" cy="1045029"/>
-          </a:xfrm>
-          <a:prstGeom prst="rect">
-            <a:avLst/>
-          </a:prstGeom>
-        </p:spPr>
-        <p:style>
-          <a:lnRef idx="1">
-            <a:schemeClr val="accent6"/>
-          </a:lnRef>
-          <a:fillRef idx="2">
-            <a:schemeClr val="accent6"/>
-          </a:fillRef>
-          <a:effectRef idx="1">
-            <a:schemeClr val="accent6"/>
-          </a:effectRef>
-          <a:fontRef idx="minor">
-            <a:schemeClr val="dk1"/>
-          </a:fontRef>
-        </p:style>
-        <p:txBody>
-          <a:bodyPr rtlCol="0" anchor="ctr"/>
-          <a:lstStyle/>
-          <a:p>
-            <a:pPr algn="ctr"/>
-            <a:r>
-              <a:rPr lang="en-US" dirty="0"/>
-              <a:t>Logica</a:t>
-            </a:r>
-          </a:p>
-          <a:p>
-            <a:pPr algn="ctr"/>
-            <a:r>
-              <a:rPr lang="en-US" dirty="0"/>
-              <a:t>(fit)</a:t>
-            </a:r>
-            <a:endParaRPr lang="en-NL" dirty="0"/>
-          </a:p>
-        </p:txBody>
-      </p:sp>
-      <p:sp>
-        <p:nvSpPr>
-          <p:cNvPr id="18" name="Rectangle 17">
-            <a:extLst>
-              <a:ext uri="{FF2B5EF4-FFF2-40B4-BE49-F238E27FC236}">
-                <a16:creationId xmlns:a16="http://schemas.microsoft.com/office/drawing/2014/main" id="{E608E9A1-8C62-4334-89A4-658DBC77AEB9}"/>
-              </a:ext>
-            </a:extLst>
-          </p:cNvPr>
-          <p:cNvSpPr/>
-          <p:nvPr/>
-        </p:nvSpPr>
-        <p:spPr>
-          <a:xfrm>
-            <a:off x="8170504" y="3428997"/>
-            <a:ext cx="2463281" cy="1045029"/>
-          </a:xfrm>
-          <a:prstGeom prst="rect">
-            <a:avLst/>
-          </a:prstGeom>
-        </p:spPr>
-        <p:style>
-          <a:lnRef idx="1">
-            <a:schemeClr val="accent6"/>
-          </a:lnRef>
-          <a:fillRef idx="2">
-            <a:schemeClr val="accent6"/>
-          </a:fillRef>
-          <a:effectRef idx="1">
-            <a:schemeClr val="accent6"/>
-          </a:effectRef>
-          <a:fontRef idx="minor">
-            <a:schemeClr val="dk1"/>
-          </a:fontRef>
-        </p:style>
-        <p:txBody>
-          <a:bodyPr rtlCol="0" anchor="ctr"/>
-          <a:lstStyle/>
-          <a:p>
-            <a:pPr algn="ctr"/>
-            <a:r>
-              <a:rPr lang="en-US" dirty="0"/>
-              <a:t>Logica</a:t>
-            </a:r>
-          </a:p>
-          <a:p>
-            <a:pPr algn="ctr"/>
-            <a:r>
-              <a:rPr lang="en-US" dirty="0"/>
-              <a:t>(transform)</a:t>
-            </a:r>
-            <a:endParaRPr lang="en-NL" dirty="0"/>
-          </a:p>
-        </p:txBody>
-      </p:sp>
-      <p:sp>
-        <p:nvSpPr>
-          <p:cNvPr id="22" name="Rectangle 21">
-            <a:extLst>
-              <a:ext uri="{FF2B5EF4-FFF2-40B4-BE49-F238E27FC236}">
-                <a16:creationId xmlns:a16="http://schemas.microsoft.com/office/drawing/2014/main" id="{ECA5FD62-3898-4F3D-A78B-132DC26CAE84}"/>
-              </a:ext>
-            </a:extLst>
-          </p:cNvPr>
-          <p:cNvSpPr/>
-          <p:nvPr/>
-        </p:nvSpPr>
-        <p:spPr>
-          <a:xfrm>
-            <a:off x="4864359" y="3428998"/>
-            <a:ext cx="2463281" cy="1045029"/>
-          </a:xfrm>
-          <a:prstGeom prst="rect">
-            <a:avLst/>
-          </a:prstGeom>
-        </p:spPr>
-        <p:style>
-          <a:lnRef idx="1">
-            <a:schemeClr val="accent5"/>
-          </a:lnRef>
-          <a:fillRef idx="2">
-            <a:schemeClr val="accent5"/>
-          </a:fillRef>
-          <a:effectRef idx="1">
-            <a:schemeClr val="accent5"/>
-          </a:effectRef>
-          <a:fontRef idx="minor">
-            <a:schemeClr val="dk1"/>
-          </a:fontRef>
-        </p:style>
-        <p:txBody>
-          <a:bodyPr rtlCol="0" anchor="ctr"/>
-          <a:lstStyle/>
-          <a:p>
-            <a:pPr algn="ctr"/>
-            <a:r>
-              <a:rPr lang="en-US" dirty="0"/>
-              <a:t>Artefact</a:t>
-            </a:r>
-          </a:p>
-          <a:p>
-            <a:pPr algn="ctr"/>
-            <a:r>
-              <a:rPr lang="en-US" dirty="0"/>
-              <a:t>(min, max)</a:t>
-            </a:r>
-            <a:endParaRPr lang="en-NL" dirty="0"/>
-          </a:p>
-        </p:txBody>
-      </p:sp>
-      <p:cxnSp>
-        <p:nvCxnSpPr>
-          <p:cNvPr id="14" name="Straight Arrow Connector 13">
-            <a:extLst>
-              <a:ext uri="{FF2B5EF4-FFF2-40B4-BE49-F238E27FC236}">
-                <a16:creationId xmlns:a16="http://schemas.microsoft.com/office/drawing/2014/main" id="{42879A38-668D-43B6-81E6-146745EAE866}"/>
-              </a:ext>
-            </a:extLst>
-          </p:cNvPr>
-          <p:cNvCxnSpPr>
-            <a:stCxn id="7" idx="2"/>
-            <a:endCxn id="9" idx="0"/>
-          </p:cNvCxnSpPr>
-          <p:nvPr/>
-        </p:nvCxnSpPr>
-        <p:spPr>
-          <a:xfrm>
-            <a:off x="2789855" y="2735717"/>
-            <a:ext cx="0" cy="693283"/>
-          </a:xfrm>
-          <a:prstGeom prst="straightConnector1">
-            <a:avLst/>
-          </a:prstGeom>
-          <a:ln>
-            <a:tailEnd type="triangle"/>
-          </a:ln>
-        </p:spPr>
-        <p:style>
-          <a:lnRef idx="3">
-            <a:schemeClr val="dk1"/>
-          </a:lnRef>
-          <a:fillRef idx="0">
-            <a:schemeClr val="dk1"/>
-          </a:fillRef>
-          <a:effectRef idx="2">
-            <a:schemeClr val="dk1"/>
-          </a:effectRef>
-          <a:fontRef idx="minor">
-            <a:schemeClr val="tx1"/>
-          </a:fontRef>
-        </p:style>
-      </p:cxnSp>
-      <p:cxnSp>
-        <p:nvCxnSpPr>
-          <p:cNvPr id="23" name="Straight Arrow Connector 22">
-            <a:extLst>
-              <a:ext uri="{FF2B5EF4-FFF2-40B4-BE49-F238E27FC236}">
-                <a16:creationId xmlns:a16="http://schemas.microsoft.com/office/drawing/2014/main" id="{9D440109-3CA3-4ADD-A8F5-C8BB779A6697}"/>
-              </a:ext>
-            </a:extLst>
-          </p:cNvPr>
-          <p:cNvCxnSpPr>
-            <a:stCxn id="9" idx="3"/>
-            <a:endCxn id="22" idx="1"/>
-          </p:cNvCxnSpPr>
-          <p:nvPr/>
-        </p:nvCxnSpPr>
-        <p:spPr>
-          <a:xfrm flipV="1">
-            <a:off x="4021495" y="3951513"/>
-            <a:ext cx="842864" cy="2"/>
-          </a:xfrm>
-          <a:prstGeom prst="straightConnector1">
-            <a:avLst/>
-          </a:prstGeom>
-          <a:ln>
-            <a:tailEnd type="triangle"/>
-          </a:ln>
-        </p:spPr>
-        <p:style>
-          <a:lnRef idx="3">
-            <a:schemeClr val="dk1"/>
-          </a:lnRef>
-          <a:fillRef idx="0">
-            <a:schemeClr val="dk1"/>
-          </a:fillRef>
-          <a:effectRef idx="2">
-            <a:schemeClr val="dk1"/>
-          </a:effectRef>
-          <a:fontRef idx="minor">
-            <a:schemeClr val="tx1"/>
-          </a:fontRef>
-        </p:style>
-      </p:cxnSp>
-      <p:cxnSp>
-        <p:nvCxnSpPr>
-          <p:cNvPr id="28" name="Straight Arrow Connector 27">
-            <a:extLst>
-              <a:ext uri="{FF2B5EF4-FFF2-40B4-BE49-F238E27FC236}">
-                <a16:creationId xmlns:a16="http://schemas.microsoft.com/office/drawing/2014/main" id="{41492F47-576B-45C9-ADBD-686F8DF5F1E0}"/>
-              </a:ext>
-            </a:extLst>
-          </p:cNvPr>
-          <p:cNvCxnSpPr>
-            <a:stCxn id="22" idx="3"/>
-            <a:endCxn id="18" idx="1"/>
-          </p:cNvCxnSpPr>
-          <p:nvPr/>
-        </p:nvCxnSpPr>
-        <p:spPr>
-          <a:xfrm flipV="1">
-            <a:off x="7327640" y="3951512"/>
-            <a:ext cx="842864" cy="1"/>
-          </a:xfrm>
-          <a:prstGeom prst="straightConnector1">
-            <a:avLst/>
-          </a:prstGeom>
-          <a:ln>
-            <a:tailEnd type="triangle"/>
-          </a:ln>
-        </p:spPr>
-        <p:style>
-          <a:lnRef idx="3">
-            <a:schemeClr val="dk1"/>
-          </a:lnRef>
-          <a:fillRef idx="0">
-            <a:schemeClr val="dk1"/>
-          </a:fillRef>
-          <a:effectRef idx="2">
-            <a:schemeClr val="dk1"/>
-          </a:effectRef>
-          <a:fontRef idx="minor">
-            <a:schemeClr val="tx1"/>
-          </a:fontRef>
-        </p:style>
-      </p:cxnSp>
-      <p:cxnSp>
-        <p:nvCxnSpPr>
-          <p:cNvPr id="30" name="Straight Arrow Connector 29">
-            <a:extLst>
-              <a:ext uri="{FF2B5EF4-FFF2-40B4-BE49-F238E27FC236}">
-                <a16:creationId xmlns:a16="http://schemas.microsoft.com/office/drawing/2014/main" id="{8E084A15-CC90-478E-ACB7-71EE7779BDAF}"/>
-              </a:ext>
-            </a:extLst>
-          </p:cNvPr>
-          <p:cNvCxnSpPr>
-            <a:stCxn id="18" idx="0"/>
-            <a:endCxn id="8" idx="2"/>
-          </p:cNvCxnSpPr>
-          <p:nvPr/>
-        </p:nvCxnSpPr>
-        <p:spPr>
-          <a:xfrm flipV="1">
-            <a:off x="9402145" y="2735717"/>
-            <a:ext cx="0" cy="693280"/>
-          </a:xfrm>
-          <a:prstGeom prst="straightConnector1">
-            <a:avLst/>
-          </a:prstGeom>
-          <a:ln>
-            <a:tailEnd type="triangle"/>
-          </a:ln>
-        </p:spPr>
-        <p:style>
-          <a:lnRef idx="3">
-            <a:schemeClr val="dk1"/>
-          </a:lnRef>
-          <a:fillRef idx="0">
-            <a:schemeClr val="dk1"/>
-          </a:fillRef>
-          <a:effectRef idx="2">
-            <a:schemeClr val="dk1"/>
-          </a:effectRef>
-          <a:fontRef idx="minor">
-            <a:schemeClr val="tx1"/>
-          </a:fontRef>
-        </p:style>
-      </p:cxnSp>
-    </p:spTree>
-    <p:extLst>
-      <p:ext uri="{BB962C8B-B14F-4D97-AF65-F5344CB8AC3E}">
-        <p14:creationId xmlns:p14="http://schemas.microsoft.com/office/powerpoint/2010/main" val="4066335228"/>
       </p:ext>
     </p:extLst>
   </p:cSld>
